--- a/presentations/04_ML_Önemli_Hususlar.pptx
+++ b/presentations/04_ML_Önemli_Hususlar.pptx
@@ -5,7 +5,7 @@
     <p:sldMasterId id="2147483648" r:id="rId1"/>
   </p:sldMasterIdLst>
   <p:notesMasterIdLst>
-    <p:notesMasterId r:id="rId16"/>
+    <p:notesMasterId r:id="rId19"/>
   </p:notesMasterIdLst>
   <p:sldIdLst>
     <p:sldId id="257" r:id="rId2"/>
@@ -21,7 +21,10 @@
     <p:sldId id="342" r:id="rId12"/>
     <p:sldId id="272" r:id="rId13"/>
     <p:sldId id="324" r:id="rId14"/>
-    <p:sldId id="343" r:id="rId15"/>
+    <p:sldId id="344" r:id="rId15"/>
+    <p:sldId id="346" r:id="rId16"/>
+    <p:sldId id="345" r:id="rId17"/>
+    <p:sldId id="343" r:id="rId18"/>
   </p:sldIdLst>
   <p:sldSz cx="12192000" cy="6858000"/>
   <p:notesSz cx="6858000" cy="9144000"/>
@@ -148,321 +151,6 @@
       <pc:docMkLst>
         <pc:docMk/>
       </pc:docMkLst>
-      <pc:sldChg chg="del">
-        <pc:chgData name="Erkan ŞİRİN" userId="7f10ce1d6aaf8c5d" providerId="LiveId" clId="{D9C747DB-0ACB-4E68-987D-4C5D6EF5C7FB}" dt="2019-03-27T16:46:57.889" v="10" actId="2696"/>
-        <pc:sldMkLst>
-          <pc:docMk/>
-          <pc:sldMk cId="2733021774" sldId="275"/>
-        </pc:sldMkLst>
-      </pc:sldChg>
-      <pc:sldChg chg="del">
-        <pc:chgData name="Erkan ŞİRİN" userId="7f10ce1d6aaf8c5d" providerId="LiveId" clId="{D9C747DB-0ACB-4E68-987D-4C5D6EF5C7FB}" dt="2019-03-27T16:46:57.899" v="11" actId="2696"/>
-        <pc:sldMkLst>
-          <pc:docMk/>
-          <pc:sldMk cId="3184506075" sldId="276"/>
-        </pc:sldMkLst>
-      </pc:sldChg>
-      <pc:sldChg chg="del">
-        <pc:chgData name="Erkan ŞİRİN" userId="7f10ce1d6aaf8c5d" providerId="LiveId" clId="{D9C747DB-0ACB-4E68-987D-4C5D6EF5C7FB}" dt="2019-03-27T16:46:57.911" v="12" actId="2696"/>
-        <pc:sldMkLst>
-          <pc:docMk/>
-          <pc:sldMk cId="1358242990" sldId="279"/>
-        </pc:sldMkLst>
-      </pc:sldChg>
-      <pc:sldChg chg="del">
-        <pc:chgData name="Erkan ŞİRİN" userId="7f10ce1d6aaf8c5d" providerId="LiveId" clId="{D9C747DB-0ACB-4E68-987D-4C5D6EF5C7FB}" dt="2019-03-27T16:46:57.923" v="13" actId="2696"/>
-        <pc:sldMkLst>
-          <pc:docMk/>
-          <pc:sldMk cId="1823493051" sldId="280"/>
-        </pc:sldMkLst>
-      </pc:sldChg>
-      <pc:sldChg chg="del">
-        <pc:chgData name="Erkan ŞİRİN" userId="7f10ce1d6aaf8c5d" providerId="LiveId" clId="{D9C747DB-0ACB-4E68-987D-4C5D6EF5C7FB}" dt="2019-03-27T16:46:57.934" v="14" actId="2696"/>
-        <pc:sldMkLst>
-          <pc:docMk/>
-          <pc:sldMk cId="2818273858" sldId="281"/>
-        </pc:sldMkLst>
-      </pc:sldChg>
-      <pc:sldChg chg="del">
-        <pc:chgData name="Erkan ŞİRİN" userId="7f10ce1d6aaf8c5d" providerId="LiveId" clId="{D9C747DB-0ACB-4E68-987D-4C5D6EF5C7FB}" dt="2019-03-27T16:46:57.954" v="15" actId="2696"/>
-        <pc:sldMkLst>
-          <pc:docMk/>
-          <pc:sldMk cId="3218322303" sldId="282"/>
-        </pc:sldMkLst>
-      </pc:sldChg>
-      <pc:sldChg chg="del">
-        <pc:chgData name="Erkan ŞİRİN" userId="7f10ce1d6aaf8c5d" providerId="LiveId" clId="{D9C747DB-0ACB-4E68-987D-4C5D6EF5C7FB}" dt="2019-03-27T16:46:57.968" v="16" actId="2696"/>
-        <pc:sldMkLst>
-          <pc:docMk/>
-          <pc:sldMk cId="4240338584" sldId="283"/>
-        </pc:sldMkLst>
-      </pc:sldChg>
-      <pc:sldChg chg="del">
-        <pc:chgData name="Erkan ŞİRİN" userId="7f10ce1d6aaf8c5d" providerId="LiveId" clId="{D9C747DB-0ACB-4E68-987D-4C5D6EF5C7FB}" dt="2019-03-27T16:46:57.977" v="17" actId="2696"/>
-        <pc:sldMkLst>
-          <pc:docMk/>
-          <pc:sldMk cId="2703926000" sldId="284"/>
-        </pc:sldMkLst>
-      </pc:sldChg>
-      <pc:sldChg chg="del">
-        <pc:chgData name="Erkan ŞİRİN" userId="7f10ce1d6aaf8c5d" providerId="LiveId" clId="{D9C747DB-0ACB-4E68-987D-4C5D6EF5C7FB}" dt="2019-03-27T16:46:57.987" v="18" actId="2696"/>
-        <pc:sldMkLst>
-          <pc:docMk/>
-          <pc:sldMk cId="2208180407" sldId="285"/>
-        </pc:sldMkLst>
-      </pc:sldChg>
-      <pc:sldChg chg="del">
-        <pc:chgData name="Erkan ŞİRİN" userId="7f10ce1d6aaf8c5d" providerId="LiveId" clId="{D9C747DB-0ACB-4E68-987D-4C5D6EF5C7FB}" dt="2019-03-27T16:46:57.997" v="19" actId="2696"/>
-        <pc:sldMkLst>
-          <pc:docMk/>
-          <pc:sldMk cId="490914709" sldId="287"/>
-        </pc:sldMkLst>
-      </pc:sldChg>
-      <pc:sldChg chg="del">
-        <pc:chgData name="Erkan ŞİRİN" userId="7f10ce1d6aaf8c5d" providerId="LiveId" clId="{D9C747DB-0ACB-4E68-987D-4C5D6EF5C7FB}" dt="2019-03-27T16:46:58.006" v="20" actId="2696"/>
-        <pc:sldMkLst>
-          <pc:docMk/>
-          <pc:sldMk cId="3497645926" sldId="288"/>
-        </pc:sldMkLst>
-      </pc:sldChg>
-      <pc:sldChg chg="del">
-        <pc:chgData name="Erkan ŞİRİN" userId="7f10ce1d6aaf8c5d" providerId="LiveId" clId="{D9C747DB-0ACB-4E68-987D-4C5D6EF5C7FB}" dt="2019-03-27T16:46:58.016" v="21" actId="2696"/>
-        <pc:sldMkLst>
-          <pc:docMk/>
-          <pc:sldMk cId="2886109309" sldId="289"/>
-        </pc:sldMkLst>
-      </pc:sldChg>
-      <pc:sldChg chg="del">
-        <pc:chgData name="Erkan ŞİRİN" userId="7f10ce1d6aaf8c5d" providerId="LiveId" clId="{D9C747DB-0ACB-4E68-987D-4C5D6EF5C7FB}" dt="2019-03-27T16:46:58.027" v="22" actId="2696"/>
-        <pc:sldMkLst>
-          <pc:docMk/>
-          <pc:sldMk cId="1687211994" sldId="290"/>
-        </pc:sldMkLst>
-      </pc:sldChg>
-      <pc:sldChg chg="del">
-        <pc:chgData name="Erkan ŞİRİN" userId="7f10ce1d6aaf8c5d" providerId="LiveId" clId="{D9C747DB-0ACB-4E68-987D-4C5D6EF5C7FB}" dt="2019-03-27T16:46:58.039" v="23" actId="2696"/>
-        <pc:sldMkLst>
-          <pc:docMk/>
-          <pc:sldMk cId="2255119094" sldId="291"/>
-        </pc:sldMkLst>
-      </pc:sldChg>
-      <pc:sldChg chg="del">
-        <pc:chgData name="Erkan ŞİRİN" userId="7f10ce1d6aaf8c5d" providerId="LiveId" clId="{D9C747DB-0ACB-4E68-987D-4C5D6EF5C7FB}" dt="2019-03-27T16:46:58.048" v="24" actId="2696"/>
-        <pc:sldMkLst>
-          <pc:docMk/>
-          <pc:sldMk cId="4176834151" sldId="294"/>
-        </pc:sldMkLst>
-      </pc:sldChg>
-      <pc:sldChg chg="del">
-        <pc:chgData name="Erkan ŞİRİN" userId="7f10ce1d6aaf8c5d" providerId="LiveId" clId="{D9C747DB-0ACB-4E68-987D-4C5D6EF5C7FB}" dt="2019-03-27T16:46:58.057" v="25" actId="2696"/>
-        <pc:sldMkLst>
-          <pc:docMk/>
-          <pc:sldMk cId="1840434255" sldId="298"/>
-        </pc:sldMkLst>
-      </pc:sldChg>
-      <pc:sldChg chg="del">
-        <pc:chgData name="Erkan ŞİRİN" userId="7f10ce1d6aaf8c5d" providerId="LiveId" clId="{D9C747DB-0ACB-4E68-987D-4C5D6EF5C7FB}" dt="2019-03-27T16:46:58.068" v="26" actId="2696"/>
-        <pc:sldMkLst>
-          <pc:docMk/>
-          <pc:sldMk cId="2607401567" sldId="299"/>
-        </pc:sldMkLst>
-      </pc:sldChg>
-      <pc:sldChg chg="del">
-        <pc:chgData name="Erkan ŞİRİN" userId="7f10ce1d6aaf8c5d" providerId="LiveId" clId="{D9C747DB-0ACB-4E68-987D-4C5D6EF5C7FB}" dt="2019-03-27T16:46:58.077" v="27" actId="2696"/>
-        <pc:sldMkLst>
-          <pc:docMk/>
-          <pc:sldMk cId="867436669" sldId="300"/>
-        </pc:sldMkLst>
-      </pc:sldChg>
-      <pc:sldChg chg="del">
-        <pc:chgData name="Erkan ŞİRİN" userId="7f10ce1d6aaf8c5d" providerId="LiveId" clId="{D9C747DB-0ACB-4E68-987D-4C5D6EF5C7FB}" dt="2019-03-27T16:46:58.103" v="28" actId="2696"/>
-        <pc:sldMkLst>
-          <pc:docMk/>
-          <pc:sldMk cId="4276352102" sldId="301"/>
-        </pc:sldMkLst>
-      </pc:sldChg>
-      <pc:sldChg chg="del">
-        <pc:chgData name="Erkan ŞİRİN" userId="7f10ce1d6aaf8c5d" providerId="LiveId" clId="{D9C747DB-0ACB-4E68-987D-4C5D6EF5C7FB}" dt="2019-03-27T16:46:58.113" v="29" actId="2696"/>
-        <pc:sldMkLst>
-          <pc:docMk/>
-          <pc:sldMk cId="3747114914" sldId="302"/>
-        </pc:sldMkLst>
-      </pc:sldChg>
-      <pc:sldChg chg="del">
-        <pc:chgData name="Erkan ŞİRİN" userId="7f10ce1d6aaf8c5d" providerId="LiveId" clId="{D9C747DB-0ACB-4E68-987D-4C5D6EF5C7FB}" dt="2019-03-27T16:46:58.123" v="30" actId="2696"/>
-        <pc:sldMkLst>
-          <pc:docMk/>
-          <pc:sldMk cId="2517613867" sldId="304"/>
-        </pc:sldMkLst>
-      </pc:sldChg>
-      <pc:sldChg chg="del">
-        <pc:chgData name="Erkan ŞİRİN" userId="7f10ce1d6aaf8c5d" providerId="LiveId" clId="{D9C747DB-0ACB-4E68-987D-4C5D6EF5C7FB}" dt="2019-03-27T16:46:58.133" v="31" actId="2696"/>
-        <pc:sldMkLst>
-          <pc:docMk/>
-          <pc:sldMk cId="1344596628" sldId="305"/>
-        </pc:sldMkLst>
-      </pc:sldChg>
-      <pc:sldChg chg="del">
-        <pc:chgData name="Erkan ŞİRİN" userId="7f10ce1d6aaf8c5d" providerId="LiveId" clId="{D9C747DB-0ACB-4E68-987D-4C5D6EF5C7FB}" dt="2019-03-27T16:46:58.144" v="32" actId="2696"/>
-        <pc:sldMkLst>
-          <pc:docMk/>
-          <pc:sldMk cId="2573671954" sldId="307"/>
-        </pc:sldMkLst>
-      </pc:sldChg>
-      <pc:sldChg chg="del">
-        <pc:chgData name="Erkan ŞİRİN" userId="7f10ce1d6aaf8c5d" providerId="LiveId" clId="{D9C747DB-0ACB-4E68-987D-4C5D6EF5C7FB}" dt="2019-03-27T16:46:58.155" v="33" actId="2696"/>
-        <pc:sldMkLst>
-          <pc:docMk/>
-          <pc:sldMk cId="964008087" sldId="309"/>
-        </pc:sldMkLst>
-      </pc:sldChg>
-      <pc:sldChg chg="del">
-        <pc:chgData name="Erkan ŞİRİN" userId="7f10ce1d6aaf8c5d" providerId="LiveId" clId="{D9C747DB-0ACB-4E68-987D-4C5D6EF5C7FB}" dt="2019-03-27T16:46:58.179" v="35" actId="2696"/>
-        <pc:sldMkLst>
-          <pc:docMk/>
-          <pc:sldMk cId="387458731" sldId="310"/>
-        </pc:sldMkLst>
-      </pc:sldChg>
-      <pc:sldChg chg="del">
-        <pc:chgData name="Erkan ŞİRİN" userId="7f10ce1d6aaf8c5d" providerId="LiveId" clId="{D9C747DB-0ACB-4E68-987D-4C5D6EF5C7FB}" dt="2019-03-27T16:46:58.195" v="36" actId="2696"/>
-        <pc:sldMkLst>
-          <pc:docMk/>
-          <pc:sldMk cId="1015734838" sldId="311"/>
-        </pc:sldMkLst>
-      </pc:sldChg>
-      <pc:sldChg chg="del">
-        <pc:chgData name="Erkan ŞİRİN" userId="7f10ce1d6aaf8c5d" providerId="LiveId" clId="{D9C747DB-0ACB-4E68-987D-4C5D6EF5C7FB}" dt="2019-03-27T16:46:58.214" v="37" actId="2696"/>
-        <pc:sldMkLst>
-          <pc:docMk/>
-          <pc:sldMk cId="293523619" sldId="312"/>
-        </pc:sldMkLst>
-      </pc:sldChg>
-      <pc:sldChg chg="del">
-        <pc:chgData name="Erkan ŞİRİN" userId="7f10ce1d6aaf8c5d" providerId="LiveId" clId="{D9C747DB-0ACB-4E68-987D-4C5D6EF5C7FB}" dt="2019-03-27T16:46:58.232" v="38" actId="2696"/>
-        <pc:sldMkLst>
-          <pc:docMk/>
-          <pc:sldMk cId="3911805811" sldId="314"/>
-        </pc:sldMkLst>
-      </pc:sldChg>
-      <pc:sldChg chg="del">
-        <pc:chgData name="Erkan ŞİRİN" userId="7f10ce1d6aaf8c5d" providerId="LiveId" clId="{D9C747DB-0ACB-4E68-987D-4C5D6EF5C7FB}" dt="2019-03-27T16:46:58.250" v="39" actId="2696"/>
-        <pc:sldMkLst>
-          <pc:docMk/>
-          <pc:sldMk cId="1626155861" sldId="315"/>
-        </pc:sldMkLst>
-      </pc:sldChg>
-      <pc:sldChg chg="del">
-        <pc:chgData name="Erkan ŞİRİN" userId="7f10ce1d6aaf8c5d" providerId="LiveId" clId="{D9C747DB-0ACB-4E68-987D-4C5D6EF5C7FB}" dt="2019-03-27T16:46:58.263" v="40" actId="2696"/>
-        <pc:sldMkLst>
-          <pc:docMk/>
-          <pc:sldMk cId="3763055945" sldId="316"/>
-        </pc:sldMkLst>
-      </pc:sldChg>
-      <pc:sldChg chg="del">
-        <pc:chgData name="Erkan ŞİRİN" userId="7f10ce1d6aaf8c5d" providerId="LiveId" clId="{D9C747DB-0ACB-4E68-987D-4C5D6EF5C7FB}" dt="2019-03-27T16:46:58.276" v="41" actId="2696"/>
-        <pc:sldMkLst>
-          <pc:docMk/>
-          <pc:sldMk cId="1432104022" sldId="317"/>
-        </pc:sldMkLst>
-      </pc:sldChg>
-      <pc:sldChg chg="del">
-        <pc:chgData name="Erkan ŞİRİN" userId="7f10ce1d6aaf8c5d" providerId="LiveId" clId="{D9C747DB-0ACB-4E68-987D-4C5D6EF5C7FB}" dt="2019-03-27T16:46:58.289" v="42" actId="2696"/>
-        <pc:sldMkLst>
-          <pc:docMk/>
-          <pc:sldMk cId="652790011" sldId="318"/>
-        </pc:sldMkLst>
-      </pc:sldChg>
-      <pc:sldChg chg="del">
-        <pc:chgData name="Erkan ŞİRİN" userId="7f10ce1d6aaf8c5d" providerId="LiveId" clId="{D9C747DB-0ACB-4E68-987D-4C5D6EF5C7FB}" dt="2019-03-27T16:46:58.300" v="43" actId="2696"/>
-        <pc:sldMkLst>
-          <pc:docMk/>
-          <pc:sldMk cId="3098806490" sldId="320"/>
-        </pc:sldMkLst>
-      </pc:sldChg>
-      <pc:sldChg chg="del">
-        <pc:chgData name="Erkan ŞİRİN" userId="7f10ce1d6aaf8c5d" providerId="LiveId" clId="{D9C747DB-0ACB-4E68-987D-4C5D6EF5C7FB}" dt="2019-03-27T16:46:58.313" v="44" actId="2696"/>
-        <pc:sldMkLst>
-          <pc:docMk/>
-          <pc:sldMk cId="2217429690" sldId="321"/>
-        </pc:sldMkLst>
-      </pc:sldChg>
-      <pc:sldChg chg="del">
-        <pc:chgData name="Erkan ŞİRİN" userId="7f10ce1d6aaf8c5d" providerId="LiveId" clId="{D9C747DB-0ACB-4E68-987D-4C5D6EF5C7FB}" dt="2019-03-27T16:46:58.166" v="34" actId="2696"/>
-        <pc:sldMkLst>
-          <pc:docMk/>
-          <pc:sldMk cId="3638637113" sldId="322"/>
-        </pc:sldMkLst>
-      </pc:sldChg>
-      <pc:sldChg chg="del">
-        <pc:chgData name="Erkan ŞİRİN" userId="7f10ce1d6aaf8c5d" providerId="LiveId" clId="{D9C747DB-0ACB-4E68-987D-4C5D6EF5C7FB}" dt="2019-03-27T16:46:57.876" v="9" actId="2696"/>
-        <pc:sldMkLst>
-          <pc:docMk/>
-          <pc:sldMk cId="483440697" sldId="323"/>
-        </pc:sldMkLst>
-      </pc:sldChg>
-      <pc:sldChg chg="del">
-        <pc:chgData name="Erkan ŞİRİN" userId="7f10ce1d6aaf8c5d" providerId="LiveId" clId="{D9C747DB-0ACB-4E68-987D-4C5D6EF5C7FB}" dt="2019-03-27T16:46:57.534" v="0" actId="2696"/>
-        <pc:sldMkLst>
-          <pc:docMk/>
-          <pc:sldMk cId="735593600" sldId="329"/>
-        </pc:sldMkLst>
-      </pc:sldChg>
-      <pc:sldChg chg="del">
-        <pc:chgData name="Erkan ŞİRİN" userId="7f10ce1d6aaf8c5d" providerId="LiveId" clId="{D9C747DB-0ACB-4E68-987D-4C5D6EF5C7FB}" dt="2019-03-27T16:46:57.547" v="1" actId="2696"/>
-        <pc:sldMkLst>
-          <pc:docMk/>
-          <pc:sldMk cId="3675717669" sldId="330"/>
-        </pc:sldMkLst>
-      </pc:sldChg>
-      <pc:sldChg chg="del">
-        <pc:chgData name="Erkan ŞİRİN" userId="7f10ce1d6aaf8c5d" providerId="LiveId" clId="{D9C747DB-0ACB-4E68-987D-4C5D6EF5C7FB}" dt="2019-03-27T16:46:57.563" v="2" actId="2696"/>
-        <pc:sldMkLst>
-          <pc:docMk/>
-          <pc:sldMk cId="2207171280" sldId="331"/>
-        </pc:sldMkLst>
-      </pc:sldChg>
-      <pc:sldChg chg="del">
-        <pc:chgData name="Erkan ŞİRİN" userId="7f10ce1d6aaf8c5d" providerId="LiveId" clId="{D9C747DB-0ACB-4E68-987D-4C5D6EF5C7FB}" dt="2019-03-27T16:46:57.761" v="3" actId="2696"/>
-        <pc:sldMkLst>
-          <pc:docMk/>
-          <pc:sldMk cId="3576303879" sldId="332"/>
-        </pc:sldMkLst>
-      </pc:sldChg>
-      <pc:sldChg chg="del">
-        <pc:chgData name="Erkan ŞİRİN" userId="7f10ce1d6aaf8c5d" providerId="LiveId" clId="{D9C747DB-0ACB-4E68-987D-4C5D6EF5C7FB}" dt="2019-03-27T16:46:57.774" v="4" actId="2696"/>
-        <pc:sldMkLst>
-          <pc:docMk/>
-          <pc:sldMk cId="2869173141" sldId="333"/>
-        </pc:sldMkLst>
-      </pc:sldChg>
-      <pc:sldChg chg="del">
-        <pc:chgData name="Erkan ŞİRİN" userId="7f10ce1d6aaf8c5d" providerId="LiveId" clId="{D9C747DB-0ACB-4E68-987D-4C5D6EF5C7FB}" dt="2019-03-27T16:46:57.792" v="5" actId="2696"/>
-        <pc:sldMkLst>
-          <pc:docMk/>
-          <pc:sldMk cId="3808353803" sldId="334"/>
-        </pc:sldMkLst>
-      </pc:sldChg>
-      <pc:sldChg chg="del">
-        <pc:chgData name="Erkan ŞİRİN" userId="7f10ce1d6aaf8c5d" providerId="LiveId" clId="{D9C747DB-0ACB-4E68-987D-4C5D6EF5C7FB}" dt="2019-03-27T16:46:57.809" v="6" actId="2696"/>
-        <pc:sldMkLst>
-          <pc:docMk/>
-          <pc:sldMk cId="2670165348" sldId="335"/>
-        </pc:sldMkLst>
-      </pc:sldChg>
-      <pc:sldChg chg="del">
-        <pc:chgData name="Erkan ŞİRİN" userId="7f10ce1d6aaf8c5d" providerId="LiveId" clId="{D9C747DB-0ACB-4E68-987D-4C5D6EF5C7FB}" dt="2019-03-27T16:46:57.823" v="7" actId="2696"/>
-        <pc:sldMkLst>
-          <pc:docMk/>
-          <pc:sldMk cId="1731844129" sldId="336"/>
-        </pc:sldMkLst>
-      </pc:sldChg>
-      <pc:sldChg chg="del">
-        <pc:chgData name="Erkan ŞİRİN" userId="7f10ce1d6aaf8c5d" providerId="LiveId" clId="{D9C747DB-0ACB-4E68-987D-4C5D6EF5C7FB}" dt="2019-03-27T16:46:57.858" v="8" actId="2696"/>
-        <pc:sldMkLst>
-          <pc:docMk/>
-          <pc:sldMk cId="1549484777" sldId="337"/>
-        </pc:sldMkLst>
-      </pc:sldChg>
       <pc:sldChg chg="modSp add modAnim">
         <pc:chgData name="Erkan ŞİRİN" userId="7f10ce1d6aaf8c5d" providerId="LiveId" clId="{D9C747DB-0ACB-4E68-987D-4C5D6EF5C7FB}" dt="2019-03-27T16:52:10.253" v="190" actId="255"/>
         <pc:sldMkLst>
@@ -1625,6 +1313,155 @@
             <ac:cxnSpMk id="5" creationId="{00000000-0000-0000-0000-000000000000}"/>
           </ac:cxnSpMkLst>
         </pc:cxnChg>
+      </pc:sldChg>
+    </pc:docChg>
+  </pc:docChgLst>
+  <pc:docChgLst>
+    <pc:chgData name="Erkan ŞİRİN" userId="7f10ce1d6aaf8c5d" providerId="LiveId" clId="{ECD276B7-5F75-4BAC-80AA-60ECDBEA62C7}"/>
+    <pc:docChg chg="custSel addSld modSld">
+      <pc:chgData name="Erkan ŞİRİN" userId="7f10ce1d6aaf8c5d" providerId="LiveId" clId="{ECD276B7-5F75-4BAC-80AA-60ECDBEA62C7}" dt="2019-05-30T10:10:46.957" v="508" actId="20577"/>
+      <pc:docMkLst>
+        <pc:docMk/>
+      </pc:docMkLst>
+      <pc:sldChg chg="modSp">
+        <pc:chgData name="Erkan ŞİRİN" userId="7f10ce1d6aaf8c5d" providerId="LiveId" clId="{ECD276B7-5F75-4BAC-80AA-60ECDBEA62C7}" dt="2019-05-30T10:10:46.957" v="508" actId="20577"/>
+        <pc:sldMkLst>
+          <pc:docMk/>
+          <pc:sldMk cId="3622917333" sldId="343"/>
+        </pc:sldMkLst>
+        <pc:spChg chg="mod">
+          <ac:chgData name="Erkan ŞİRİN" userId="7f10ce1d6aaf8c5d" providerId="LiveId" clId="{ECD276B7-5F75-4BAC-80AA-60ECDBEA62C7}" dt="2019-05-30T10:10:46.957" v="508" actId="20577"/>
+          <ac:spMkLst>
+            <pc:docMk/>
+            <pc:sldMk cId="3622917333" sldId="343"/>
+            <ac:spMk id="2" creationId="{9E7DAE9A-5611-476C-9343-F8F6556FE056}"/>
+          </ac:spMkLst>
+        </pc:spChg>
+      </pc:sldChg>
+      <pc:sldChg chg="modSp add modAnim">
+        <pc:chgData name="Erkan ŞİRİN" userId="7f10ce1d6aaf8c5d" providerId="LiveId" clId="{ECD276B7-5F75-4BAC-80AA-60ECDBEA62C7}" dt="2019-05-30T09:59:56.385" v="339" actId="1076"/>
+        <pc:sldMkLst>
+          <pc:docMk/>
+          <pc:sldMk cId="186835055" sldId="344"/>
+        </pc:sldMkLst>
+        <pc:spChg chg="mod">
+          <ac:chgData name="Erkan ŞİRİN" userId="7f10ce1d6aaf8c5d" providerId="LiveId" clId="{ECD276B7-5F75-4BAC-80AA-60ECDBEA62C7}" dt="2019-05-30T09:59:56.385" v="339" actId="1076"/>
+          <ac:spMkLst>
+            <pc:docMk/>
+            <pc:sldMk cId="186835055" sldId="344"/>
+            <ac:spMk id="2" creationId="{9E7DAE9A-5611-476C-9343-F8F6556FE056}"/>
+          </ac:spMkLst>
+        </pc:spChg>
+        <pc:spChg chg="mod">
+          <ac:chgData name="Erkan ŞİRİN" userId="7f10ce1d6aaf8c5d" providerId="LiveId" clId="{ECD276B7-5F75-4BAC-80AA-60ECDBEA62C7}" dt="2019-05-30T09:56:21.497" v="255" actId="1076"/>
+          <ac:spMkLst>
+            <pc:docMk/>
+            <pc:sldMk cId="186835055" sldId="344"/>
+            <ac:spMk id="3" creationId="{D42DE1B9-BAF2-438A-99D4-A19B593936A9}"/>
+          </ac:spMkLst>
+        </pc:spChg>
+      </pc:sldChg>
+      <pc:sldChg chg="addSp delSp modSp add delAnim">
+        <pc:chgData name="Erkan ŞİRİN" userId="7f10ce1d6aaf8c5d" providerId="LiveId" clId="{ECD276B7-5F75-4BAC-80AA-60ECDBEA62C7}" dt="2019-05-30T09:59:07.292" v="286" actId="1076"/>
+        <pc:sldMkLst>
+          <pc:docMk/>
+          <pc:sldMk cId="4289180787" sldId="345"/>
+        </pc:sldMkLst>
+        <pc:spChg chg="del">
+          <ac:chgData name="Erkan ŞİRİN" userId="7f10ce1d6aaf8c5d" providerId="LiveId" clId="{ECD276B7-5F75-4BAC-80AA-60ECDBEA62C7}" dt="2019-05-30T09:58:18.425" v="258" actId="478"/>
+          <ac:spMkLst>
+            <pc:docMk/>
+            <pc:sldMk cId="4289180787" sldId="345"/>
+            <ac:spMk id="2" creationId="{9E7DAE9A-5611-476C-9343-F8F6556FE056}"/>
+          </ac:spMkLst>
+        </pc:spChg>
+        <pc:spChg chg="mod">
+          <ac:chgData name="Erkan ŞİRİN" userId="7f10ce1d6aaf8c5d" providerId="LiveId" clId="{ECD276B7-5F75-4BAC-80AA-60ECDBEA62C7}" dt="2019-05-30T09:58:27.192" v="271" actId="20577"/>
+          <ac:spMkLst>
+            <pc:docMk/>
+            <pc:sldMk cId="4289180787" sldId="345"/>
+            <ac:spMk id="3" creationId="{D42DE1B9-BAF2-438A-99D4-A19B593936A9}"/>
+          </ac:spMkLst>
+        </pc:spChg>
+        <pc:spChg chg="add mod">
+          <ac:chgData name="Erkan ŞİRİN" userId="7f10ce1d6aaf8c5d" providerId="LiveId" clId="{ECD276B7-5F75-4BAC-80AA-60ECDBEA62C7}" dt="2019-05-30T09:59:07.292" v="286" actId="1076"/>
+          <ac:spMkLst>
+            <pc:docMk/>
+            <pc:sldMk cId="4289180787" sldId="345"/>
+            <ac:spMk id="6" creationId="{0A37DB79-E0CF-4EB2-92E1-4F160D1745D8}"/>
+          </ac:spMkLst>
+        </pc:spChg>
+        <pc:picChg chg="add mod">
+          <ac:chgData name="Erkan ŞİRİN" userId="7f10ce1d6aaf8c5d" providerId="LiveId" clId="{ECD276B7-5F75-4BAC-80AA-60ECDBEA62C7}" dt="2019-05-30T09:58:33.324" v="274" actId="1076"/>
+          <ac:picMkLst>
+            <pc:docMk/>
+            <pc:sldMk cId="4289180787" sldId="345"/>
+            <ac:picMk id="5" creationId="{9F64C490-F984-47C0-BF6F-1EF9863FD75D}"/>
+          </ac:picMkLst>
+        </pc:picChg>
+      </pc:sldChg>
+      <pc:sldChg chg="addSp delSp modSp add delAnim modAnim">
+        <pc:chgData name="Erkan ŞİRİN" userId="7f10ce1d6aaf8c5d" providerId="LiveId" clId="{ECD276B7-5F75-4BAC-80AA-60ECDBEA62C7}" dt="2019-05-30T10:05:57.944" v="487"/>
+        <pc:sldMkLst>
+          <pc:docMk/>
+          <pc:sldMk cId="3505166842" sldId="346"/>
+        </pc:sldMkLst>
+        <pc:spChg chg="del">
+          <ac:chgData name="Erkan ŞİRİN" userId="7f10ce1d6aaf8c5d" providerId="LiveId" clId="{ECD276B7-5F75-4BAC-80AA-60ECDBEA62C7}" dt="2019-05-30T10:02:23.259" v="343" actId="478"/>
+          <ac:spMkLst>
+            <pc:docMk/>
+            <pc:sldMk cId="3505166842" sldId="346"/>
+            <ac:spMk id="2" creationId="{9E7DAE9A-5611-476C-9343-F8F6556FE056}"/>
+          </ac:spMkLst>
+        </pc:spChg>
+        <pc:spChg chg="mod">
+          <ac:chgData name="Erkan ŞİRİN" userId="7f10ce1d6aaf8c5d" providerId="LiveId" clId="{ECD276B7-5F75-4BAC-80AA-60ECDBEA62C7}" dt="2019-05-30T10:02:52.685" v="364" actId="20577"/>
+          <ac:spMkLst>
+            <pc:docMk/>
+            <pc:sldMk cId="3505166842" sldId="346"/>
+            <ac:spMk id="3" creationId="{D42DE1B9-BAF2-438A-99D4-A19B593936A9}"/>
+          </ac:spMkLst>
+        </pc:spChg>
+        <pc:spChg chg="add mod">
+          <ac:chgData name="Erkan ŞİRİN" userId="7f10ce1d6aaf8c5d" providerId="LiveId" clId="{ECD276B7-5F75-4BAC-80AA-60ECDBEA62C7}" dt="2019-05-30T10:05:36.398" v="479" actId="1076"/>
+          <ac:spMkLst>
+            <pc:docMk/>
+            <pc:sldMk cId="3505166842" sldId="346"/>
+            <ac:spMk id="6" creationId="{CEB2BC90-57A6-471C-A829-91BF47E772D6}"/>
+          </ac:spMkLst>
+        </pc:spChg>
+        <pc:spChg chg="add mod">
+          <ac:chgData name="Erkan ŞİRİN" userId="7f10ce1d6aaf8c5d" providerId="LiveId" clId="{ECD276B7-5F75-4BAC-80AA-60ECDBEA62C7}" dt="2019-05-30T10:05:16.054" v="471"/>
+          <ac:spMkLst>
+            <pc:docMk/>
+            <pc:sldMk cId="3505166842" sldId="346"/>
+            <ac:spMk id="7" creationId="{33A83916-9B3E-46C9-9F1B-8BE6EB063E36}"/>
+          </ac:spMkLst>
+        </pc:spChg>
+        <pc:spChg chg="add del mod">
+          <ac:chgData name="Erkan ŞİRİN" userId="7f10ce1d6aaf8c5d" providerId="LiveId" clId="{ECD276B7-5F75-4BAC-80AA-60ECDBEA62C7}" dt="2019-05-30T10:05:21.395" v="474" actId="478"/>
+          <ac:spMkLst>
+            <pc:docMk/>
+            <pc:sldMk cId="3505166842" sldId="346"/>
+            <ac:spMk id="8" creationId="{77B4A026-D8E4-4684-8C6A-BBC554DE5FC6}"/>
+          </ac:spMkLst>
+        </pc:spChg>
+        <pc:spChg chg="add mod">
+          <ac:chgData name="Erkan ŞİRİN" userId="7f10ce1d6aaf8c5d" providerId="LiveId" clId="{ECD276B7-5F75-4BAC-80AA-60ECDBEA62C7}" dt="2019-05-30T10:05:51.949" v="486" actId="1076"/>
+          <ac:spMkLst>
+            <pc:docMk/>
+            <pc:sldMk cId="3505166842" sldId="346"/>
+            <ac:spMk id="9" creationId="{322BE5E1-EB65-44E0-9F2C-E23A2AABBA47}"/>
+          </ac:spMkLst>
+        </pc:spChg>
+        <pc:picChg chg="add mod">
+          <ac:chgData name="Erkan ŞİRİN" userId="7f10ce1d6aaf8c5d" providerId="LiveId" clId="{ECD276B7-5F75-4BAC-80AA-60ECDBEA62C7}" dt="2019-05-30T10:05:33.200" v="478" actId="14100"/>
+          <ac:picMkLst>
+            <pc:docMk/>
+            <pc:sldMk cId="3505166842" sldId="346"/>
+            <ac:picMk id="5" creationId="{9622DA87-26C6-4908-B24D-4A41DC1A9D32}"/>
+          </ac:picMkLst>
+        </pc:picChg>
       </pc:sldChg>
     </pc:docChg>
   </pc:docChgLst>
@@ -1713,7 +1550,7 @@
           <a:p>
             <a:fld id="{6F77F576-AE14-466D-AA6B-335273622B21}" type="datetimeFigureOut">
               <a:rPr lang="en-US" smtClean="0"/>
-              <a:t>3/27/2019</a:t>
+              <a:t>5/30/2019</a:t>
             </a:fld>
             <a:endParaRPr lang="en-US"/>
           </a:p>
@@ -2112,7 +1949,7 @@
           <a:p>
             <a:fld id="{54AA066D-271F-4C1A-B89A-0705A7689EE9}" type="datetimeFigureOut">
               <a:rPr lang="en-US" smtClean="0"/>
-              <a:t>3/27/2019</a:t>
+              <a:t>5/30/2019</a:t>
             </a:fld>
             <a:endParaRPr lang="en-US"/>
           </a:p>
@@ -2282,7 +2119,7 @@
           <a:p>
             <a:fld id="{54AA066D-271F-4C1A-B89A-0705A7689EE9}" type="datetimeFigureOut">
               <a:rPr lang="en-US" smtClean="0"/>
-              <a:t>3/27/2019</a:t>
+              <a:t>5/30/2019</a:t>
             </a:fld>
             <a:endParaRPr lang="en-US"/>
           </a:p>
@@ -2462,7 +2299,7 @@
           <a:p>
             <a:fld id="{54AA066D-271F-4C1A-B89A-0705A7689EE9}" type="datetimeFigureOut">
               <a:rPr lang="en-US" smtClean="0"/>
-              <a:t>3/27/2019</a:t>
+              <a:t>5/30/2019</a:t>
             </a:fld>
             <a:endParaRPr lang="en-US"/>
           </a:p>
@@ -2632,7 +2469,7 @@
           <a:p>
             <a:fld id="{54AA066D-271F-4C1A-B89A-0705A7689EE9}" type="datetimeFigureOut">
               <a:rPr lang="en-US" smtClean="0"/>
-              <a:t>3/27/2019</a:t>
+              <a:t>5/30/2019</a:t>
             </a:fld>
             <a:endParaRPr lang="en-US"/>
           </a:p>
@@ -2878,7 +2715,7 @@
           <a:p>
             <a:fld id="{54AA066D-271F-4C1A-B89A-0705A7689EE9}" type="datetimeFigureOut">
               <a:rPr lang="en-US" smtClean="0"/>
-              <a:t>3/27/2019</a:t>
+              <a:t>5/30/2019</a:t>
             </a:fld>
             <a:endParaRPr lang="en-US"/>
           </a:p>
@@ -3110,7 +2947,7 @@
           <a:p>
             <a:fld id="{54AA066D-271F-4C1A-B89A-0705A7689EE9}" type="datetimeFigureOut">
               <a:rPr lang="en-US" smtClean="0"/>
-              <a:t>3/27/2019</a:t>
+              <a:t>5/30/2019</a:t>
             </a:fld>
             <a:endParaRPr lang="en-US"/>
           </a:p>
@@ -3477,7 +3314,7 @@
           <a:p>
             <a:fld id="{54AA066D-271F-4C1A-B89A-0705A7689EE9}" type="datetimeFigureOut">
               <a:rPr lang="en-US" smtClean="0"/>
-              <a:t>3/27/2019</a:t>
+              <a:t>5/30/2019</a:t>
             </a:fld>
             <a:endParaRPr lang="en-US"/>
           </a:p>
@@ -3595,7 +3432,7 @@
           <a:p>
             <a:fld id="{54AA066D-271F-4C1A-B89A-0705A7689EE9}" type="datetimeFigureOut">
               <a:rPr lang="en-US" smtClean="0"/>
-              <a:t>3/27/2019</a:t>
+              <a:t>5/30/2019</a:t>
             </a:fld>
             <a:endParaRPr lang="en-US"/>
           </a:p>
@@ -3690,7 +3527,7 @@
           <a:p>
             <a:fld id="{54AA066D-271F-4C1A-B89A-0705A7689EE9}" type="datetimeFigureOut">
               <a:rPr lang="en-US" smtClean="0"/>
-              <a:t>3/27/2019</a:t>
+              <a:t>5/30/2019</a:t>
             </a:fld>
             <a:endParaRPr lang="en-US"/>
           </a:p>
@@ -3967,7 +3804,7 @@
           <a:p>
             <a:fld id="{54AA066D-271F-4C1A-B89A-0705A7689EE9}" type="datetimeFigureOut">
               <a:rPr lang="en-US" smtClean="0"/>
-              <a:t>3/27/2019</a:t>
+              <a:t>5/30/2019</a:t>
             </a:fld>
             <a:endParaRPr lang="en-US"/>
           </a:p>
@@ -4220,7 +4057,7 @@
           <a:p>
             <a:fld id="{54AA066D-271F-4C1A-B89A-0705A7689EE9}" type="datetimeFigureOut">
               <a:rPr lang="en-US" smtClean="0"/>
-              <a:t>3/27/2019</a:t>
+              <a:t>5/30/2019</a:t>
             </a:fld>
             <a:endParaRPr lang="en-US"/>
           </a:p>
@@ -4433,7 +4270,7 @@
           <a:p>
             <a:fld id="{54AA066D-271F-4C1A-B89A-0705A7689EE9}" type="datetimeFigureOut">
               <a:rPr lang="en-US" smtClean="0"/>
-              <a:t>3/27/2019</a:t>
+              <a:t>5/30/2019</a:t>
             </a:fld>
             <a:endParaRPr lang="en-US"/>
           </a:p>
@@ -6729,8 +6566,1394 @@
         </p:nvSpPr>
         <p:spPr>
           <a:xfrm>
+            <a:off x="1662222" y="1199207"/>
+            <a:ext cx="8867554" cy="3416320"/>
+          </a:xfrm>
+          <a:prstGeom prst="rect">
+            <a:avLst/>
+          </a:prstGeom>
+        </p:spPr>
+        <p:txBody>
+          <a:bodyPr wrap="square">
+            <a:spAutoFit/>
+          </a:bodyPr>
+          <a:lstStyle/>
+          <a:p>
+            <a:r>
+              <a:rPr lang="tr-TR" sz="2400" dirty="0"/>
+              <a:t>• </a:t>
+            </a:r>
+            <a:r>
+              <a:rPr lang="tr-TR" sz="2400" dirty="0" err="1"/>
+              <a:t>Bias</a:t>
+            </a:r>
+            <a:r>
+              <a:rPr lang="tr-TR" sz="2400" dirty="0"/>
+              <a:t> kaynaklı hatalar </a:t>
+            </a:r>
+          </a:p>
+          <a:p>
+            <a:r>
+              <a:rPr lang="tr-TR" sz="2400" dirty="0"/>
+              <a:t>	</a:t>
+            </a:r>
+            <a:r>
+              <a:rPr lang="tr-TR" sz="2400" dirty="0" err="1"/>
+              <a:t>Örn</a:t>
+            </a:r>
+            <a:r>
+              <a:rPr lang="tr-TR" sz="2400" dirty="0"/>
+              <a:t>: yanlış model seçimi</a:t>
+            </a:r>
+          </a:p>
+          <a:p>
+            <a:r>
+              <a:rPr lang="tr-TR" sz="2400" dirty="0"/>
+              <a:t>	Gerçekte ilişki doğrusal değil ve biz doğrusal bir model 	kullanmış isek.</a:t>
+            </a:r>
+          </a:p>
+          <a:p>
+            <a:endParaRPr lang="tr-TR" sz="2400" dirty="0"/>
+          </a:p>
+          <a:p>
+            <a:r>
+              <a:rPr lang="tr-TR" sz="2400" dirty="0"/>
+              <a:t>	</a:t>
+            </a:r>
+            <a:r>
+              <a:rPr lang="tr-TR" sz="2400" dirty="0" err="1"/>
+              <a:t>Bias</a:t>
+            </a:r>
+            <a:r>
+              <a:rPr lang="tr-TR" sz="2400" dirty="0"/>
+              <a:t> kaynaklı büyük hatalar zayıf öğrenmeye (</a:t>
+            </a:r>
+            <a:r>
+              <a:rPr lang="tr-TR" sz="2400" dirty="0" err="1"/>
+              <a:t>underfit</a:t>
+            </a:r>
+            <a:r>
+              <a:rPr lang="tr-TR" sz="2400" dirty="0"/>
+              <a:t>) neden 	olur.</a:t>
+            </a:r>
+          </a:p>
+          <a:p>
+            <a:r>
+              <a:rPr lang="tr-TR" sz="2400" dirty="0"/>
+              <a:t>• </a:t>
+            </a:r>
+            <a:r>
+              <a:rPr lang="tr-TR" sz="2400" dirty="0" err="1"/>
+              <a:t>Variance</a:t>
+            </a:r>
+            <a:r>
+              <a:rPr lang="tr-TR" sz="2400" dirty="0"/>
+              <a:t> verinin değişiminden kaynaklı hatalar.</a:t>
+            </a:r>
+          </a:p>
+          <a:p>
+            <a:endParaRPr lang="tr-TR" sz="2400" dirty="0"/>
+          </a:p>
+        </p:txBody>
+      </p:sp>
+      <p:sp>
+        <p:nvSpPr>
+          <p:cNvPr id="3" name="Rectangle 7">
+            <a:extLst>
+              <a:ext uri="{FF2B5EF4-FFF2-40B4-BE49-F238E27FC236}">
+                <a16:creationId xmlns:a16="http://schemas.microsoft.com/office/drawing/2014/main" id="{D42DE1B9-BAF2-438A-99D4-A19B593936A9}"/>
+              </a:ext>
+            </a:extLst>
+          </p:cNvPr>
+          <p:cNvSpPr>
+            <a:spLocks noChangeArrowheads="1"/>
+          </p:cNvSpPr>
+          <p:nvPr/>
+        </p:nvSpPr>
+        <p:spPr bwMode="auto">
+          <a:xfrm>
+            <a:off x="1881187" y="292631"/>
+            <a:ext cx="8429625" cy="493981"/>
+          </a:xfrm>
+          <a:prstGeom prst="rect">
+            <a:avLst/>
+          </a:prstGeom>
+          <a:noFill/>
+          <a:ln>
+            <a:noFill/>
+          </a:ln>
+          <a:extLst>
+            <a:ext uri="{909E8E84-426E-40DD-AFC4-6F175D3DCCD1}">
+              <a14:hiddenFill xmlns:a14="http://schemas.microsoft.com/office/drawing/2010/main">
+                <a:solidFill>
+                  <a:srgbClr val="FFFFFF"/>
+                </a:solidFill>
+              </a14:hiddenFill>
+            </a:ext>
+            <a:ext uri="{91240B29-F687-4F45-9708-019B960494DF}">
+              <a14:hiddenLine xmlns:a14="http://schemas.microsoft.com/office/drawing/2010/main" w="9525">
+                <a:solidFill>
+                  <a:srgbClr val="000000"/>
+                </a:solidFill>
+                <a:miter lim="800000"/>
+                <a:headEnd/>
+                <a:tailEnd/>
+              </a14:hiddenLine>
+            </a:ext>
+          </a:extLst>
+        </p:spPr>
+        <p:txBody>
+          <a:bodyPr>
+            <a:spAutoFit/>
+          </a:bodyPr>
+          <a:lstStyle/>
+          <a:p>
+            <a:pPr marL="0" lvl="1" algn="ctr">
+              <a:lnSpc>
+                <a:spcPct val="90000"/>
+              </a:lnSpc>
+              <a:spcBef>
+                <a:spcPct val="0"/>
+              </a:spcBef>
+            </a:pPr>
+            <a:r>
+              <a:rPr lang="tr-TR" sz="2900" b="1" dirty="0">
+                <a:solidFill>
+                  <a:srgbClr val="FF1F20"/>
+                </a:solidFill>
+                <a:latin typeface="Arial" panose="020B0604020202020204" pitchFamily="34" charset="0"/>
+                <a:ea typeface="Verdana" panose="020B0604030504040204" pitchFamily="34" charset="0"/>
+                <a:cs typeface="Arial" panose="020B0604020202020204" pitchFamily="34" charset="0"/>
+              </a:rPr>
+              <a:t>HATALAR</a:t>
+            </a:r>
+          </a:p>
+        </p:txBody>
+      </p:sp>
+    </p:spTree>
+    <p:extLst>
+      <p:ext uri="{BB962C8B-B14F-4D97-AF65-F5344CB8AC3E}">
+        <p14:creationId xmlns:p14="http://schemas.microsoft.com/office/powerpoint/2010/main" val="186835055"/>
+      </p:ext>
+    </p:extLst>
+  </p:cSld>
+  <p:clrMapOvr>
+    <a:masterClrMapping/>
+  </p:clrMapOvr>
+  <p:timing>
+    <p:tnLst>
+      <p:par>
+        <p:cTn id="1" dur="indefinite" restart="never" nodeType="tmRoot">
+          <p:childTnLst>
+            <p:seq concurrent="1" nextAc="seek">
+              <p:cTn id="2" dur="indefinite" nodeType="mainSeq">
+                <p:childTnLst>
+                  <p:par>
+                    <p:cTn id="3" fill="hold">
+                      <p:stCondLst>
+                        <p:cond delay="indefinite"/>
+                      </p:stCondLst>
+                      <p:childTnLst>
+                        <p:par>
+                          <p:cTn id="4" fill="hold">
+                            <p:stCondLst>
+                              <p:cond delay="0"/>
+                            </p:stCondLst>
+                            <p:childTnLst>
+                              <p:par>
+                                <p:cTn id="5" presetID="10" presetClass="entr" presetSubtype="0" fill="hold" nodeType="clickEffect">
+                                  <p:stCondLst>
+                                    <p:cond delay="0"/>
+                                  </p:stCondLst>
+                                  <p:childTnLst>
+                                    <p:set>
+                                      <p:cBhvr>
+                                        <p:cTn id="6" dur="1" fill="hold">
+                                          <p:stCondLst>
+                                            <p:cond delay="0"/>
+                                          </p:stCondLst>
+                                        </p:cTn>
+                                        <p:tgtEl>
+                                          <p:spTgt spid="2">
+                                            <p:txEl>
+                                              <p:pRg st="0" end="0"/>
+                                            </p:txEl>
+                                          </p:spTgt>
+                                        </p:tgtEl>
+                                        <p:attrNameLst>
+                                          <p:attrName>style.visibility</p:attrName>
+                                        </p:attrNameLst>
+                                      </p:cBhvr>
+                                      <p:to>
+                                        <p:strVal val="visible"/>
+                                      </p:to>
+                                    </p:set>
+                                    <p:animEffect transition="in" filter="fade">
+                                      <p:cBhvr>
+                                        <p:cTn id="7" dur="500"/>
+                                        <p:tgtEl>
+                                          <p:spTgt spid="2">
+                                            <p:txEl>
+                                              <p:pRg st="0" end="0"/>
+                                            </p:txEl>
+                                          </p:spTgt>
+                                        </p:tgtEl>
+                                      </p:cBhvr>
+                                    </p:animEffect>
+                                  </p:childTnLst>
+                                </p:cTn>
+                              </p:par>
+                            </p:childTnLst>
+                          </p:cTn>
+                        </p:par>
+                      </p:childTnLst>
+                    </p:cTn>
+                  </p:par>
+                  <p:par>
+                    <p:cTn id="8" fill="hold">
+                      <p:stCondLst>
+                        <p:cond delay="indefinite"/>
+                      </p:stCondLst>
+                      <p:childTnLst>
+                        <p:par>
+                          <p:cTn id="9" fill="hold">
+                            <p:stCondLst>
+                              <p:cond delay="0"/>
+                            </p:stCondLst>
+                            <p:childTnLst>
+                              <p:par>
+                                <p:cTn id="10" presetID="10" presetClass="entr" presetSubtype="0" fill="hold" nodeType="clickEffect">
+                                  <p:stCondLst>
+                                    <p:cond delay="0"/>
+                                  </p:stCondLst>
+                                  <p:childTnLst>
+                                    <p:set>
+                                      <p:cBhvr>
+                                        <p:cTn id="11" dur="1" fill="hold">
+                                          <p:stCondLst>
+                                            <p:cond delay="0"/>
+                                          </p:stCondLst>
+                                        </p:cTn>
+                                        <p:tgtEl>
+                                          <p:spTgt spid="2">
+                                            <p:txEl>
+                                              <p:pRg st="1" end="1"/>
+                                            </p:txEl>
+                                          </p:spTgt>
+                                        </p:tgtEl>
+                                        <p:attrNameLst>
+                                          <p:attrName>style.visibility</p:attrName>
+                                        </p:attrNameLst>
+                                      </p:cBhvr>
+                                      <p:to>
+                                        <p:strVal val="visible"/>
+                                      </p:to>
+                                    </p:set>
+                                    <p:animEffect transition="in" filter="fade">
+                                      <p:cBhvr>
+                                        <p:cTn id="12" dur="500"/>
+                                        <p:tgtEl>
+                                          <p:spTgt spid="2">
+                                            <p:txEl>
+                                              <p:pRg st="1" end="1"/>
+                                            </p:txEl>
+                                          </p:spTgt>
+                                        </p:tgtEl>
+                                      </p:cBhvr>
+                                    </p:animEffect>
+                                  </p:childTnLst>
+                                </p:cTn>
+                              </p:par>
+                            </p:childTnLst>
+                          </p:cTn>
+                        </p:par>
+                      </p:childTnLst>
+                    </p:cTn>
+                  </p:par>
+                  <p:par>
+                    <p:cTn id="13" fill="hold">
+                      <p:stCondLst>
+                        <p:cond delay="indefinite"/>
+                      </p:stCondLst>
+                      <p:childTnLst>
+                        <p:par>
+                          <p:cTn id="14" fill="hold">
+                            <p:stCondLst>
+                              <p:cond delay="0"/>
+                            </p:stCondLst>
+                            <p:childTnLst>
+                              <p:par>
+                                <p:cTn id="15" presetID="10" presetClass="entr" presetSubtype="0" fill="hold" nodeType="clickEffect">
+                                  <p:stCondLst>
+                                    <p:cond delay="0"/>
+                                  </p:stCondLst>
+                                  <p:childTnLst>
+                                    <p:set>
+                                      <p:cBhvr>
+                                        <p:cTn id="16" dur="1" fill="hold">
+                                          <p:stCondLst>
+                                            <p:cond delay="0"/>
+                                          </p:stCondLst>
+                                        </p:cTn>
+                                        <p:tgtEl>
+                                          <p:spTgt spid="2">
+                                            <p:txEl>
+                                              <p:pRg st="2" end="2"/>
+                                            </p:txEl>
+                                          </p:spTgt>
+                                        </p:tgtEl>
+                                        <p:attrNameLst>
+                                          <p:attrName>style.visibility</p:attrName>
+                                        </p:attrNameLst>
+                                      </p:cBhvr>
+                                      <p:to>
+                                        <p:strVal val="visible"/>
+                                      </p:to>
+                                    </p:set>
+                                    <p:animEffect transition="in" filter="fade">
+                                      <p:cBhvr>
+                                        <p:cTn id="17" dur="500"/>
+                                        <p:tgtEl>
+                                          <p:spTgt spid="2">
+                                            <p:txEl>
+                                              <p:pRg st="2" end="2"/>
+                                            </p:txEl>
+                                          </p:spTgt>
+                                        </p:tgtEl>
+                                      </p:cBhvr>
+                                    </p:animEffect>
+                                  </p:childTnLst>
+                                </p:cTn>
+                              </p:par>
+                            </p:childTnLst>
+                          </p:cTn>
+                        </p:par>
+                      </p:childTnLst>
+                    </p:cTn>
+                  </p:par>
+                  <p:par>
+                    <p:cTn id="18" fill="hold">
+                      <p:stCondLst>
+                        <p:cond delay="indefinite"/>
+                      </p:stCondLst>
+                      <p:childTnLst>
+                        <p:par>
+                          <p:cTn id="19" fill="hold">
+                            <p:stCondLst>
+                              <p:cond delay="0"/>
+                            </p:stCondLst>
+                            <p:childTnLst>
+                              <p:par>
+                                <p:cTn id="20" presetID="10" presetClass="entr" presetSubtype="0" fill="hold" nodeType="clickEffect">
+                                  <p:stCondLst>
+                                    <p:cond delay="0"/>
+                                  </p:stCondLst>
+                                  <p:childTnLst>
+                                    <p:set>
+                                      <p:cBhvr>
+                                        <p:cTn id="21" dur="1" fill="hold">
+                                          <p:stCondLst>
+                                            <p:cond delay="0"/>
+                                          </p:stCondLst>
+                                        </p:cTn>
+                                        <p:tgtEl>
+                                          <p:spTgt spid="2">
+                                            <p:txEl>
+                                              <p:pRg st="4" end="4"/>
+                                            </p:txEl>
+                                          </p:spTgt>
+                                        </p:tgtEl>
+                                        <p:attrNameLst>
+                                          <p:attrName>style.visibility</p:attrName>
+                                        </p:attrNameLst>
+                                      </p:cBhvr>
+                                      <p:to>
+                                        <p:strVal val="visible"/>
+                                      </p:to>
+                                    </p:set>
+                                    <p:animEffect transition="in" filter="fade">
+                                      <p:cBhvr>
+                                        <p:cTn id="22" dur="500"/>
+                                        <p:tgtEl>
+                                          <p:spTgt spid="2">
+                                            <p:txEl>
+                                              <p:pRg st="4" end="4"/>
+                                            </p:txEl>
+                                          </p:spTgt>
+                                        </p:tgtEl>
+                                      </p:cBhvr>
+                                    </p:animEffect>
+                                  </p:childTnLst>
+                                </p:cTn>
+                              </p:par>
+                            </p:childTnLst>
+                          </p:cTn>
+                        </p:par>
+                      </p:childTnLst>
+                    </p:cTn>
+                  </p:par>
+                  <p:par>
+                    <p:cTn id="23" fill="hold">
+                      <p:stCondLst>
+                        <p:cond delay="indefinite"/>
+                      </p:stCondLst>
+                      <p:childTnLst>
+                        <p:par>
+                          <p:cTn id="24" fill="hold">
+                            <p:stCondLst>
+                              <p:cond delay="0"/>
+                            </p:stCondLst>
+                            <p:childTnLst>
+                              <p:par>
+                                <p:cTn id="25" presetID="10" presetClass="entr" presetSubtype="0" fill="hold" nodeType="clickEffect">
+                                  <p:stCondLst>
+                                    <p:cond delay="0"/>
+                                  </p:stCondLst>
+                                  <p:childTnLst>
+                                    <p:set>
+                                      <p:cBhvr>
+                                        <p:cTn id="26" dur="1" fill="hold">
+                                          <p:stCondLst>
+                                            <p:cond delay="0"/>
+                                          </p:stCondLst>
+                                        </p:cTn>
+                                        <p:tgtEl>
+                                          <p:spTgt spid="2">
+                                            <p:txEl>
+                                              <p:pRg st="5" end="5"/>
+                                            </p:txEl>
+                                          </p:spTgt>
+                                        </p:tgtEl>
+                                        <p:attrNameLst>
+                                          <p:attrName>style.visibility</p:attrName>
+                                        </p:attrNameLst>
+                                      </p:cBhvr>
+                                      <p:to>
+                                        <p:strVal val="visible"/>
+                                      </p:to>
+                                    </p:set>
+                                    <p:animEffect transition="in" filter="fade">
+                                      <p:cBhvr>
+                                        <p:cTn id="27" dur="500"/>
+                                        <p:tgtEl>
+                                          <p:spTgt spid="2">
+                                            <p:txEl>
+                                              <p:pRg st="5" end="5"/>
+                                            </p:txEl>
+                                          </p:spTgt>
+                                        </p:tgtEl>
+                                      </p:cBhvr>
+                                    </p:animEffect>
+                                  </p:childTnLst>
+                                </p:cTn>
+                              </p:par>
+                            </p:childTnLst>
+                          </p:cTn>
+                        </p:par>
+                      </p:childTnLst>
+                    </p:cTn>
+                  </p:par>
+                </p:childTnLst>
+              </p:cTn>
+              <p:prevCondLst>
+                <p:cond evt="onPrev" delay="0">
+                  <p:tgtEl>
+                    <p:sldTgt/>
+                  </p:tgtEl>
+                </p:cond>
+              </p:prevCondLst>
+              <p:nextCondLst>
+                <p:cond evt="onNext" delay="0">
+                  <p:tgtEl>
+                    <p:sldTgt/>
+                  </p:tgtEl>
+                </p:cond>
+              </p:nextCondLst>
+            </p:seq>
+          </p:childTnLst>
+        </p:cTn>
+      </p:par>
+    </p:tnLst>
+  </p:timing>
+</p:sld>
+</file>
+
+<file path=ppt/slides/slide15.xml><?xml version="1.0" encoding="utf-8"?>
+<p:sld xmlns:a="http://schemas.openxmlformats.org/drawingml/2006/main" xmlns:r="http://schemas.openxmlformats.org/officeDocument/2006/relationships" xmlns:p="http://schemas.openxmlformats.org/presentationml/2006/main">
+  <p:cSld>
+    <p:spTree>
+      <p:nvGrpSpPr>
+        <p:cNvPr id="1" name=""/>
+        <p:cNvGrpSpPr/>
+        <p:nvPr/>
+      </p:nvGrpSpPr>
+      <p:grpSpPr>
+        <a:xfrm>
+          <a:off x="0" y="0"/>
+          <a:ext cx="0" cy="0"/>
+          <a:chOff x="0" y="0"/>
+          <a:chExt cx="0" cy="0"/>
+        </a:xfrm>
+      </p:grpSpPr>
+      <p:sp>
+        <p:nvSpPr>
+          <p:cNvPr id="3" name="Rectangle 7">
+            <a:extLst>
+              <a:ext uri="{FF2B5EF4-FFF2-40B4-BE49-F238E27FC236}">
+                <a16:creationId xmlns:a16="http://schemas.microsoft.com/office/drawing/2014/main" id="{D42DE1B9-BAF2-438A-99D4-A19B593936A9}"/>
+              </a:ext>
+            </a:extLst>
+          </p:cNvPr>
+          <p:cNvSpPr>
+            <a:spLocks noChangeArrowheads="1"/>
+          </p:cNvSpPr>
+          <p:nvPr/>
+        </p:nvSpPr>
+        <p:spPr bwMode="auto">
+          <a:xfrm>
+            <a:off x="1881187" y="292631"/>
+            <a:ext cx="8429625" cy="493981"/>
+          </a:xfrm>
+          <a:prstGeom prst="rect">
+            <a:avLst/>
+          </a:prstGeom>
+          <a:noFill/>
+          <a:ln>
+            <a:noFill/>
+          </a:ln>
+          <a:extLst>
+            <a:ext uri="{909E8E84-426E-40DD-AFC4-6F175D3DCCD1}">
+              <a14:hiddenFill xmlns:a14="http://schemas.microsoft.com/office/drawing/2010/main">
+                <a:solidFill>
+                  <a:srgbClr val="FFFFFF"/>
+                </a:solidFill>
+              </a14:hiddenFill>
+            </a:ext>
+            <a:ext uri="{91240B29-F687-4F45-9708-019B960494DF}">
+              <a14:hiddenLine xmlns:a14="http://schemas.microsoft.com/office/drawing/2010/main" w="9525">
+                <a:solidFill>
+                  <a:srgbClr val="000000"/>
+                </a:solidFill>
+                <a:miter lim="800000"/>
+                <a:headEnd/>
+                <a:tailEnd/>
+              </a14:hiddenLine>
+            </a:ext>
+          </a:extLst>
+        </p:spPr>
+        <p:txBody>
+          <a:bodyPr>
+            <a:spAutoFit/>
+          </a:bodyPr>
+          <a:lstStyle/>
+          <a:p>
+            <a:pPr marL="0" lvl="1" algn="ctr">
+              <a:lnSpc>
+                <a:spcPct val="90000"/>
+              </a:lnSpc>
+              <a:spcBef>
+                <a:spcPct val="0"/>
+              </a:spcBef>
+            </a:pPr>
+            <a:r>
+              <a:rPr lang="tr-TR" sz="2900" b="1" dirty="0">
+                <a:solidFill>
+                  <a:srgbClr val="FF1F20"/>
+                </a:solidFill>
+                <a:latin typeface="Arial" panose="020B0604020202020204" pitchFamily="34" charset="0"/>
+                <a:ea typeface="Verdana" panose="020B0604030504040204" pitchFamily="34" charset="0"/>
+                <a:cs typeface="Arial" panose="020B0604020202020204" pitchFamily="34" charset="0"/>
+              </a:rPr>
+              <a:t>HATANIN SEBEPLERİ</a:t>
+            </a:r>
+          </a:p>
+        </p:txBody>
+      </p:sp>
+      <p:pic>
+        <p:nvPicPr>
+          <p:cNvPr id="5" name="Resim 4">
+            <a:extLst>
+              <a:ext uri="{FF2B5EF4-FFF2-40B4-BE49-F238E27FC236}">
+                <a16:creationId xmlns:a16="http://schemas.microsoft.com/office/drawing/2014/main" id="{9622DA87-26C6-4908-B24D-4A41DC1A9D32}"/>
+              </a:ext>
+            </a:extLst>
+          </p:cNvPr>
+          <p:cNvPicPr>
+            <a:picLocks noChangeAspect="1"/>
+          </p:cNvPicPr>
+          <p:nvPr/>
+        </p:nvPicPr>
+        <p:blipFill>
+          <a:blip r:embed="rId2">
+            <a:extLst>
+              <a:ext uri="{28A0092B-C50C-407E-A947-70E740481C1C}">
+                <a14:useLocalDpi xmlns:a14="http://schemas.microsoft.com/office/drawing/2010/main" val="0"/>
+              </a:ext>
+            </a:extLst>
+          </a:blip>
+          <a:stretch>
+            <a:fillRect/>
+          </a:stretch>
+        </p:blipFill>
+        <p:spPr>
+          <a:xfrm>
+            <a:off x="6265009" y="1940313"/>
+            <a:ext cx="5495461" cy="3660861"/>
+          </a:xfrm>
+          <a:prstGeom prst="rect">
+            <a:avLst/>
+          </a:prstGeom>
+        </p:spPr>
+      </p:pic>
+      <p:sp>
+        <p:nvSpPr>
+          <p:cNvPr id="6" name="Dikdörtgen 5">
+            <a:extLst>
+              <a:ext uri="{FF2B5EF4-FFF2-40B4-BE49-F238E27FC236}">
+                <a16:creationId xmlns:a16="http://schemas.microsoft.com/office/drawing/2014/main" id="{CEB2BC90-57A6-471C-A829-91BF47E772D6}"/>
+              </a:ext>
+            </a:extLst>
+          </p:cNvPr>
+          <p:cNvSpPr/>
+          <p:nvPr/>
+        </p:nvSpPr>
+        <p:spPr>
+          <a:xfrm>
+            <a:off x="7697237" y="1211235"/>
+            <a:ext cx="3051733" cy="461665"/>
+          </a:xfrm>
+          <a:prstGeom prst="rect">
+            <a:avLst/>
+          </a:prstGeom>
+        </p:spPr>
+        <p:txBody>
+          <a:bodyPr wrap="none">
+            <a:spAutoFit/>
+          </a:bodyPr>
+          <a:lstStyle/>
+          <a:p>
+            <a:r>
+              <a:rPr lang="tr-TR" sz="2400" dirty="0">
+                <a:solidFill>
+                  <a:srgbClr val="FF0000"/>
+                </a:solidFill>
+              </a:rPr>
+              <a:t>Yanlış yere nişan almak</a:t>
+            </a:r>
+          </a:p>
+        </p:txBody>
+      </p:sp>
+      <p:sp>
+        <p:nvSpPr>
+          <p:cNvPr id="7" name="Dikdörtgen 6">
+            <a:extLst>
+              <a:ext uri="{FF2B5EF4-FFF2-40B4-BE49-F238E27FC236}">
+                <a16:creationId xmlns:a16="http://schemas.microsoft.com/office/drawing/2014/main" id="{33A83916-9B3E-46C9-9F1B-8BE6EB063E36}"/>
+              </a:ext>
+            </a:extLst>
+          </p:cNvPr>
+          <p:cNvSpPr/>
+          <p:nvPr/>
+        </p:nvSpPr>
+        <p:spPr>
+          <a:xfrm>
+            <a:off x="895588" y="2250399"/>
+            <a:ext cx="2161169" cy="1908215"/>
+          </a:xfrm>
+          <a:prstGeom prst="rect">
+            <a:avLst/>
+          </a:prstGeom>
+        </p:spPr>
+        <p:txBody>
+          <a:bodyPr wrap="none">
+            <a:spAutoFit/>
+          </a:bodyPr>
+          <a:lstStyle/>
+          <a:p>
+            <a:r>
+              <a:rPr lang="tr-TR" sz="2400" dirty="0"/>
+              <a:t>Rüzgar,</a:t>
+            </a:r>
+          </a:p>
+          <a:p>
+            <a:r>
+              <a:rPr lang="tr-TR" sz="2400" dirty="0"/>
+              <a:t>Barut miktarı</a:t>
+            </a:r>
+          </a:p>
+          <a:p>
+            <a:r>
+              <a:rPr lang="tr-TR" sz="2400" dirty="0"/>
+              <a:t>Namlu aşınması</a:t>
+            </a:r>
+          </a:p>
+          <a:p>
+            <a:r>
+              <a:rPr lang="tr-TR" sz="2400" dirty="0"/>
+              <a:t>Hava sıcaklığı</a:t>
+            </a:r>
+          </a:p>
+          <a:p>
+            <a:endParaRPr lang="tr-TR" sz="2200" dirty="0"/>
+          </a:p>
+        </p:txBody>
+      </p:sp>
+      <p:sp>
+        <p:nvSpPr>
+          <p:cNvPr id="9" name="Dikdörtgen 8">
+            <a:extLst>
+              <a:ext uri="{FF2B5EF4-FFF2-40B4-BE49-F238E27FC236}">
+                <a16:creationId xmlns:a16="http://schemas.microsoft.com/office/drawing/2014/main" id="{322BE5E1-EB65-44E0-9F2C-E23A2AABBA47}"/>
+              </a:ext>
+            </a:extLst>
+          </p:cNvPr>
+          <p:cNvSpPr/>
+          <p:nvPr/>
+        </p:nvSpPr>
+        <p:spPr>
+          <a:xfrm>
+            <a:off x="895588" y="1281805"/>
+            <a:ext cx="847348" cy="461665"/>
+          </a:xfrm>
+          <a:prstGeom prst="rect">
+            <a:avLst/>
+          </a:prstGeom>
+        </p:spPr>
+        <p:txBody>
+          <a:bodyPr wrap="none">
+            <a:spAutoFit/>
+          </a:bodyPr>
+          <a:lstStyle/>
+          <a:p>
+            <a:r>
+              <a:rPr lang="tr-TR" sz="2400" dirty="0">
+                <a:solidFill>
+                  <a:srgbClr val="FF0000"/>
+                </a:solidFill>
+              </a:rPr>
+              <a:t>Diğer</a:t>
+            </a:r>
+          </a:p>
+        </p:txBody>
+      </p:sp>
+    </p:spTree>
+    <p:extLst>
+      <p:ext uri="{BB962C8B-B14F-4D97-AF65-F5344CB8AC3E}">
+        <p14:creationId xmlns:p14="http://schemas.microsoft.com/office/powerpoint/2010/main" val="3505166842"/>
+      </p:ext>
+    </p:extLst>
+  </p:cSld>
+  <p:clrMapOvr>
+    <a:masterClrMapping/>
+  </p:clrMapOvr>
+  <p:timing>
+    <p:tnLst>
+      <p:par>
+        <p:cTn id="1" dur="indefinite" restart="never" nodeType="tmRoot">
+          <p:childTnLst>
+            <p:seq concurrent="1" nextAc="seek">
+              <p:cTn id="2" dur="indefinite" nodeType="mainSeq">
+                <p:childTnLst>
+                  <p:par>
+                    <p:cTn id="3" fill="hold">
+                      <p:stCondLst>
+                        <p:cond delay="indefinite"/>
+                      </p:stCondLst>
+                      <p:childTnLst>
+                        <p:par>
+                          <p:cTn id="4" fill="hold">
+                            <p:stCondLst>
+                              <p:cond delay="0"/>
+                            </p:stCondLst>
+                            <p:childTnLst>
+                              <p:par>
+                                <p:cTn id="5" presetID="53" presetClass="entr" presetSubtype="16" fill="hold" grpId="0" nodeType="clickEffect">
+                                  <p:stCondLst>
+                                    <p:cond delay="0"/>
+                                  </p:stCondLst>
+                                  <p:childTnLst>
+                                    <p:set>
+                                      <p:cBhvr>
+                                        <p:cTn id="6" dur="1" fill="hold">
+                                          <p:stCondLst>
+                                            <p:cond delay="0"/>
+                                          </p:stCondLst>
+                                        </p:cTn>
+                                        <p:tgtEl>
+                                          <p:spTgt spid="6"/>
+                                        </p:tgtEl>
+                                        <p:attrNameLst>
+                                          <p:attrName>style.visibility</p:attrName>
+                                        </p:attrNameLst>
+                                      </p:cBhvr>
+                                      <p:to>
+                                        <p:strVal val="visible"/>
+                                      </p:to>
+                                    </p:set>
+                                    <p:anim calcmode="lin" valueType="num">
+                                      <p:cBhvr>
+                                        <p:cTn id="7" dur="500" fill="hold"/>
+                                        <p:tgtEl>
+                                          <p:spTgt spid="6"/>
+                                        </p:tgtEl>
+                                        <p:attrNameLst>
+                                          <p:attrName>ppt_w</p:attrName>
+                                        </p:attrNameLst>
+                                      </p:cBhvr>
+                                      <p:tavLst>
+                                        <p:tav tm="0">
+                                          <p:val>
+                                            <p:fltVal val="0"/>
+                                          </p:val>
+                                        </p:tav>
+                                        <p:tav tm="100000">
+                                          <p:val>
+                                            <p:strVal val="#ppt_w"/>
+                                          </p:val>
+                                        </p:tav>
+                                      </p:tavLst>
+                                    </p:anim>
+                                    <p:anim calcmode="lin" valueType="num">
+                                      <p:cBhvr>
+                                        <p:cTn id="8" dur="500" fill="hold"/>
+                                        <p:tgtEl>
+                                          <p:spTgt spid="6"/>
+                                        </p:tgtEl>
+                                        <p:attrNameLst>
+                                          <p:attrName>ppt_h</p:attrName>
+                                        </p:attrNameLst>
+                                      </p:cBhvr>
+                                      <p:tavLst>
+                                        <p:tav tm="0">
+                                          <p:val>
+                                            <p:fltVal val="0"/>
+                                          </p:val>
+                                        </p:tav>
+                                        <p:tav tm="100000">
+                                          <p:val>
+                                            <p:strVal val="#ppt_h"/>
+                                          </p:val>
+                                        </p:tav>
+                                      </p:tavLst>
+                                    </p:anim>
+                                    <p:animEffect transition="in" filter="fade">
+                                      <p:cBhvr>
+                                        <p:cTn id="9" dur="500"/>
+                                        <p:tgtEl>
+                                          <p:spTgt spid="6"/>
+                                        </p:tgtEl>
+                                      </p:cBhvr>
+                                    </p:animEffect>
+                                  </p:childTnLst>
+                                </p:cTn>
+                              </p:par>
+                              <p:par>
+                                <p:cTn id="10" presetID="53" presetClass="entr" presetSubtype="16" fill="hold" nodeType="withEffect">
+                                  <p:stCondLst>
+                                    <p:cond delay="0"/>
+                                  </p:stCondLst>
+                                  <p:childTnLst>
+                                    <p:set>
+                                      <p:cBhvr>
+                                        <p:cTn id="11" dur="1" fill="hold">
+                                          <p:stCondLst>
+                                            <p:cond delay="0"/>
+                                          </p:stCondLst>
+                                        </p:cTn>
+                                        <p:tgtEl>
+                                          <p:spTgt spid="5"/>
+                                        </p:tgtEl>
+                                        <p:attrNameLst>
+                                          <p:attrName>style.visibility</p:attrName>
+                                        </p:attrNameLst>
+                                      </p:cBhvr>
+                                      <p:to>
+                                        <p:strVal val="visible"/>
+                                      </p:to>
+                                    </p:set>
+                                    <p:anim calcmode="lin" valueType="num">
+                                      <p:cBhvr>
+                                        <p:cTn id="12" dur="500" fill="hold"/>
+                                        <p:tgtEl>
+                                          <p:spTgt spid="5"/>
+                                        </p:tgtEl>
+                                        <p:attrNameLst>
+                                          <p:attrName>ppt_w</p:attrName>
+                                        </p:attrNameLst>
+                                      </p:cBhvr>
+                                      <p:tavLst>
+                                        <p:tav tm="0">
+                                          <p:val>
+                                            <p:fltVal val="0"/>
+                                          </p:val>
+                                        </p:tav>
+                                        <p:tav tm="100000">
+                                          <p:val>
+                                            <p:strVal val="#ppt_w"/>
+                                          </p:val>
+                                        </p:tav>
+                                      </p:tavLst>
+                                    </p:anim>
+                                    <p:anim calcmode="lin" valueType="num">
+                                      <p:cBhvr>
+                                        <p:cTn id="13" dur="500" fill="hold"/>
+                                        <p:tgtEl>
+                                          <p:spTgt spid="5"/>
+                                        </p:tgtEl>
+                                        <p:attrNameLst>
+                                          <p:attrName>ppt_h</p:attrName>
+                                        </p:attrNameLst>
+                                      </p:cBhvr>
+                                      <p:tavLst>
+                                        <p:tav tm="0">
+                                          <p:val>
+                                            <p:fltVal val="0"/>
+                                          </p:val>
+                                        </p:tav>
+                                        <p:tav tm="100000">
+                                          <p:val>
+                                            <p:strVal val="#ppt_h"/>
+                                          </p:val>
+                                        </p:tav>
+                                      </p:tavLst>
+                                    </p:anim>
+                                    <p:animEffect transition="in" filter="fade">
+                                      <p:cBhvr>
+                                        <p:cTn id="14" dur="500"/>
+                                        <p:tgtEl>
+                                          <p:spTgt spid="5"/>
+                                        </p:tgtEl>
+                                      </p:cBhvr>
+                                    </p:animEffect>
+                                  </p:childTnLst>
+                                </p:cTn>
+                              </p:par>
+                            </p:childTnLst>
+                          </p:cTn>
+                        </p:par>
+                      </p:childTnLst>
+                    </p:cTn>
+                  </p:par>
+                  <p:par>
+                    <p:cTn id="15" fill="hold">
+                      <p:stCondLst>
+                        <p:cond delay="indefinite"/>
+                      </p:stCondLst>
+                      <p:childTnLst>
+                        <p:par>
+                          <p:cTn id="16" fill="hold">
+                            <p:stCondLst>
+                              <p:cond delay="0"/>
+                            </p:stCondLst>
+                            <p:childTnLst>
+                              <p:par>
+                                <p:cTn id="17" presetID="53" presetClass="entr" presetSubtype="16" fill="hold" grpId="0" nodeType="clickEffect">
+                                  <p:stCondLst>
+                                    <p:cond delay="0"/>
+                                  </p:stCondLst>
+                                  <p:childTnLst>
+                                    <p:set>
+                                      <p:cBhvr>
+                                        <p:cTn id="18" dur="1" fill="hold">
+                                          <p:stCondLst>
+                                            <p:cond delay="0"/>
+                                          </p:stCondLst>
+                                        </p:cTn>
+                                        <p:tgtEl>
+                                          <p:spTgt spid="9"/>
+                                        </p:tgtEl>
+                                        <p:attrNameLst>
+                                          <p:attrName>style.visibility</p:attrName>
+                                        </p:attrNameLst>
+                                      </p:cBhvr>
+                                      <p:to>
+                                        <p:strVal val="visible"/>
+                                      </p:to>
+                                    </p:set>
+                                    <p:anim calcmode="lin" valueType="num">
+                                      <p:cBhvr>
+                                        <p:cTn id="19" dur="500" fill="hold"/>
+                                        <p:tgtEl>
+                                          <p:spTgt spid="9"/>
+                                        </p:tgtEl>
+                                        <p:attrNameLst>
+                                          <p:attrName>ppt_w</p:attrName>
+                                        </p:attrNameLst>
+                                      </p:cBhvr>
+                                      <p:tavLst>
+                                        <p:tav tm="0">
+                                          <p:val>
+                                            <p:fltVal val="0"/>
+                                          </p:val>
+                                        </p:tav>
+                                        <p:tav tm="100000">
+                                          <p:val>
+                                            <p:strVal val="#ppt_w"/>
+                                          </p:val>
+                                        </p:tav>
+                                      </p:tavLst>
+                                    </p:anim>
+                                    <p:anim calcmode="lin" valueType="num">
+                                      <p:cBhvr>
+                                        <p:cTn id="20" dur="500" fill="hold"/>
+                                        <p:tgtEl>
+                                          <p:spTgt spid="9"/>
+                                        </p:tgtEl>
+                                        <p:attrNameLst>
+                                          <p:attrName>ppt_h</p:attrName>
+                                        </p:attrNameLst>
+                                      </p:cBhvr>
+                                      <p:tavLst>
+                                        <p:tav tm="0">
+                                          <p:val>
+                                            <p:fltVal val="0"/>
+                                          </p:val>
+                                        </p:tav>
+                                        <p:tav tm="100000">
+                                          <p:val>
+                                            <p:strVal val="#ppt_h"/>
+                                          </p:val>
+                                        </p:tav>
+                                      </p:tavLst>
+                                    </p:anim>
+                                    <p:animEffect transition="in" filter="fade">
+                                      <p:cBhvr>
+                                        <p:cTn id="21" dur="500"/>
+                                        <p:tgtEl>
+                                          <p:spTgt spid="9"/>
+                                        </p:tgtEl>
+                                      </p:cBhvr>
+                                    </p:animEffect>
+                                  </p:childTnLst>
+                                </p:cTn>
+                              </p:par>
+                              <p:par>
+                                <p:cTn id="22" presetID="53" presetClass="entr" presetSubtype="16" fill="hold" grpId="0" nodeType="withEffect">
+                                  <p:stCondLst>
+                                    <p:cond delay="0"/>
+                                  </p:stCondLst>
+                                  <p:childTnLst>
+                                    <p:set>
+                                      <p:cBhvr>
+                                        <p:cTn id="23" dur="1" fill="hold">
+                                          <p:stCondLst>
+                                            <p:cond delay="0"/>
+                                          </p:stCondLst>
+                                        </p:cTn>
+                                        <p:tgtEl>
+                                          <p:spTgt spid="7"/>
+                                        </p:tgtEl>
+                                        <p:attrNameLst>
+                                          <p:attrName>style.visibility</p:attrName>
+                                        </p:attrNameLst>
+                                      </p:cBhvr>
+                                      <p:to>
+                                        <p:strVal val="visible"/>
+                                      </p:to>
+                                    </p:set>
+                                    <p:anim calcmode="lin" valueType="num">
+                                      <p:cBhvr>
+                                        <p:cTn id="24" dur="500" fill="hold"/>
+                                        <p:tgtEl>
+                                          <p:spTgt spid="7"/>
+                                        </p:tgtEl>
+                                        <p:attrNameLst>
+                                          <p:attrName>ppt_w</p:attrName>
+                                        </p:attrNameLst>
+                                      </p:cBhvr>
+                                      <p:tavLst>
+                                        <p:tav tm="0">
+                                          <p:val>
+                                            <p:fltVal val="0"/>
+                                          </p:val>
+                                        </p:tav>
+                                        <p:tav tm="100000">
+                                          <p:val>
+                                            <p:strVal val="#ppt_w"/>
+                                          </p:val>
+                                        </p:tav>
+                                      </p:tavLst>
+                                    </p:anim>
+                                    <p:anim calcmode="lin" valueType="num">
+                                      <p:cBhvr>
+                                        <p:cTn id="25" dur="500" fill="hold"/>
+                                        <p:tgtEl>
+                                          <p:spTgt spid="7"/>
+                                        </p:tgtEl>
+                                        <p:attrNameLst>
+                                          <p:attrName>ppt_h</p:attrName>
+                                        </p:attrNameLst>
+                                      </p:cBhvr>
+                                      <p:tavLst>
+                                        <p:tav tm="0">
+                                          <p:val>
+                                            <p:fltVal val="0"/>
+                                          </p:val>
+                                        </p:tav>
+                                        <p:tav tm="100000">
+                                          <p:val>
+                                            <p:strVal val="#ppt_h"/>
+                                          </p:val>
+                                        </p:tav>
+                                      </p:tavLst>
+                                    </p:anim>
+                                    <p:animEffect transition="in" filter="fade">
+                                      <p:cBhvr>
+                                        <p:cTn id="26" dur="500"/>
+                                        <p:tgtEl>
+                                          <p:spTgt spid="7"/>
+                                        </p:tgtEl>
+                                      </p:cBhvr>
+                                    </p:animEffect>
+                                  </p:childTnLst>
+                                </p:cTn>
+                              </p:par>
+                            </p:childTnLst>
+                          </p:cTn>
+                        </p:par>
+                      </p:childTnLst>
+                    </p:cTn>
+                  </p:par>
+                </p:childTnLst>
+              </p:cTn>
+              <p:prevCondLst>
+                <p:cond evt="onPrev" delay="0">
+                  <p:tgtEl>
+                    <p:sldTgt/>
+                  </p:tgtEl>
+                </p:cond>
+              </p:prevCondLst>
+              <p:nextCondLst>
+                <p:cond evt="onNext" delay="0">
+                  <p:tgtEl>
+                    <p:sldTgt/>
+                  </p:tgtEl>
+                </p:cond>
+              </p:nextCondLst>
+            </p:seq>
+          </p:childTnLst>
+        </p:cTn>
+      </p:par>
+    </p:tnLst>
+    <p:bldLst>
+      <p:bldP spid="6" grpId="0"/>
+      <p:bldP spid="7" grpId="0"/>
+      <p:bldP spid="9" grpId="0"/>
+    </p:bldLst>
+  </p:timing>
+</p:sld>
+</file>
+
+<file path=ppt/slides/slide16.xml><?xml version="1.0" encoding="utf-8"?>
+<p:sld xmlns:a="http://schemas.openxmlformats.org/drawingml/2006/main" xmlns:r="http://schemas.openxmlformats.org/officeDocument/2006/relationships" xmlns:p="http://schemas.openxmlformats.org/presentationml/2006/main">
+  <p:cSld>
+    <p:spTree>
+      <p:nvGrpSpPr>
+        <p:cNvPr id="1" name=""/>
+        <p:cNvGrpSpPr/>
+        <p:nvPr/>
+      </p:nvGrpSpPr>
+      <p:grpSpPr>
+        <a:xfrm>
+          <a:off x="0" y="0"/>
+          <a:ext cx="0" cy="0"/>
+          <a:chOff x="0" y="0"/>
+          <a:chExt cx="0" cy="0"/>
+        </a:xfrm>
+      </p:grpSpPr>
+      <p:sp>
+        <p:nvSpPr>
+          <p:cNvPr id="3" name="Rectangle 7">
+            <a:extLst>
+              <a:ext uri="{FF2B5EF4-FFF2-40B4-BE49-F238E27FC236}">
+                <a16:creationId xmlns:a16="http://schemas.microsoft.com/office/drawing/2014/main" id="{D42DE1B9-BAF2-438A-99D4-A19B593936A9}"/>
+              </a:ext>
+            </a:extLst>
+          </p:cNvPr>
+          <p:cNvSpPr>
+            <a:spLocks noChangeArrowheads="1"/>
+          </p:cNvSpPr>
+          <p:nvPr/>
+        </p:nvSpPr>
+        <p:spPr bwMode="auto">
+          <a:xfrm>
+            <a:off x="1881187" y="292631"/>
+            <a:ext cx="8429625" cy="493981"/>
+          </a:xfrm>
+          <a:prstGeom prst="rect">
+            <a:avLst/>
+          </a:prstGeom>
+          <a:noFill/>
+          <a:ln>
+            <a:noFill/>
+          </a:ln>
+          <a:extLst>
+            <a:ext uri="{909E8E84-426E-40DD-AFC4-6F175D3DCCD1}">
+              <a14:hiddenFill xmlns:a14="http://schemas.microsoft.com/office/drawing/2010/main">
+                <a:solidFill>
+                  <a:srgbClr val="FFFFFF"/>
+                </a:solidFill>
+              </a14:hiddenFill>
+            </a:ext>
+            <a:ext uri="{91240B29-F687-4F45-9708-019B960494DF}">
+              <a14:hiddenLine xmlns:a14="http://schemas.microsoft.com/office/drawing/2010/main" w="9525">
+                <a:solidFill>
+                  <a:srgbClr val="000000"/>
+                </a:solidFill>
+                <a:miter lim="800000"/>
+                <a:headEnd/>
+                <a:tailEnd/>
+              </a14:hiddenLine>
+            </a:ext>
+          </a:extLst>
+        </p:spPr>
+        <p:txBody>
+          <a:bodyPr>
+            <a:spAutoFit/>
+          </a:bodyPr>
+          <a:lstStyle/>
+          <a:p>
+            <a:pPr marL="0" lvl="1" algn="ctr">
+              <a:lnSpc>
+                <a:spcPct val="90000"/>
+              </a:lnSpc>
+              <a:spcBef>
+                <a:spcPct val="0"/>
+              </a:spcBef>
+            </a:pPr>
+            <a:r>
+              <a:rPr lang="tr-TR" sz="2900" b="1" dirty="0">
+                <a:solidFill>
+                  <a:srgbClr val="FF1F20"/>
+                </a:solidFill>
+                <a:latin typeface="Arial" panose="020B0604020202020204" pitchFamily="34" charset="0"/>
+                <a:ea typeface="Verdana" panose="020B0604030504040204" pitchFamily="34" charset="0"/>
+                <a:cs typeface="Arial" panose="020B0604020202020204" pitchFamily="34" charset="0"/>
+              </a:rPr>
+              <a:t>BIAS-VARIANCE</a:t>
+            </a:r>
+          </a:p>
+        </p:txBody>
+      </p:sp>
+      <p:pic>
+        <p:nvPicPr>
+          <p:cNvPr id="5" name="Resim 4">
+            <a:extLst>
+              <a:ext uri="{FF2B5EF4-FFF2-40B4-BE49-F238E27FC236}">
+                <a16:creationId xmlns:a16="http://schemas.microsoft.com/office/drawing/2014/main" id="{9F64C490-F984-47C0-BF6F-1EF9863FD75D}"/>
+              </a:ext>
+            </a:extLst>
+          </p:cNvPr>
+          <p:cNvPicPr>
+            <a:picLocks noChangeAspect="1"/>
+          </p:cNvPicPr>
+          <p:nvPr/>
+        </p:nvPicPr>
+        <p:blipFill>
+          <a:blip r:embed="rId2">
+            <a:extLst>
+              <a:ext uri="{28A0092B-C50C-407E-A947-70E740481C1C}">
+                <a14:useLocalDpi xmlns:a14="http://schemas.microsoft.com/office/drawing/2010/main" val="0"/>
+              </a:ext>
+            </a:extLst>
+          </a:blip>
+          <a:stretch>
+            <a:fillRect/>
+          </a:stretch>
+        </p:blipFill>
+        <p:spPr>
+          <a:xfrm>
+            <a:off x="2831828" y="786612"/>
+            <a:ext cx="6528343" cy="5888522"/>
+          </a:xfrm>
+          <a:prstGeom prst="rect">
+            <a:avLst/>
+          </a:prstGeom>
+        </p:spPr>
+      </p:pic>
+      <p:sp>
+        <p:nvSpPr>
+          <p:cNvPr id="6" name="Dikdörtgen 5">
+            <a:extLst>
+              <a:ext uri="{FF2B5EF4-FFF2-40B4-BE49-F238E27FC236}">
+                <a16:creationId xmlns:a16="http://schemas.microsoft.com/office/drawing/2014/main" id="{0A37DB79-E0CF-4EB2-92E1-4F160D1745D8}"/>
+              </a:ext>
+            </a:extLst>
+          </p:cNvPr>
+          <p:cNvSpPr/>
+          <p:nvPr/>
+        </p:nvSpPr>
+        <p:spPr>
+          <a:xfrm>
+            <a:off x="7918011" y="6361982"/>
+            <a:ext cx="3834961" cy="276999"/>
+          </a:xfrm>
+          <a:prstGeom prst="rect">
+            <a:avLst/>
+          </a:prstGeom>
+        </p:spPr>
+        <p:txBody>
+          <a:bodyPr wrap="none">
+            <a:spAutoFit/>
+          </a:bodyPr>
+          <a:lstStyle/>
+          <a:p>
+            <a:r>
+              <a:rPr lang="tr-TR" sz="1200" dirty="0">
+                <a:hlinkClick r:id="rId3"/>
+              </a:rPr>
+              <a:t>Görsel: https://www.quora.com/What-is-bias-and-variance</a:t>
+            </a:r>
+            <a:endParaRPr lang="tr-TR" sz="1200" dirty="0"/>
+          </a:p>
+        </p:txBody>
+      </p:sp>
+    </p:spTree>
+    <p:extLst>
+      <p:ext uri="{BB962C8B-B14F-4D97-AF65-F5344CB8AC3E}">
+        <p14:creationId xmlns:p14="http://schemas.microsoft.com/office/powerpoint/2010/main" val="4289180787"/>
+      </p:ext>
+    </p:extLst>
+  </p:cSld>
+  <p:clrMapOvr>
+    <a:masterClrMapping/>
+  </p:clrMapOvr>
+</p:sld>
+</file>
+
+<file path=ppt/slides/slide17.xml><?xml version="1.0" encoding="utf-8"?>
+<p:sld xmlns:a="http://schemas.openxmlformats.org/drawingml/2006/main" xmlns:r="http://schemas.openxmlformats.org/officeDocument/2006/relationships" xmlns:p="http://schemas.openxmlformats.org/presentationml/2006/main">
+  <p:cSld>
+    <p:spTree>
+      <p:nvGrpSpPr>
+        <p:cNvPr id="1" name=""/>
+        <p:cNvGrpSpPr/>
+        <p:nvPr/>
+      </p:nvGrpSpPr>
+      <p:grpSpPr>
+        <a:xfrm>
+          <a:off x="0" y="0"/>
+          <a:ext cx="0" cy="0"/>
+          <a:chOff x="0" y="0"/>
+          <a:chExt cx="0" cy="0"/>
+        </a:xfrm>
+      </p:grpSpPr>
+      <p:sp>
+        <p:nvSpPr>
+          <p:cNvPr id="2" name="Dikdörtgen 1">
+            <a:extLst>
+              <a:ext uri="{FF2B5EF4-FFF2-40B4-BE49-F238E27FC236}">
+                <a16:creationId xmlns:a16="http://schemas.microsoft.com/office/drawing/2014/main" id="{9E7DAE9A-5611-476C-9343-F8F6556FE056}"/>
+              </a:ext>
+            </a:extLst>
+          </p:cNvPr>
+          <p:cNvSpPr/>
+          <p:nvPr/>
+        </p:nvSpPr>
+        <p:spPr>
+          <a:xfrm>
             <a:off x="1818167" y="1532261"/>
-            <a:ext cx="8867554" cy="3539430"/>
+            <a:ext cx="8867554" cy="3108543"/>
           </a:xfrm>
           <a:prstGeom prst="rect">
             <a:avLst/>
@@ -6813,7 +8036,7 @@
                 </a:solidFill>
                 <a:latin typeface="Roboto"/>
               </a:rPr>
-              <a:t>Son olarak, modelinizin ne çok basit (zayıf öğrenme eğilimli), ne de karmaşık (aşırı öğrenme eğilimli) olması gerekir.</a:t>
+              <a:t>Modelinizin ne çok basit (zayıf öğrenme eğilimli), ne de karmaşık (aşırı öğrenme eğilimli) olması gerekir.</a:t>
             </a:r>
           </a:p>
         </p:txBody>

--- a/presentations/04_ML_Önemli_Hususlar.pptx
+++ b/presentations/04_ML_Önemli_Hususlar.pptx
@@ -5,7 +5,7 @@
     <p:sldMasterId id="2147483648" r:id="rId1"/>
   </p:sldMasterIdLst>
   <p:notesMasterIdLst>
-    <p:notesMasterId r:id="rId19"/>
+    <p:notesMasterId r:id="rId20"/>
   </p:notesMasterIdLst>
   <p:sldIdLst>
     <p:sldId id="257" r:id="rId2"/>
@@ -20,11 +20,12 @@
     <p:sldId id="341" r:id="rId11"/>
     <p:sldId id="342" r:id="rId12"/>
     <p:sldId id="272" r:id="rId13"/>
-    <p:sldId id="324" r:id="rId14"/>
-    <p:sldId id="344" r:id="rId15"/>
-    <p:sldId id="346" r:id="rId16"/>
-    <p:sldId id="345" r:id="rId17"/>
-    <p:sldId id="343" r:id="rId18"/>
+    <p:sldId id="347" r:id="rId14"/>
+    <p:sldId id="324" r:id="rId15"/>
+    <p:sldId id="344" r:id="rId16"/>
+    <p:sldId id="346" r:id="rId17"/>
+    <p:sldId id="345" r:id="rId18"/>
+    <p:sldId id="343" r:id="rId19"/>
   </p:sldIdLst>
   <p:sldSz cx="12192000" cy="6858000"/>
   <p:notesSz cx="6858000" cy="9144000"/>
@@ -145,38 +146,6 @@
 <file path=ppt/changesInfos/changesInfo1.xml><?xml version="1.0" encoding="utf-8"?>
 <pc:chgInfo xmlns:a="http://schemas.openxmlformats.org/drawingml/2006/main" xmlns:r="http://schemas.openxmlformats.org/officeDocument/2006/relationships" xmlns:ac="http://schemas.microsoft.com/office/drawing/2013/main/command" xmlns:pc="http://schemas.microsoft.com/office/powerpoint/2013/main/command">
   <pc:docChgLst>
-    <pc:chgData name="Erkan ŞİRİN" userId="7f10ce1d6aaf8c5d" providerId="LiveId" clId="{D9C747DB-0ACB-4E68-987D-4C5D6EF5C7FB}"/>
-    <pc:docChg chg="addSld delSld modSld">
-      <pc:chgData name="Erkan ŞİRİN" userId="7f10ce1d6aaf8c5d" providerId="LiveId" clId="{D9C747DB-0ACB-4E68-987D-4C5D6EF5C7FB}" dt="2019-03-27T16:52:10.253" v="190" actId="255"/>
-      <pc:docMkLst>
-        <pc:docMk/>
-      </pc:docMkLst>
-      <pc:sldChg chg="modSp add modAnim">
-        <pc:chgData name="Erkan ŞİRİN" userId="7f10ce1d6aaf8c5d" providerId="LiveId" clId="{D9C747DB-0ACB-4E68-987D-4C5D6EF5C7FB}" dt="2019-03-27T16:52:10.253" v="190" actId="255"/>
-        <pc:sldMkLst>
-          <pc:docMk/>
-          <pc:sldMk cId="3622917333" sldId="343"/>
-        </pc:sldMkLst>
-        <pc:spChg chg="mod">
-          <ac:chgData name="Erkan ŞİRİN" userId="7f10ce1d6aaf8c5d" providerId="LiveId" clId="{D9C747DB-0ACB-4E68-987D-4C5D6EF5C7FB}" dt="2019-03-27T16:52:05.563" v="189" actId="1076"/>
-          <ac:spMkLst>
-            <pc:docMk/>
-            <pc:sldMk cId="3622917333" sldId="343"/>
-            <ac:spMk id="2" creationId="{9E7DAE9A-5611-476C-9343-F8F6556FE056}"/>
-          </ac:spMkLst>
-        </pc:spChg>
-        <pc:spChg chg="mod">
-          <ac:chgData name="Erkan ŞİRİN" userId="7f10ce1d6aaf8c5d" providerId="LiveId" clId="{D9C747DB-0ACB-4E68-987D-4C5D6EF5C7FB}" dt="2019-03-27T16:52:10.253" v="190" actId="255"/>
-          <ac:spMkLst>
-            <pc:docMk/>
-            <pc:sldMk cId="3622917333" sldId="343"/>
-            <ac:spMk id="3" creationId="{D42DE1B9-BAF2-438A-99D4-A19B593936A9}"/>
-          </ac:spMkLst>
-        </pc:spChg>
-      </pc:sldChg>
-    </pc:docChg>
-  </pc:docChgLst>
-  <pc:docChgLst>
     <pc:chgData name="Erkan ŞİRİN" userId="7f10ce1d6aaf8c5d" providerId="LiveId" clId="{D0CC904B-D9B3-4FE2-A791-7E57207EC19A}"/>
     <pc:docChg chg="custSel addSld modSld sldOrd">
       <pc:chgData name="Erkan ŞİRİN" userId="7f10ce1d6aaf8c5d" providerId="LiveId" clId="{D0CC904B-D9B3-4FE2-A791-7E57207EC19A}" dt="2019-03-27T15:31:13.864" v="1466" actId="20577"/>
@@ -1462,6 +1431,38 @@
             <ac:picMk id="5" creationId="{9622DA87-26C6-4908-B24D-4A41DC1A9D32}"/>
           </ac:picMkLst>
         </pc:picChg>
+      </pc:sldChg>
+    </pc:docChg>
+  </pc:docChgLst>
+  <pc:docChgLst>
+    <pc:chgData name="Erkan ŞİRİN" userId="7f10ce1d6aaf8c5d" providerId="LiveId" clId="{D9C747DB-0ACB-4E68-987D-4C5D6EF5C7FB}"/>
+    <pc:docChg chg="addSld delSld modSld">
+      <pc:chgData name="Erkan ŞİRİN" userId="7f10ce1d6aaf8c5d" providerId="LiveId" clId="{D9C747DB-0ACB-4E68-987D-4C5D6EF5C7FB}" dt="2019-03-27T16:52:10.253" v="190" actId="255"/>
+      <pc:docMkLst>
+        <pc:docMk/>
+      </pc:docMkLst>
+      <pc:sldChg chg="modSp add modAnim">
+        <pc:chgData name="Erkan ŞİRİN" userId="7f10ce1d6aaf8c5d" providerId="LiveId" clId="{D9C747DB-0ACB-4E68-987D-4C5D6EF5C7FB}" dt="2019-03-27T16:52:10.253" v="190" actId="255"/>
+        <pc:sldMkLst>
+          <pc:docMk/>
+          <pc:sldMk cId="3622917333" sldId="343"/>
+        </pc:sldMkLst>
+        <pc:spChg chg="mod">
+          <ac:chgData name="Erkan ŞİRİN" userId="7f10ce1d6aaf8c5d" providerId="LiveId" clId="{D9C747DB-0ACB-4E68-987D-4C5D6EF5C7FB}" dt="2019-03-27T16:52:05.563" v="189" actId="1076"/>
+          <ac:spMkLst>
+            <pc:docMk/>
+            <pc:sldMk cId="3622917333" sldId="343"/>
+            <ac:spMk id="2" creationId="{9E7DAE9A-5611-476C-9343-F8F6556FE056}"/>
+          </ac:spMkLst>
+        </pc:spChg>
+        <pc:spChg chg="mod">
+          <ac:chgData name="Erkan ŞİRİN" userId="7f10ce1d6aaf8c5d" providerId="LiveId" clId="{D9C747DB-0ACB-4E68-987D-4C5D6EF5C7FB}" dt="2019-03-27T16:52:10.253" v="190" actId="255"/>
+          <ac:spMkLst>
+            <pc:docMk/>
+            <pc:sldMk cId="3622917333" sldId="343"/>
+            <ac:spMk id="3" creationId="{D42DE1B9-BAF2-438A-99D4-A19B593936A9}"/>
+          </ac:spMkLst>
+        </pc:spChg>
       </pc:sldChg>
     </pc:docChg>
   </pc:docChgLst>
@@ -1550,7 +1551,7 @@
           <a:p>
             <a:fld id="{6F77F576-AE14-466D-AA6B-335273622B21}" type="datetimeFigureOut">
               <a:rPr lang="en-US" smtClean="0"/>
-              <a:t>5/30/2019</a:t>
+              <a:t>5/31/2019</a:t>
             </a:fld>
             <a:endParaRPr lang="en-US"/>
           </a:p>
@@ -1949,7 +1950,7 @@
           <a:p>
             <a:fld id="{54AA066D-271F-4C1A-B89A-0705A7689EE9}" type="datetimeFigureOut">
               <a:rPr lang="en-US" smtClean="0"/>
-              <a:t>5/30/2019</a:t>
+              <a:t>5/31/2019</a:t>
             </a:fld>
             <a:endParaRPr lang="en-US"/>
           </a:p>
@@ -2119,7 +2120,7 @@
           <a:p>
             <a:fld id="{54AA066D-271F-4C1A-B89A-0705A7689EE9}" type="datetimeFigureOut">
               <a:rPr lang="en-US" smtClean="0"/>
-              <a:t>5/30/2019</a:t>
+              <a:t>5/31/2019</a:t>
             </a:fld>
             <a:endParaRPr lang="en-US"/>
           </a:p>
@@ -2299,7 +2300,7 @@
           <a:p>
             <a:fld id="{54AA066D-271F-4C1A-B89A-0705A7689EE9}" type="datetimeFigureOut">
               <a:rPr lang="en-US" smtClean="0"/>
-              <a:t>5/30/2019</a:t>
+              <a:t>5/31/2019</a:t>
             </a:fld>
             <a:endParaRPr lang="en-US"/>
           </a:p>
@@ -2469,7 +2470,7 @@
           <a:p>
             <a:fld id="{54AA066D-271F-4C1A-B89A-0705A7689EE9}" type="datetimeFigureOut">
               <a:rPr lang="en-US" smtClean="0"/>
-              <a:t>5/30/2019</a:t>
+              <a:t>5/31/2019</a:t>
             </a:fld>
             <a:endParaRPr lang="en-US"/>
           </a:p>
@@ -2715,7 +2716,7 @@
           <a:p>
             <a:fld id="{54AA066D-271F-4C1A-B89A-0705A7689EE9}" type="datetimeFigureOut">
               <a:rPr lang="en-US" smtClean="0"/>
-              <a:t>5/30/2019</a:t>
+              <a:t>5/31/2019</a:t>
             </a:fld>
             <a:endParaRPr lang="en-US"/>
           </a:p>
@@ -2947,7 +2948,7 @@
           <a:p>
             <a:fld id="{54AA066D-271F-4C1A-B89A-0705A7689EE9}" type="datetimeFigureOut">
               <a:rPr lang="en-US" smtClean="0"/>
-              <a:t>5/30/2019</a:t>
+              <a:t>5/31/2019</a:t>
             </a:fld>
             <a:endParaRPr lang="en-US"/>
           </a:p>
@@ -3314,7 +3315,7 @@
           <a:p>
             <a:fld id="{54AA066D-271F-4C1A-B89A-0705A7689EE9}" type="datetimeFigureOut">
               <a:rPr lang="en-US" smtClean="0"/>
-              <a:t>5/30/2019</a:t>
+              <a:t>5/31/2019</a:t>
             </a:fld>
             <a:endParaRPr lang="en-US"/>
           </a:p>
@@ -3432,7 +3433,7 @@
           <a:p>
             <a:fld id="{54AA066D-271F-4C1A-B89A-0705A7689EE9}" type="datetimeFigureOut">
               <a:rPr lang="en-US" smtClean="0"/>
-              <a:t>5/30/2019</a:t>
+              <a:t>5/31/2019</a:t>
             </a:fld>
             <a:endParaRPr lang="en-US"/>
           </a:p>
@@ -3527,7 +3528,7 @@
           <a:p>
             <a:fld id="{54AA066D-271F-4C1A-B89A-0705A7689EE9}" type="datetimeFigureOut">
               <a:rPr lang="en-US" smtClean="0"/>
-              <a:t>5/30/2019</a:t>
+              <a:t>5/31/2019</a:t>
             </a:fld>
             <a:endParaRPr lang="en-US"/>
           </a:p>
@@ -3804,7 +3805,7 @@
           <a:p>
             <a:fld id="{54AA066D-271F-4C1A-B89A-0705A7689EE9}" type="datetimeFigureOut">
               <a:rPr lang="en-US" smtClean="0"/>
-              <a:t>5/30/2019</a:t>
+              <a:t>5/31/2019</a:t>
             </a:fld>
             <a:endParaRPr lang="en-US"/>
           </a:p>
@@ -4057,7 +4058,7 @@
           <a:p>
             <a:fld id="{54AA066D-271F-4C1A-B89A-0705A7689EE9}" type="datetimeFigureOut">
               <a:rPr lang="en-US" smtClean="0"/>
-              <a:t>5/30/2019</a:t>
+              <a:t>5/31/2019</a:t>
             </a:fld>
             <a:endParaRPr lang="en-US"/>
           </a:p>
@@ -4270,7 +4271,7 @@
           <a:p>
             <a:fld id="{54AA066D-271F-4C1A-B89A-0705A7689EE9}" type="datetimeFigureOut">
               <a:rPr lang="en-US" smtClean="0"/>
-              <a:t>5/30/2019</a:t>
+              <a:t>5/31/2019</a:t>
             </a:fld>
             <a:endParaRPr lang="en-US"/>
           </a:p>
@@ -5820,42 +5821,6 @@
       </p:cxnSp>
       <p:pic>
         <p:nvPicPr>
-          <p:cNvPr id="6" name="Resim 5">
-            <a:extLst>
-              <a:ext uri="{FF2B5EF4-FFF2-40B4-BE49-F238E27FC236}">
-                <a16:creationId xmlns:a16="http://schemas.microsoft.com/office/drawing/2014/main" id="{282C7CDC-BF12-468D-B622-89CC576DE4AF}"/>
-              </a:ext>
-            </a:extLst>
-          </p:cNvPr>
-          <p:cNvPicPr>
-            <a:picLocks noChangeAspect="1"/>
-          </p:cNvPicPr>
-          <p:nvPr/>
-        </p:nvPicPr>
-        <p:blipFill>
-          <a:blip r:embed="rId2">
-            <a:extLst>
-              <a:ext uri="{28A0092B-C50C-407E-A947-70E740481C1C}">
-                <a14:useLocalDpi xmlns:a14="http://schemas.microsoft.com/office/drawing/2010/main" val="0"/>
-              </a:ext>
-            </a:extLst>
-          </a:blip>
-          <a:stretch>
-            <a:fillRect/>
-          </a:stretch>
-        </p:blipFill>
-        <p:spPr>
-          <a:xfrm>
-            <a:off x="3741151" y="1317433"/>
-            <a:ext cx="4466415" cy="4466415"/>
-          </a:xfrm>
-          <a:prstGeom prst="rect">
-            <a:avLst/>
-          </a:prstGeom>
-        </p:spPr>
-      </p:pic>
-      <p:pic>
-        <p:nvPicPr>
           <p:cNvPr id="8" name="Resim 7">
             <a:extLst>
               <a:ext uri="{FF2B5EF4-FFF2-40B4-BE49-F238E27FC236}">
@@ -5869,7 +5834,7 @@
           <p:nvPr/>
         </p:nvPicPr>
         <p:blipFill>
-          <a:blip r:embed="rId3">
+          <a:blip r:embed="rId2">
             <a:extLst>
               <a:ext uri="{28A0092B-C50C-407E-A947-70E740481C1C}">
                 <a14:useLocalDpi xmlns:a14="http://schemas.microsoft.com/office/drawing/2010/main" val="0"/>
@@ -5934,7 +5899,7 @@
                                           </p:stCondLst>
                                         </p:cTn>
                                         <p:tgtEl>
-                                          <p:spTgt spid="6"/>
+                                          <p:spTgt spid="8"/>
                                         </p:tgtEl>
                                         <p:attrNameLst>
                                           <p:attrName>style.visibility</p:attrName>
@@ -5947,112 +5912,6 @@
                                     <p:animEffect transition="in" filter="fade">
                                       <p:cBhvr>
                                         <p:cTn id="7" dur="500"/>
-                                        <p:tgtEl>
-                                          <p:spTgt spid="6"/>
-                                        </p:tgtEl>
-                                      </p:cBhvr>
-                                    </p:animEffect>
-                                  </p:childTnLst>
-                                </p:cTn>
-                              </p:par>
-                            </p:childTnLst>
-                          </p:cTn>
-                        </p:par>
-                      </p:childTnLst>
-                    </p:cTn>
-                  </p:par>
-                  <p:par>
-                    <p:cTn id="8" fill="hold">
-                      <p:stCondLst>
-                        <p:cond delay="indefinite"/>
-                      </p:stCondLst>
-                      <p:childTnLst>
-                        <p:par>
-                          <p:cTn id="9" fill="hold">
-                            <p:stCondLst>
-                              <p:cond delay="0"/>
-                            </p:stCondLst>
-                            <p:childTnLst>
-                              <p:par>
-                                <p:cTn id="10" presetID="10" presetClass="exit" presetSubtype="0" fill="hold" nodeType="clickEffect">
-                                  <p:stCondLst>
-                                    <p:cond delay="0"/>
-                                  </p:stCondLst>
-                                  <p:childTnLst>
-                                    <p:animEffect transition="out" filter="fade">
-                                      <p:cBhvr>
-                                        <p:cTn id="11" dur="500"/>
-                                        <p:tgtEl>
-                                          <p:spTgt spid="6"/>
-                                        </p:tgtEl>
-                                      </p:cBhvr>
-                                    </p:animEffect>
-                                    <p:set>
-                                      <p:cBhvr>
-                                        <p:cTn id="12" dur="1" fill="hold">
-                                          <p:stCondLst>
-                                            <p:cond delay="499"/>
-                                          </p:stCondLst>
-                                        </p:cTn>
-                                        <p:tgtEl>
-                                          <p:spTgt spid="6"/>
-                                        </p:tgtEl>
-                                        <p:attrNameLst>
-                                          <p:attrName>style.visibility</p:attrName>
-                                        </p:attrNameLst>
-                                      </p:cBhvr>
-                                      <p:to>
-                                        <p:strVal val="hidden"/>
-                                      </p:to>
-                                    </p:set>
-                                  </p:childTnLst>
-                                </p:cTn>
-                              </p:par>
-                            </p:childTnLst>
-                          </p:cTn>
-                        </p:par>
-                      </p:childTnLst>
-                    </p:cTn>
-                  </p:par>
-                  <p:par>
-                    <p:cTn id="13" fill="hold">
-                      <p:stCondLst>
-                        <p:cond delay="indefinite"/>
-                      </p:stCondLst>
-                      <p:childTnLst>
-                        <p:par>
-                          <p:cTn id="14" fill="hold">
-                            <p:stCondLst>
-                              <p:cond delay="0"/>
-                            </p:stCondLst>
-                            <p:childTnLst>
-                              <p:par>
-                                <p:cTn id="15" presetID="10" presetClass="entr" presetSubtype="0" fill="hold" nodeType="clickEffect">
-                                  <p:stCondLst>
-                                    <p:cond delay="0"/>
-                                  </p:stCondLst>
-                                  <p:childTnLst>
-                                    <p:set>
-                                      <p:cBhvr>
-                                        <p:cTn id="16" dur="1" fill="hold">
-                                          <p:stCondLst>
-                                            <p:cond delay="0"/>
-                                          </p:stCondLst>
-                                        </p:cTn>
-                                        <p:tgtEl>
-                                          <p:spTgt spid="8"/>
-                                        </p:tgtEl>
-                                        <p:attrNameLst>
-                                          <p:attrName>style.visibility</p:attrName>
-                                        </p:attrNameLst>
-                                      </p:cBhvr>
-                                      <p:to>
-                                        <p:strVal val="visible"/>
-                                      </p:to>
-                                    </p:set>
-                                    <p:animEffect transition="in" filter="fade">
-                                      <p:cBhvr>
-                                        <p:cTn id="17" dur="500"/>
                                         <p:tgtEl>
                                           <p:spTgt spid="8"/>
                                         </p:tgtEl>
@@ -6093,6 +5952,282 @@
 </file>
 
 <file path=ppt/slides/slide13.xml><?xml version="1.0" encoding="utf-8"?>
+<p:sld xmlns:a="http://schemas.openxmlformats.org/drawingml/2006/main" xmlns:r="http://schemas.openxmlformats.org/officeDocument/2006/relationships" xmlns:p="http://schemas.openxmlformats.org/presentationml/2006/main">
+  <p:cSld>
+    <p:spTree>
+      <p:nvGrpSpPr>
+        <p:cNvPr id="1" name=""/>
+        <p:cNvGrpSpPr/>
+        <p:nvPr/>
+      </p:nvGrpSpPr>
+      <p:grpSpPr>
+        <a:xfrm>
+          <a:off x="0" y="0"/>
+          <a:ext cx="0" cy="0"/>
+          <a:chOff x="0" y="0"/>
+          <a:chExt cx="0" cy="0"/>
+        </a:xfrm>
+      </p:grpSpPr>
+      <p:sp>
+        <p:nvSpPr>
+          <p:cNvPr id="3" name="Rectangle 7">
+            <a:extLst>
+              <a:ext uri="{FF2B5EF4-FFF2-40B4-BE49-F238E27FC236}">
+                <a16:creationId xmlns:a16="http://schemas.microsoft.com/office/drawing/2014/main" id="{D42DE1B9-BAF2-438A-99D4-A19B593936A9}"/>
+              </a:ext>
+            </a:extLst>
+          </p:cNvPr>
+          <p:cNvSpPr>
+            <a:spLocks noChangeArrowheads="1"/>
+          </p:cNvSpPr>
+          <p:nvPr/>
+        </p:nvSpPr>
+        <p:spPr bwMode="auto">
+          <a:xfrm>
+            <a:off x="1818167" y="571412"/>
+            <a:ext cx="8429625" cy="493981"/>
+          </a:xfrm>
+          <a:prstGeom prst="rect">
+            <a:avLst/>
+          </a:prstGeom>
+          <a:noFill/>
+          <a:ln>
+            <a:noFill/>
+          </a:ln>
+          <a:extLst>
+            <a:ext uri="{909E8E84-426E-40DD-AFC4-6F175D3DCCD1}">
+              <a14:hiddenFill xmlns:a14="http://schemas.microsoft.com/office/drawing/2010/main">
+                <a:solidFill>
+                  <a:srgbClr val="FFFFFF"/>
+                </a:solidFill>
+              </a14:hiddenFill>
+            </a:ext>
+            <a:ext uri="{91240B29-F687-4F45-9708-019B960494DF}">
+              <a14:hiddenLine xmlns:a14="http://schemas.microsoft.com/office/drawing/2010/main" w="9525">
+                <a:solidFill>
+                  <a:srgbClr val="000000"/>
+                </a:solidFill>
+                <a:miter lim="800000"/>
+                <a:headEnd/>
+                <a:tailEnd/>
+              </a14:hiddenLine>
+            </a:ext>
+          </a:extLst>
+        </p:spPr>
+        <p:txBody>
+          <a:bodyPr>
+            <a:spAutoFit/>
+          </a:bodyPr>
+          <a:lstStyle/>
+          <a:p>
+            <a:pPr marL="0" lvl="1" algn="ctr">
+              <a:lnSpc>
+                <a:spcPct val="90000"/>
+              </a:lnSpc>
+              <a:spcBef>
+                <a:spcPct val="0"/>
+              </a:spcBef>
+            </a:pPr>
+            <a:r>
+              <a:rPr lang="tr-TR" sz="2900" b="1" dirty="0">
+                <a:solidFill>
+                  <a:srgbClr val="FF1F20"/>
+                </a:solidFill>
+                <a:latin typeface="Arial" panose="020B0604020202020204" pitchFamily="34" charset="0"/>
+                <a:ea typeface="Verdana" panose="020B0604030504040204" pitchFamily="34" charset="0"/>
+                <a:cs typeface="Arial" panose="020B0604020202020204" pitchFamily="34" charset="0"/>
+              </a:rPr>
+              <a:t>EZBERLEME (OVERFITTING)</a:t>
+            </a:r>
+          </a:p>
+        </p:txBody>
+      </p:sp>
+      <p:pic>
+        <p:nvPicPr>
+          <p:cNvPr id="4" name="Resim 3">
+            <a:extLst>
+              <a:ext uri="{FF2B5EF4-FFF2-40B4-BE49-F238E27FC236}">
+                <a16:creationId xmlns:a16="http://schemas.microsoft.com/office/drawing/2014/main" id="{DF4D4705-379D-4352-8459-2E459A751FAA}"/>
+              </a:ext>
+            </a:extLst>
+          </p:cNvPr>
+          <p:cNvPicPr>
+            <a:picLocks noChangeAspect="1"/>
+          </p:cNvPicPr>
+          <p:nvPr/>
+        </p:nvPicPr>
+        <p:blipFill>
+          <a:blip r:embed="rId2">
+            <a:extLst>
+              <a:ext uri="{28A0092B-C50C-407E-A947-70E740481C1C}">
+                <a14:useLocalDpi xmlns:a14="http://schemas.microsoft.com/office/drawing/2010/main" val="0"/>
+              </a:ext>
+            </a:extLst>
+          </a:blip>
+          <a:stretch>
+            <a:fillRect/>
+          </a:stretch>
+        </p:blipFill>
+        <p:spPr>
+          <a:xfrm>
+            <a:off x="3383088" y="1405888"/>
+            <a:ext cx="5425824" cy="4880700"/>
+          </a:xfrm>
+          <a:prstGeom prst="rect">
+            <a:avLst/>
+          </a:prstGeom>
+        </p:spPr>
+      </p:pic>
+    </p:spTree>
+    <p:extLst>
+      <p:ext uri="{BB962C8B-B14F-4D97-AF65-F5344CB8AC3E}">
+        <p14:creationId xmlns:p14="http://schemas.microsoft.com/office/powerpoint/2010/main" val="1466159745"/>
+      </p:ext>
+    </p:extLst>
+  </p:cSld>
+  <p:clrMapOvr>
+    <a:masterClrMapping/>
+  </p:clrMapOvr>
+  <p:timing>
+    <p:tnLst>
+      <p:par>
+        <p:cTn id="1" dur="indefinite" restart="never" nodeType="tmRoot">
+          <p:childTnLst>
+            <p:seq concurrent="1" nextAc="seek">
+              <p:cTn id="2" dur="indefinite" nodeType="mainSeq">
+                <p:childTnLst>
+                  <p:par>
+                    <p:cTn id="3" fill="hold">
+                      <p:stCondLst>
+                        <p:cond delay="indefinite"/>
+                      </p:stCondLst>
+                      <p:childTnLst>
+                        <p:par>
+                          <p:cTn id="4" fill="hold">
+                            <p:stCondLst>
+                              <p:cond delay="0"/>
+                            </p:stCondLst>
+                            <p:childTnLst>
+                              <p:par>
+                                <p:cTn id="5" presetID="10" presetClass="entr" presetSubtype="0" fill="hold" nodeType="clickEffect">
+                                  <p:stCondLst>
+                                    <p:cond delay="0"/>
+                                  </p:stCondLst>
+                                  <p:childTnLst>
+                                    <p:set>
+                                      <p:cBhvr>
+                                        <p:cTn id="6" dur="1" fill="hold">
+                                          <p:stCondLst>
+                                            <p:cond delay="0"/>
+                                          </p:stCondLst>
+                                        </p:cTn>
+                                        <p:tgtEl>
+                                          <p:spTgt spid="4"/>
+                                        </p:tgtEl>
+                                        <p:attrNameLst>
+                                          <p:attrName>style.visibility</p:attrName>
+                                        </p:attrNameLst>
+                                      </p:cBhvr>
+                                      <p:to>
+                                        <p:strVal val="visible"/>
+                                      </p:to>
+                                    </p:set>
+                                    <p:animEffect transition="in" filter="fade">
+                                      <p:cBhvr>
+                                        <p:cTn id="7" dur="500"/>
+                                        <p:tgtEl>
+                                          <p:spTgt spid="4"/>
+                                        </p:tgtEl>
+                                      </p:cBhvr>
+                                    </p:animEffect>
+                                  </p:childTnLst>
+                                </p:cTn>
+                              </p:par>
+                            </p:childTnLst>
+                          </p:cTn>
+                        </p:par>
+                      </p:childTnLst>
+                    </p:cTn>
+                  </p:par>
+                  <p:par>
+                    <p:cTn id="8" fill="hold">
+                      <p:stCondLst>
+                        <p:cond delay="indefinite"/>
+                      </p:stCondLst>
+                      <p:childTnLst>
+                        <p:par>
+                          <p:cTn id="9" fill="hold">
+                            <p:stCondLst>
+                              <p:cond delay="0"/>
+                            </p:stCondLst>
+                            <p:childTnLst>
+                              <p:par>
+                                <p:cTn id="10" presetID="10" presetClass="exit" presetSubtype="0" fill="hold" nodeType="clickEffect">
+                                  <p:stCondLst>
+                                    <p:cond delay="0"/>
+                                  </p:stCondLst>
+                                  <p:childTnLst>
+                                    <p:animEffect transition="out" filter="fade">
+                                      <p:cBhvr>
+                                        <p:cTn id="11" dur="500"/>
+                                        <p:tgtEl>
+                                          <p:spTgt spid="4"/>
+                                        </p:tgtEl>
+                                      </p:cBhvr>
+                                    </p:animEffect>
+                                    <p:set>
+                                      <p:cBhvr>
+                                        <p:cTn id="12" dur="1" fill="hold">
+                                          <p:stCondLst>
+                                            <p:cond delay="499"/>
+                                          </p:stCondLst>
+                                        </p:cTn>
+                                        <p:tgtEl>
+                                          <p:spTgt spid="4"/>
+                                        </p:tgtEl>
+                                        <p:attrNameLst>
+                                          <p:attrName>style.visibility</p:attrName>
+                                        </p:attrNameLst>
+                                      </p:cBhvr>
+                                      <p:to>
+                                        <p:strVal val="hidden"/>
+                                      </p:to>
+                                    </p:set>
+                                  </p:childTnLst>
+                                </p:cTn>
+                              </p:par>
+                            </p:childTnLst>
+                          </p:cTn>
+                        </p:par>
+                      </p:childTnLst>
+                    </p:cTn>
+                  </p:par>
+                </p:childTnLst>
+              </p:cTn>
+              <p:prevCondLst>
+                <p:cond evt="onPrev" delay="0">
+                  <p:tgtEl>
+                    <p:sldTgt/>
+                  </p:tgtEl>
+                </p:cond>
+              </p:prevCondLst>
+              <p:nextCondLst>
+                <p:cond evt="onNext" delay="0">
+                  <p:tgtEl>
+                    <p:sldTgt/>
+                  </p:tgtEl>
+                </p:cond>
+              </p:nextCondLst>
+            </p:seq>
+          </p:childTnLst>
+        </p:cTn>
+      </p:par>
+    </p:tnLst>
+  </p:timing>
+</p:sld>
+</file>
+
+<file path=ppt/slides/slide14.xml><?xml version="1.0" encoding="utf-8"?>
 <p:sld xmlns:a="http://schemas.openxmlformats.org/drawingml/2006/main" xmlns:r="http://schemas.openxmlformats.org/officeDocument/2006/relationships" xmlns:p="http://schemas.openxmlformats.org/presentationml/2006/main">
   <p:cSld>
     <p:spTree>
@@ -6535,7 +6670,7 @@
 </p:sld>
 </file>
 
-<file path=ppt/slides/slide14.xml><?xml version="1.0" encoding="utf-8"?>
+<file path=ppt/slides/slide15.xml><?xml version="1.0" encoding="utf-8"?>
 <p:sld xmlns:a="http://schemas.openxmlformats.org/drawingml/2006/main" xmlns:r="http://schemas.openxmlformats.org/officeDocument/2006/relationships" xmlns:p="http://schemas.openxmlformats.org/presentationml/2006/main">
   <p:cSld>
     <p:spTree>
@@ -7078,7 +7213,7 @@
 </p:sld>
 </file>
 
-<file path=ppt/slides/slide15.xml><?xml version="1.0" encoding="utf-8"?>
+<file path=ppt/slides/slide16.xml><?xml version="1.0" encoding="utf-8"?>
 <p:sld xmlns:a="http://schemas.openxmlformats.org/drawingml/2006/main" xmlns:r="http://schemas.openxmlformats.org/officeDocument/2006/relationships" xmlns:p="http://schemas.openxmlformats.org/presentationml/2006/main">
   <p:cSld>
     <p:spTree>
@@ -7744,7 +7879,7 @@
 </p:sld>
 </file>
 
-<file path=ppt/slides/slide16.xml><?xml version="1.0" encoding="utf-8"?>
+<file path=ppt/slides/slide17.xml><?xml version="1.0" encoding="utf-8"?>
 <p:sld xmlns:a="http://schemas.openxmlformats.org/drawingml/2006/main" xmlns:r="http://schemas.openxmlformats.org/officeDocument/2006/relationships" xmlns:p="http://schemas.openxmlformats.org/presentationml/2006/main">
   <p:cSld>
     <p:spTree>
@@ -7921,7 +8056,7 @@
 </p:sld>
 </file>
 
-<file path=ppt/slides/slide17.xml><?xml version="1.0" encoding="utf-8"?>
+<file path=ppt/slides/slide18.xml><?xml version="1.0" encoding="utf-8"?>
 <p:sld xmlns:a="http://schemas.openxmlformats.org/drawingml/2006/main" xmlns:r="http://schemas.openxmlformats.org/officeDocument/2006/relationships" xmlns:p="http://schemas.openxmlformats.org/presentationml/2006/main">
   <p:cSld>
     <p:spTree>

--- a/presentations/04_ML_Önemli_Hususlar.pptx
+++ b/presentations/04_ML_Önemli_Hususlar.pptx
@@ -5,7 +5,7 @@
     <p:sldMasterId id="2147483648" r:id="rId1"/>
   </p:sldMasterIdLst>
   <p:notesMasterIdLst>
-    <p:notesMasterId r:id="rId20"/>
+    <p:notesMasterId r:id="rId21"/>
   </p:notesMasterIdLst>
   <p:sldIdLst>
     <p:sldId id="257" r:id="rId2"/>
@@ -22,10 +22,11 @@
     <p:sldId id="272" r:id="rId13"/>
     <p:sldId id="347" r:id="rId14"/>
     <p:sldId id="324" r:id="rId15"/>
-    <p:sldId id="344" r:id="rId16"/>
-    <p:sldId id="346" r:id="rId17"/>
-    <p:sldId id="345" r:id="rId18"/>
-    <p:sldId id="343" r:id="rId19"/>
+    <p:sldId id="348" r:id="rId16"/>
+    <p:sldId id="344" r:id="rId17"/>
+    <p:sldId id="346" r:id="rId18"/>
+    <p:sldId id="345" r:id="rId19"/>
+    <p:sldId id="343" r:id="rId20"/>
   </p:sldIdLst>
   <p:sldSz cx="12192000" cy="6858000"/>
   <p:notesSz cx="6858000" cy="9144000"/>
@@ -146,161 +147,20 @@
 <file path=ppt/changesInfos/changesInfo1.xml><?xml version="1.0" encoding="utf-8"?>
 <pc:chgInfo xmlns:a="http://schemas.openxmlformats.org/drawingml/2006/main" xmlns:r="http://schemas.openxmlformats.org/officeDocument/2006/relationships" xmlns:ac="http://schemas.microsoft.com/office/drawing/2013/main/command" xmlns:pc="http://schemas.microsoft.com/office/powerpoint/2013/main/command">
   <pc:docChgLst>
-    <pc:chgData name="Erkan ŞİRİN" userId="7f10ce1d6aaf8c5d" providerId="LiveId" clId="{D0CC904B-D9B3-4FE2-A791-7E57207EC19A}"/>
-    <pc:docChg chg="custSel addSld modSld sldOrd">
-      <pc:chgData name="Erkan ŞİRİN" userId="7f10ce1d6aaf8c5d" providerId="LiveId" clId="{D0CC904B-D9B3-4FE2-A791-7E57207EC19A}" dt="2019-03-27T15:31:13.864" v="1466" actId="20577"/>
+    <pc:chgData name="Erkan ŞİRİN" userId="7f10ce1d6aaf8c5d" providerId="LiveId" clId="{3F7945DB-819E-4B54-ABEC-F85EF565E2E4}"/>
+    <pc:docChg chg="custSel addSld delSld modSld">
+      <pc:chgData name="Erkan ŞİRİN" userId="7f10ce1d6aaf8c5d" providerId="LiveId" clId="{3F7945DB-819E-4B54-ABEC-F85EF565E2E4}" dt="2019-07-15T13:03:17.990" v="658" actId="20577"/>
       <pc:docMkLst>
         <pc:docMk/>
       </pc:docMkLst>
-      <pc:sldChg chg="modSp">
-        <pc:chgData name="Erkan ŞİRİN" userId="7f10ce1d6aaf8c5d" providerId="LiveId" clId="{D0CC904B-D9B3-4FE2-A791-7E57207EC19A}" dt="2019-03-27T14:11:00.754" v="16" actId="255"/>
-        <pc:sldMkLst>
-          <pc:docMk/>
-          <pc:sldMk cId="1416118015" sldId="257"/>
-        </pc:sldMkLst>
-        <pc:spChg chg="mod">
-          <ac:chgData name="Erkan ŞİRİN" userId="7f10ce1d6aaf8c5d" providerId="LiveId" clId="{D0CC904B-D9B3-4FE2-A791-7E57207EC19A}" dt="2019-03-27T14:11:00.754" v="16" actId="255"/>
-          <ac:spMkLst>
-            <pc:docMk/>
-            <pc:sldMk cId="1416118015" sldId="257"/>
-            <ac:spMk id="16" creationId="{00000000-0000-0000-0000-000000000000}"/>
-          </ac:spMkLst>
-        </pc:spChg>
-      </pc:sldChg>
-      <pc:sldChg chg="addSp delSp modSp">
-        <pc:chgData name="Erkan ŞİRİN" userId="7f10ce1d6aaf8c5d" providerId="LiveId" clId="{D0CC904B-D9B3-4FE2-A791-7E57207EC19A}" dt="2019-03-27T14:14:22.298" v="70" actId="1076"/>
-        <pc:sldMkLst>
-          <pc:docMk/>
-          <pc:sldMk cId="2712616838" sldId="270"/>
-        </pc:sldMkLst>
-        <pc:spChg chg="del mod">
-          <ac:chgData name="Erkan ŞİRİN" userId="7f10ce1d6aaf8c5d" providerId="LiveId" clId="{D0CC904B-D9B3-4FE2-A791-7E57207EC19A}" dt="2019-03-27T14:12:55.738" v="64" actId="478"/>
-          <ac:spMkLst>
-            <pc:docMk/>
-            <pc:sldMk cId="2712616838" sldId="270"/>
-            <ac:spMk id="2" creationId="{00000000-0000-0000-0000-000000000000}"/>
-          </ac:spMkLst>
-        </pc:spChg>
-        <pc:spChg chg="mod">
-          <ac:chgData name="Erkan ŞİRİN" userId="7f10ce1d6aaf8c5d" providerId="LiveId" clId="{D0CC904B-D9B3-4FE2-A791-7E57207EC19A}" dt="2019-03-27T14:14:22.298" v="70" actId="1076"/>
-          <ac:spMkLst>
-            <pc:docMk/>
-            <pc:sldMk cId="2712616838" sldId="270"/>
-            <ac:spMk id="5" creationId="{00000000-0000-0000-0000-000000000000}"/>
-          </ac:spMkLst>
-        </pc:spChg>
-        <pc:spChg chg="add">
-          <ac:chgData name="Erkan ŞİRİN" userId="7f10ce1d6aaf8c5d" providerId="LiveId" clId="{D0CC904B-D9B3-4FE2-A791-7E57207EC19A}" dt="2019-03-27T14:14:11.390" v="66"/>
-          <ac:spMkLst>
-            <pc:docMk/>
-            <pc:sldMk cId="2712616838" sldId="270"/>
-            <ac:spMk id="8" creationId="{D3B2466B-36FC-447C-9F05-1A7DA620F473}"/>
-          </ac:spMkLst>
-        </pc:spChg>
-        <pc:picChg chg="add mod">
-          <ac:chgData name="Erkan ŞİRİN" userId="7f10ce1d6aaf8c5d" providerId="LiveId" clId="{D0CC904B-D9B3-4FE2-A791-7E57207EC19A}" dt="2019-03-27T14:14:19.968" v="69" actId="14100"/>
-          <ac:picMkLst>
-            <pc:docMk/>
-            <pc:sldMk cId="2712616838" sldId="270"/>
-            <ac:picMk id="4" creationId="{7847616B-5D48-4853-89AF-74E0D6E9F946}"/>
-          </ac:picMkLst>
-        </pc:picChg>
-        <pc:picChg chg="del">
-          <ac:chgData name="Erkan ŞİRİN" userId="7f10ce1d6aaf8c5d" providerId="LiveId" clId="{D0CC904B-D9B3-4FE2-A791-7E57207EC19A}" dt="2019-03-27T14:12:36.480" v="26" actId="478"/>
-          <ac:picMkLst>
-            <pc:docMk/>
-            <pc:sldMk cId="2712616838" sldId="270"/>
-            <ac:picMk id="7" creationId="{00000000-0000-0000-0000-000000000000}"/>
-          </ac:picMkLst>
-        </pc:picChg>
-        <pc:cxnChg chg="del">
-          <ac:chgData name="Erkan ŞİRİN" userId="7f10ce1d6aaf8c5d" providerId="LiveId" clId="{D0CC904B-D9B3-4FE2-A791-7E57207EC19A}" dt="2019-03-27T14:14:13.507" v="67" actId="478"/>
-          <ac:cxnSpMkLst>
-            <pc:docMk/>
-            <pc:sldMk cId="2712616838" sldId="270"/>
-            <ac:cxnSpMk id="6" creationId="{00000000-0000-0000-0000-000000000000}"/>
-          </ac:cxnSpMkLst>
-        </pc:cxnChg>
-      </pc:sldChg>
-      <pc:sldChg chg="addSp delSp modSp modAnim">
-        <pc:chgData name="Erkan ŞİRİN" userId="7f10ce1d6aaf8c5d" providerId="LiveId" clId="{D0CC904B-D9B3-4FE2-A791-7E57207EC19A}" dt="2019-03-27T15:25:36.814" v="1341" actId="1076"/>
-        <pc:sldMkLst>
-          <pc:docMk/>
-          <pc:sldMk cId="2037725460" sldId="272"/>
-        </pc:sldMkLst>
-        <pc:spChg chg="mod">
-          <ac:chgData name="Erkan ŞİRİN" userId="7f10ce1d6aaf8c5d" providerId="LiveId" clId="{D0CC904B-D9B3-4FE2-A791-7E57207EC19A}" dt="2019-03-27T15:25:36.814" v="1341" actId="1076"/>
-          <ac:spMkLst>
-            <pc:docMk/>
-            <pc:sldMk cId="2037725460" sldId="272"/>
-            <ac:spMk id="9" creationId="{00000000-0000-0000-0000-000000000000}"/>
-          </ac:spMkLst>
-        </pc:spChg>
-        <pc:spChg chg="del">
-          <ac:chgData name="Erkan ŞİRİN" userId="7f10ce1d6aaf8c5d" providerId="LiveId" clId="{D0CC904B-D9B3-4FE2-A791-7E57207EC19A}" dt="2019-03-27T15:22:47.700" v="1303" actId="478"/>
-          <ac:spMkLst>
-            <pc:docMk/>
-            <pc:sldMk cId="2037725460" sldId="272"/>
-            <ac:spMk id="22" creationId="{00000000-0000-0000-0000-000000000000}"/>
-          </ac:spMkLst>
-        </pc:spChg>
-        <pc:spChg chg="del">
-          <ac:chgData name="Erkan ŞİRİN" userId="7f10ce1d6aaf8c5d" providerId="LiveId" clId="{D0CC904B-D9B3-4FE2-A791-7E57207EC19A}" dt="2019-03-27T15:22:47.700" v="1303" actId="478"/>
-          <ac:spMkLst>
-            <pc:docMk/>
-            <pc:sldMk cId="2037725460" sldId="272"/>
-            <ac:spMk id="23" creationId="{00000000-0000-0000-0000-000000000000}"/>
-          </ac:spMkLst>
-        </pc:spChg>
-        <pc:spChg chg="del">
-          <ac:chgData name="Erkan ŞİRİN" userId="7f10ce1d6aaf8c5d" providerId="LiveId" clId="{D0CC904B-D9B3-4FE2-A791-7E57207EC19A}" dt="2019-03-27T15:22:50.438" v="1304" actId="478"/>
-          <ac:spMkLst>
-            <pc:docMk/>
-            <pc:sldMk cId="2037725460" sldId="272"/>
-            <ac:spMk id="24" creationId="{00000000-0000-0000-0000-000000000000}"/>
-          </ac:spMkLst>
-        </pc:spChg>
-        <pc:grpChg chg="del">
-          <ac:chgData name="Erkan ŞİRİN" userId="7f10ce1d6aaf8c5d" providerId="LiveId" clId="{D0CC904B-D9B3-4FE2-A791-7E57207EC19A}" dt="2019-03-27T15:22:47.700" v="1303" actId="478"/>
-          <ac:grpSpMkLst>
-            <pc:docMk/>
-            <pc:sldMk cId="2037725460" sldId="272"/>
-            <ac:grpSpMk id="15" creationId="{00000000-0000-0000-0000-000000000000}"/>
-          </ac:grpSpMkLst>
-        </pc:grpChg>
-        <pc:grpChg chg="del">
-          <ac:chgData name="Erkan ŞİRİN" userId="7f10ce1d6aaf8c5d" providerId="LiveId" clId="{D0CC904B-D9B3-4FE2-A791-7E57207EC19A}" dt="2019-03-27T15:22:47.700" v="1303" actId="478"/>
-          <ac:grpSpMkLst>
-            <pc:docMk/>
-            <pc:sldMk cId="2037725460" sldId="272"/>
-            <ac:grpSpMk id="17" creationId="{00000000-0000-0000-0000-000000000000}"/>
-          </ac:grpSpMkLst>
-        </pc:grpChg>
-        <pc:picChg chg="add mod">
-          <ac:chgData name="Erkan ŞİRİN" userId="7f10ce1d6aaf8c5d" providerId="LiveId" clId="{D0CC904B-D9B3-4FE2-A791-7E57207EC19A}" dt="2019-03-27T15:23:25.181" v="1308" actId="14100"/>
-          <ac:picMkLst>
-            <pc:docMk/>
-            <pc:sldMk cId="2037725460" sldId="272"/>
-            <ac:picMk id="6" creationId="{282C7CDC-BF12-468D-B622-89CC576DE4AF}"/>
-          </ac:picMkLst>
-        </pc:picChg>
-        <pc:picChg chg="add mod">
-          <ac:chgData name="Erkan ŞİRİN" userId="7f10ce1d6aaf8c5d" providerId="LiveId" clId="{D0CC904B-D9B3-4FE2-A791-7E57207EC19A}" dt="2019-03-27T15:24:44.643" v="1314" actId="1076"/>
-          <ac:picMkLst>
-            <pc:docMk/>
-            <pc:sldMk cId="2037725460" sldId="272"/>
-            <ac:picMk id="8" creationId="{104E3C62-2C2E-4102-A7D4-219325AC39B6}"/>
-          </ac:picMkLst>
-        </pc:picChg>
-      </pc:sldChg>
-      <pc:sldChg chg="modSp modAnim">
-        <pc:chgData name="Erkan ŞİRİN" userId="7f10ce1d6aaf8c5d" providerId="LiveId" clId="{D0CC904B-D9B3-4FE2-A791-7E57207EC19A}" dt="2019-03-27T15:31:13.864" v="1466" actId="20577"/>
+      <pc:sldChg chg="addSp modSp modAnim">
+        <pc:chgData name="Erkan ŞİRİN" userId="7f10ce1d6aaf8c5d" providerId="LiveId" clId="{3F7945DB-819E-4B54-ABEC-F85EF565E2E4}" dt="2019-07-15T12:28:41.808" v="456" actId="6549"/>
         <pc:sldMkLst>
           <pc:docMk/>
           <pc:sldMk cId="2771750343" sldId="324"/>
         </pc:sldMkLst>
         <pc:spChg chg="mod">
-          <ac:chgData name="Erkan ŞİRİN" userId="7f10ce1d6aaf8c5d" providerId="LiveId" clId="{D0CC904B-D9B3-4FE2-A791-7E57207EC19A}" dt="2019-03-27T15:31:13.864" v="1466" actId="20577"/>
+          <ac:chgData name="Erkan ŞİRİN" userId="7f10ce1d6aaf8c5d" providerId="LiveId" clId="{3F7945DB-819E-4B54-ABEC-F85EF565E2E4}" dt="2019-07-15T12:28:41.808" v="456" actId="6549"/>
           <ac:spMkLst>
             <pc:docMk/>
             <pc:sldMk cId="2771750343" sldId="324"/>
@@ -308,982 +168,100 @@
           </ac:spMkLst>
         </pc:spChg>
         <pc:spChg chg="mod">
-          <ac:chgData name="Erkan ŞİRİN" userId="7f10ce1d6aaf8c5d" providerId="LiveId" clId="{D0CC904B-D9B3-4FE2-A791-7E57207EC19A}" dt="2019-03-27T15:30:07.131" v="1367" actId="20577"/>
+          <ac:chgData name="Erkan ŞİRİN" userId="7f10ce1d6aaf8c5d" providerId="LiveId" clId="{3F7945DB-819E-4B54-ABEC-F85EF565E2E4}" dt="2019-07-09T10:55:27.103" v="259" actId="1076"/>
           <ac:spMkLst>
             <pc:docMk/>
             <pc:sldMk cId="2771750343" sldId="324"/>
             <ac:spMk id="3" creationId="{D42DE1B9-BAF2-438A-99D4-A19B593936A9}"/>
           </ac:spMkLst>
         </pc:spChg>
-      </pc:sldChg>
-      <pc:sldChg chg="addSp delSp modSp modAnim">
-        <pc:chgData name="Erkan ŞİRİN" userId="7f10ce1d6aaf8c5d" providerId="LiveId" clId="{D0CC904B-D9B3-4FE2-A791-7E57207EC19A}" dt="2019-03-27T15:17:02.349" v="1045" actId="14100"/>
-        <pc:sldMkLst>
-          <pc:docMk/>
-          <pc:sldMk cId="3244032055" sldId="325"/>
-        </pc:sldMkLst>
-        <pc:spChg chg="del">
-          <ac:chgData name="Erkan ŞİRİN" userId="7f10ce1d6aaf8c5d" providerId="LiveId" clId="{D0CC904B-D9B3-4FE2-A791-7E57207EC19A}" dt="2019-03-27T14:22:30.870" v="233" actId="478"/>
+        <pc:spChg chg="add mod">
+          <ac:chgData name="Erkan ŞİRİN" userId="7f10ce1d6aaf8c5d" providerId="LiveId" clId="{3F7945DB-819E-4B54-ABEC-F85EF565E2E4}" dt="2019-07-09T10:56:40.463" v="282" actId="1076"/>
           <ac:spMkLst>
             <pc:docMk/>
-            <pc:sldMk cId="3244032055" sldId="325"/>
-            <ac:spMk id="3" creationId="{E883A5CF-C753-4A60-A101-6F0BB8D09B77}"/>
+            <pc:sldMk cId="2771750343" sldId="324"/>
+            <ac:spMk id="4" creationId="{E79E60FF-4915-4AF4-B763-B9FB413BF9BE}"/>
           </ac:spMkLst>
         </pc:spChg>
         <pc:spChg chg="add mod">
-          <ac:chgData name="Erkan ŞİRİN" userId="7f10ce1d6aaf8c5d" providerId="LiveId" clId="{D0CC904B-D9B3-4FE2-A791-7E57207EC19A}" dt="2019-03-27T14:30:48.907" v="370" actId="2085"/>
+          <ac:chgData name="Erkan ŞİRİN" userId="7f10ce1d6aaf8c5d" providerId="LiveId" clId="{3F7945DB-819E-4B54-ABEC-F85EF565E2E4}" dt="2019-07-09T10:56:12.018" v="277" actId="1076"/>
           <ac:spMkLst>
             <pc:docMk/>
-            <pc:sldMk cId="3244032055" sldId="325"/>
-            <ac:spMk id="4" creationId="{C05D5C50-E7BB-4E9D-9F0B-79C8499617E4}"/>
+            <pc:sldMk cId="2771750343" sldId="324"/>
+            <ac:spMk id="5" creationId="{BC238D96-429E-4E5E-8D17-5F473A923A08}"/>
+          </ac:spMkLst>
+        </pc:spChg>
+        <pc:cxnChg chg="add mod">
+          <ac:chgData name="Erkan ŞİRİN" userId="7f10ce1d6aaf8c5d" providerId="LiveId" clId="{3F7945DB-819E-4B54-ABEC-F85EF565E2E4}" dt="2019-07-09T10:56:31.118" v="280" actId="1582"/>
+          <ac:cxnSpMkLst>
+            <pc:docMk/>
+            <pc:sldMk cId="2771750343" sldId="324"/>
+            <ac:cxnSpMk id="7" creationId="{34983EB5-C616-4E51-8C2F-944D8EB2B29F}"/>
+          </ac:cxnSpMkLst>
+        </pc:cxnChg>
+      </pc:sldChg>
+      <pc:sldChg chg="addSp delSp modSp add delAnim modAnim">
+        <pc:chgData name="Erkan ŞİRİN" userId="7f10ce1d6aaf8c5d" providerId="LiveId" clId="{3F7945DB-819E-4B54-ABEC-F85EF565E2E4}" dt="2019-07-15T13:03:17.990" v="658" actId="20577"/>
+        <pc:sldMkLst>
+          <pc:docMk/>
+          <pc:sldMk cId="1742298225" sldId="348"/>
+        </pc:sldMkLst>
+        <pc:spChg chg="mod">
+          <ac:chgData name="Erkan ŞİRİN" userId="7f10ce1d6aaf8c5d" providerId="LiveId" clId="{3F7945DB-819E-4B54-ABEC-F85EF565E2E4}" dt="2019-07-15T13:01:18.985" v="538" actId="20577"/>
+          <ac:spMkLst>
+            <pc:docMk/>
+            <pc:sldMk cId="1742298225" sldId="348"/>
+            <ac:spMk id="2" creationId="{9E7DAE9A-5611-476C-9343-F8F6556FE056}"/>
           </ac:spMkLst>
         </pc:spChg>
         <pc:spChg chg="mod">
-          <ac:chgData name="Erkan ŞİRİN" userId="7f10ce1d6aaf8c5d" providerId="LiveId" clId="{D0CC904B-D9B3-4FE2-A791-7E57207EC19A}" dt="2019-03-27T14:22:26.612" v="232" actId="20577"/>
+          <ac:chgData name="Erkan ŞİRİN" userId="7f10ce1d6aaf8c5d" providerId="LiveId" clId="{3F7945DB-819E-4B54-ABEC-F85EF565E2E4}" dt="2019-07-15T13:02:22.569" v="543" actId="20577"/>
           <ac:spMkLst>
             <pc:docMk/>
-            <pc:sldMk cId="3244032055" sldId="325"/>
-            <ac:spMk id="5" creationId="{00000000-0000-0000-0000-000000000000}"/>
+            <pc:sldMk cId="1742298225" sldId="348"/>
+            <ac:spMk id="3" creationId="{D42DE1B9-BAF2-438A-99D4-A19B593936A9}"/>
+          </ac:spMkLst>
+        </pc:spChg>
+        <pc:spChg chg="del">
+          <ac:chgData name="Erkan ŞİRİN" userId="7f10ce1d6aaf8c5d" providerId="LiveId" clId="{3F7945DB-819E-4B54-ABEC-F85EF565E2E4}" dt="2019-07-15T12:28:56.808" v="458" actId="478"/>
+          <ac:spMkLst>
+            <pc:docMk/>
+            <pc:sldMk cId="1742298225" sldId="348"/>
+            <ac:spMk id="4" creationId="{E79E60FF-4915-4AF4-B763-B9FB413BF9BE}"/>
+          </ac:spMkLst>
+        </pc:spChg>
+        <pc:spChg chg="del">
+          <ac:chgData name="Erkan ŞİRİN" userId="7f10ce1d6aaf8c5d" providerId="LiveId" clId="{3F7945DB-819E-4B54-ABEC-F85EF565E2E4}" dt="2019-07-15T12:28:56.808" v="458" actId="478"/>
+          <ac:spMkLst>
+            <pc:docMk/>
+            <pc:sldMk cId="1742298225" sldId="348"/>
+            <ac:spMk id="5" creationId="{BC238D96-429E-4E5E-8D17-5F473A923A08}"/>
           </ac:spMkLst>
         </pc:spChg>
         <pc:spChg chg="add mod">
-          <ac:chgData name="Erkan ŞİRİN" userId="7f10ce1d6aaf8c5d" providerId="LiveId" clId="{D0CC904B-D9B3-4FE2-A791-7E57207EC19A}" dt="2019-03-27T14:27:36.152" v="251" actId="20577"/>
+          <ac:chgData name="Erkan ŞİRİN" userId="7f10ce1d6aaf8c5d" providerId="LiveId" clId="{3F7945DB-819E-4B54-ABEC-F85EF565E2E4}" dt="2019-07-15T13:03:17.990" v="658" actId="20577"/>
           <ac:spMkLst>
             <pc:docMk/>
-            <pc:sldMk cId="3244032055" sldId="325"/>
-            <ac:spMk id="10" creationId="{434D98F5-EBEB-4523-899C-74779DE6E5E8}"/>
+            <pc:sldMk cId="1742298225" sldId="348"/>
+            <ac:spMk id="8" creationId="{F501BEC0-F0EA-424E-BB52-511FBB9A3F3E}"/>
           </ac:spMkLst>
         </pc:spChg>
         <pc:spChg chg="add mod">
-          <ac:chgData name="Erkan ŞİRİN" userId="7f10ce1d6aaf8c5d" providerId="LiveId" clId="{D0CC904B-D9B3-4FE2-A791-7E57207EC19A}" dt="2019-03-27T14:27:47.689" v="267" actId="1076"/>
+          <ac:chgData name="Erkan ŞİRİN" userId="7f10ce1d6aaf8c5d" providerId="LiveId" clId="{3F7945DB-819E-4B54-ABEC-F85EF565E2E4}" dt="2019-07-15T13:02:40.577" v="580" actId="20577"/>
           <ac:spMkLst>
             <pc:docMk/>
-            <pc:sldMk cId="3244032055" sldId="325"/>
-            <ac:spMk id="11" creationId="{5A7909E8-F249-49C9-BCF8-8E91F46BBB86}"/>
-          </ac:spMkLst>
-        </pc:spChg>
-        <pc:spChg chg="add mod">
-          <ac:chgData name="Erkan ŞİRİN" userId="7f10ce1d6aaf8c5d" providerId="LiveId" clId="{D0CC904B-D9B3-4FE2-A791-7E57207EC19A}" dt="2019-03-27T14:30:48.907" v="370" actId="2085"/>
-          <ac:spMkLst>
-            <pc:docMk/>
-            <pc:sldMk cId="3244032055" sldId="325"/>
-            <ac:spMk id="12" creationId="{832F112E-1E02-40F8-965F-405C2850A8A7}"/>
-          </ac:spMkLst>
-        </pc:spChg>
-        <pc:spChg chg="add mod">
-          <ac:chgData name="Erkan ŞİRİN" userId="7f10ce1d6aaf8c5d" providerId="LiveId" clId="{D0CC904B-D9B3-4FE2-A791-7E57207EC19A}" dt="2019-03-27T14:30:48.907" v="370" actId="2085"/>
-          <ac:spMkLst>
-            <pc:docMk/>
-            <pc:sldMk cId="3244032055" sldId="325"/>
-            <ac:spMk id="13" creationId="{DC3E5226-D6B0-4C60-8702-5CDEFEB25A55}"/>
-          </ac:spMkLst>
-        </pc:spChg>
-        <pc:spChg chg="add mod">
-          <ac:chgData name="Erkan ŞİRİN" userId="7f10ce1d6aaf8c5d" providerId="LiveId" clId="{D0CC904B-D9B3-4FE2-A791-7E57207EC19A}" dt="2019-03-27T14:30:48.907" v="370" actId="2085"/>
-          <ac:spMkLst>
-            <pc:docMk/>
-            <pc:sldMk cId="3244032055" sldId="325"/>
-            <ac:spMk id="14" creationId="{43DD4B25-DBC4-46B6-9A8C-DA1AEB5289C7}"/>
-          </ac:spMkLst>
-        </pc:spChg>
-        <pc:spChg chg="add mod">
-          <ac:chgData name="Erkan ŞİRİN" userId="7f10ce1d6aaf8c5d" providerId="LiveId" clId="{D0CC904B-D9B3-4FE2-A791-7E57207EC19A}" dt="2019-03-27T14:30:48.907" v="370" actId="2085"/>
-          <ac:spMkLst>
-            <pc:docMk/>
-            <pc:sldMk cId="3244032055" sldId="325"/>
-            <ac:spMk id="15" creationId="{7D9FDAEB-3884-4AC3-95FB-46AC4C5BD556}"/>
-          </ac:spMkLst>
-        </pc:spChg>
-        <pc:spChg chg="add mod">
-          <ac:chgData name="Erkan ŞİRİN" userId="7f10ce1d6aaf8c5d" providerId="LiveId" clId="{D0CC904B-D9B3-4FE2-A791-7E57207EC19A}" dt="2019-03-27T14:30:48.907" v="370" actId="2085"/>
-          <ac:spMkLst>
-            <pc:docMk/>
-            <pc:sldMk cId="3244032055" sldId="325"/>
-            <ac:spMk id="16" creationId="{6A183F41-5611-4EEF-B30F-500D4278705E}"/>
-          </ac:spMkLst>
-        </pc:spChg>
-        <pc:spChg chg="add mod">
-          <ac:chgData name="Erkan ŞİRİN" userId="7f10ce1d6aaf8c5d" providerId="LiveId" clId="{D0CC904B-D9B3-4FE2-A791-7E57207EC19A}" dt="2019-03-27T14:30:48.907" v="370" actId="2085"/>
-          <ac:spMkLst>
-            <pc:docMk/>
-            <pc:sldMk cId="3244032055" sldId="325"/>
-            <ac:spMk id="17" creationId="{F0BEA3E2-BD28-41DB-9D90-1791DAE60D62}"/>
-          </ac:spMkLst>
-        </pc:spChg>
-        <pc:spChg chg="add mod">
-          <ac:chgData name="Erkan ŞİRİN" userId="7f10ce1d6aaf8c5d" providerId="LiveId" clId="{D0CC904B-D9B3-4FE2-A791-7E57207EC19A}" dt="2019-03-27T14:30:48.907" v="370" actId="2085"/>
-          <ac:spMkLst>
-            <pc:docMk/>
-            <pc:sldMk cId="3244032055" sldId="325"/>
-            <ac:spMk id="18" creationId="{988F3977-802B-4D93-826E-9EBB03878D89}"/>
-          </ac:spMkLst>
-        </pc:spChg>
-        <pc:spChg chg="add mod">
-          <ac:chgData name="Erkan ŞİRİN" userId="7f10ce1d6aaf8c5d" providerId="LiveId" clId="{D0CC904B-D9B3-4FE2-A791-7E57207EC19A}" dt="2019-03-27T14:30:48.907" v="370" actId="2085"/>
-          <ac:spMkLst>
-            <pc:docMk/>
-            <pc:sldMk cId="3244032055" sldId="325"/>
-            <ac:spMk id="19" creationId="{2F8E5343-8AE1-4B8D-8747-7F1447B7A055}"/>
-          </ac:spMkLst>
-        </pc:spChg>
-        <pc:spChg chg="add mod">
-          <ac:chgData name="Erkan ŞİRİN" userId="7f10ce1d6aaf8c5d" providerId="LiveId" clId="{D0CC904B-D9B3-4FE2-A791-7E57207EC19A}" dt="2019-03-27T14:30:48.907" v="370" actId="2085"/>
-          <ac:spMkLst>
-            <pc:docMk/>
-            <pc:sldMk cId="3244032055" sldId="325"/>
-            <ac:spMk id="20" creationId="{495F35DD-28D8-4418-B64E-28627B31D007}"/>
-          </ac:spMkLst>
-        </pc:spChg>
-        <pc:spChg chg="add mod">
-          <ac:chgData name="Erkan ŞİRİN" userId="7f10ce1d6aaf8c5d" providerId="LiveId" clId="{D0CC904B-D9B3-4FE2-A791-7E57207EC19A}" dt="2019-03-27T14:30:48.907" v="370" actId="2085"/>
-          <ac:spMkLst>
-            <pc:docMk/>
-            <pc:sldMk cId="3244032055" sldId="325"/>
-            <ac:spMk id="21" creationId="{F76AA63C-6C6A-4136-89B7-203AA3CF5493}"/>
-          </ac:spMkLst>
-        </pc:spChg>
-        <pc:spChg chg="add mod">
-          <ac:chgData name="Erkan ŞİRİN" userId="7f10ce1d6aaf8c5d" providerId="LiveId" clId="{D0CC904B-D9B3-4FE2-A791-7E57207EC19A}" dt="2019-03-27T14:30:48.907" v="370" actId="2085"/>
-          <ac:spMkLst>
-            <pc:docMk/>
-            <pc:sldMk cId="3244032055" sldId="325"/>
-            <ac:spMk id="22" creationId="{BB20BD4A-8E18-4819-93ED-34CD3ABF792B}"/>
-          </ac:spMkLst>
-        </pc:spChg>
-        <pc:spChg chg="add mod">
-          <ac:chgData name="Erkan ŞİRİN" userId="7f10ce1d6aaf8c5d" providerId="LiveId" clId="{D0CC904B-D9B3-4FE2-A791-7E57207EC19A}" dt="2019-03-27T14:30:48.907" v="370" actId="2085"/>
-          <ac:spMkLst>
-            <pc:docMk/>
-            <pc:sldMk cId="3244032055" sldId="325"/>
-            <ac:spMk id="23" creationId="{12638F37-2026-402C-81F6-831A4A7C0735}"/>
-          </ac:spMkLst>
-        </pc:spChg>
-        <pc:spChg chg="add mod">
-          <ac:chgData name="Erkan ŞİRİN" userId="7f10ce1d6aaf8c5d" providerId="LiveId" clId="{D0CC904B-D9B3-4FE2-A791-7E57207EC19A}" dt="2019-03-27T14:30:48.907" v="370" actId="2085"/>
-          <ac:spMkLst>
-            <pc:docMk/>
-            <pc:sldMk cId="3244032055" sldId="325"/>
-            <ac:spMk id="24" creationId="{3BD27999-59B2-496B-9D3E-932250798167}"/>
-          </ac:spMkLst>
-        </pc:spChg>
-        <pc:spChg chg="add mod">
-          <ac:chgData name="Erkan ŞİRİN" userId="7f10ce1d6aaf8c5d" providerId="LiveId" clId="{D0CC904B-D9B3-4FE2-A791-7E57207EC19A}" dt="2019-03-27T14:30:48.907" v="370" actId="2085"/>
-          <ac:spMkLst>
-            <pc:docMk/>
-            <pc:sldMk cId="3244032055" sldId="325"/>
-            <ac:spMk id="25" creationId="{FF007CED-979B-4C01-9ECA-605A2C672F18}"/>
-          </ac:spMkLst>
-        </pc:spChg>
-        <pc:spChg chg="add mod">
-          <ac:chgData name="Erkan ŞİRİN" userId="7f10ce1d6aaf8c5d" providerId="LiveId" clId="{D0CC904B-D9B3-4FE2-A791-7E57207EC19A}" dt="2019-03-27T14:30:48.907" v="370" actId="2085"/>
-          <ac:spMkLst>
-            <pc:docMk/>
-            <pc:sldMk cId="3244032055" sldId="325"/>
-            <ac:spMk id="26" creationId="{C379F497-B892-4460-98A7-60C26C6DD809}"/>
-          </ac:spMkLst>
-        </pc:spChg>
-        <pc:spChg chg="add mod">
-          <ac:chgData name="Erkan ŞİRİN" userId="7f10ce1d6aaf8c5d" providerId="LiveId" clId="{D0CC904B-D9B3-4FE2-A791-7E57207EC19A}" dt="2019-03-27T14:30:48.907" v="370" actId="2085"/>
-          <ac:spMkLst>
-            <pc:docMk/>
-            <pc:sldMk cId="3244032055" sldId="325"/>
-            <ac:spMk id="27" creationId="{A1706813-BFB2-4342-859C-ABA0B094ADFE}"/>
-          </ac:spMkLst>
-        </pc:spChg>
-        <pc:spChg chg="add mod">
-          <ac:chgData name="Erkan ŞİRİN" userId="7f10ce1d6aaf8c5d" providerId="LiveId" clId="{D0CC904B-D9B3-4FE2-A791-7E57207EC19A}" dt="2019-03-27T14:30:48.907" v="370" actId="2085"/>
-          <ac:spMkLst>
-            <pc:docMk/>
-            <pc:sldMk cId="3244032055" sldId="325"/>
-            <ac:spMk id="28" creationId="{DFB2E154-E74D-42F0-883C-003C80A0BAFA}"/>
-          </ac:spMkLst>
-        </pc:spChg>
-        <pc:spChg chg="add mod">
-          <ac:chgData name="Erkan ŞİRİN" userId="7f10ce1d6aaf8c5d" providerId="LiveId" clId="{D0CC904B-D9B3-4FE2-A791-7E57207EC19A}" dt="2019-03-27T14:30:48.907" v="370" actId="2085"/>
-          <ac:spMkLst>
-            <pc:docMk/>
-            <pc:sldMk cId="3244032055" sldId="325"/>
-            <ac:spMk id="29" creationId="{C5A4A51E-47D9-4DEF-B88E-0263222D5F40}"/>
-          </ac:spMkLst>
-        </pc:spChg>
-        <pc:spChg chg="add mod">
-          <ac:chgData name="Erkan ŞİRİN" userId="7f10ce1d6aaf8c5d" providerId="LiveId" clId="{D0CC904B-D9B3-4FE2-A791-7E57207EC19A}" dt="2019-03-27T14:30:48.907" v="370" actId="2085"/>
-          <ac:spMkLst>
-            <pc:docMk/>
-            <pc:sldMk cId="3244032055" sldId="325"/>
-            <ac:spMk id="30" creationId="{9F9F36FD-EBBE-4B16-A69D-65EA7CC8FA70}"/>
-          </ac:spMkLst>
-        </pc:spChg>
-        <pc:spChg chg="add mod">
-          <ac:chgData name="Erkan ŞİRİN" userId="7f10ce1d6aaf8c5d" providerId="LiveId" clId="{D0CC904B-D9B3-4FE2-A791-7E57207EC19A}" dt="2019-03-27T14:30:48.907" v="370" actId="2085"/>
-          <ac:spMkLst>
-            <pc:docMk/>
-            <pc:sldMk cId="3244032055" sldId="325"/>
-            <ac:spMk id="31" creationId="{584A78B4-D20D-45B8-994F-14274B5201EE}"/>
-          </ac:spMkLst>
-        </pc:spChg>
-        <pc:spChg chg="add mod">
-          <ac:chgData name="Erkan ŞİRİN" userId="7f10ce1d6aaf8c5d" providerId="LiveId" clId="{D0CC904B-D9B3-4FE2-A791-7E57207EC19A}" dt="2019-03-27T14:30:48.907" v="370" actId="2085"/>
-          <ac:spMkLst>
-            <pc:docMk/>
-            <pc:sldMk cId="3244032055" sldId="325"/>
-            <ac:spMk id="32" creationId="{AB831CBD-27E8-4351-BEBE-458CB44AB435}"/>
-          </ac:spMkLst>
-        </pc:spChg>
-        <pc:spChg chg="add mod">
-          <ac:chgData name="Erkan ŞİRİN" userId="7f10ce1d6aaf8c5d" providerId="LiveId" clId="{D0CC904B-D9B3-4FE2-A791-7E57207EC19A}" dt="2019-03-27T14:30:48.907" v="370" actId="2085"/>
-          <ac:spMkLst>
-            <pc:docMk/>
-            <pc:sldMk cId="3244032055" sldId="325"/>
-            <ac:spMk id="33" creationId="{5D369708-D3CB-4DD5-8225-B3641188FBAF}"/>
-          </ac:spMkLst>
-        </pc:spChg>
-        <pc:spChg chg="add mod">
-          <ac:chgData name="Erkan ŞİRİN" userId="7f10ce1d6aaf8c5d" providerId="LiveId" clId="{D0CC904B-D9B3-4FE2-A791-7E57207EC19A}" dt="2019-03-27T14:30:48.907" v="370" actId="2085"/>
-          <ac:spMkLst>
-            <pc:docMk/>
-            <pc:sldMk cId="3244032055" sldId="325"/>
-            <ac:spMk id="34" creationId="{D00DED02-433C-45F1-9A89-7DF09D1D6C01}"/>
-          </ac:spMkLst>
-        </pc:spChg>
-        <pc:spChg chg="add mod">
-          <ac:chgData name="Erkan ŞİRİN" userId="7f10ce1d6aaf8c5d" providerId="LiveId" clId="{D0CC904B-D9B3-4FE2-A791-7E57207EC19A}" dt="2019-03-27T14:30:48.907" v="370" actId="2085"/>
-          <ac:spMkLst>
-            <pc:docMk/>
-            <pc:sldMk cId="3244032055" sldId="325"/>
-            <ac:spMk id="35" creationId="{859D2DEB-E669-4919-8FDC-58E37E169A62}"/>
-          </ac:spMkLst>
-        </pc:spChg>
-        <pc:spChg chg="add mod">
-          <ac:chgData name="Erkan ŞİRİN" userId="7f10ce1d6aaf8c5d" providerId="LiveId" clId="{D0CC904B-D9B3-4FE2-A791-7E57207EC19A}" dt="2019-03-27T14:30:48.907" v="370" actId="2085"/>
-          <ac:spMkLst>
-            <pc:docMk/>
-            <pc:sldMk cId="3244032055" sldId="325"/>
-            <ac:spMk id="36" creationId="{A20A8595-AF86-4FEC-ACE0-5362393B4D0F}"/>
-          </ac:spMkLst>
-        </pc:spChg>
-        <pc:spChg chg="add mod">
-          <ac:chgData name="Erkan ŞİRİN" userId="7f10ce1d6aaf8c5d" providerId="LiveId" clId="{D0CC904B-D9B3-4FE2-A791-7E57207EC19A}" dt="2019-03-27T14:30:48.907" v="370" actId="2085"/>
-          <ac:spMkLst>
-            <pc:docMk/>
-            <pc:sldMk cId="3244032055" sldId="325"/>
-            <ac:spMk id="37" creationId="{5717454E-6204-49C5-A047-11D768899654}"/>
-          </ac:spMkLst>
-        </pc:spChg>
-        <pc:spChg chg="add mod">
-          <ac:chgData name="Erkan ŞİRİN" userId="7f10ce1d6aaf8c5d" providerId="LiveId" clId="{D0CC904B-D9B3-4FE2-A791-7E57207EC19A}" dt="2019-03-27T14:30:48.907" v="370" actId="2085"/>
-          <ac:spMkLst>
-            <pc:docMk/>
-            <pc:sldMk cId="3244032055" sldId="325"/>
-            <ac:spMk id="38" creationId="{9906A91E-7D59-4A11-8DD6-FA19C16561D2}"/>
-          </ac:spMkLst>
-        </pc:spChg>
-        <pc:spChg chg="add mod">
-          <ac:chgData name="Erkan ŞİRİN" userId="7f10ce1d6aaf8c5d" providerId="LiveId" clId="{D0CC904B-D9B3-4FE2-A791-7E57207EC19A}" dt="2019-03-27T14:30:48.907" v="370" actId="2085"/>
-          <ac:spMkLst>
-            <pc:docMk/>
-            <pc:sldMk cId="3244032055" sldId="325"/>
-            <ac:spMk id="39" creationId="{4B5B6E61-6DE2-4DAB-8B25-D47B5BCD9599}"/>
-          </ac:spMkLst>
-        </pc:spChg>
-        <pc:spChg chg="add mod">
-          <ac:chgData name="Erkan ŞİRİN" userId="7f10ce1d6aaf8c5d" providerId="LiveId" clId="{D0CC904B-D9B3-4FE2-A791-7E57207EC19A}" dt="2019-03-27T14:30:48.907" v="370" actId="2085"/>
-          <ac:spMkLst>
-            <pc:docMk/>
-            <pc:sldMk cId="3244032055" sldId="325"/>
-            <ac:spMk id="40" creationId="{9C440A08-C88D-4EF8-86FC-CEC1CE9E48DA}"/>
-          </ac:spMkLst>
-        </pc:spChg>
-        <pc:spChg chg="add mod">
-          <ac:chgData name="Erkan ŞİRİN" userId="7f10ce1d6aaf8c5d" providerId="LiveId" clId="{D0CC904B-D9B3-4FE2-A791-7E57207EC19A}" dt="2019-03-27T14:31:22.600" v="448" actId="207"/>
-          <ac:spMkLst>
-            <pc:docMk/>
-            <pc:sldMk cId="3244032055" sldId="325"/>
-            <ac:spMk id="43" creationId="{B5C044E7-A504-4D4A-B8F4-80674F75B5C0}"/>
-          </ac:spMkLst>
-        </pc:spChg>
-        <pc:spChg chg="add mod">
-          <ac:chgData name="Erkan ŞİRİN" userId="7f10ce1d6aaf8c5d" providerId="LiveId" clId="{D0CC904B-D9B3-4FE2-A791-7E57207EC19A}" dt="2019-03-27T14:31:22.600" v="448" actId="207"/>
-          <ac:spMkLst>
-            <pc:docMk/>
-            <pc:sldMk cId="3244032055" sldId="325"/>
-            <ac:spMk id="44" creationId="{E873C97E-B217-4FE6-99C5-887856062AE6}"/>
-          </ac:spMkLst>
-        </pc:spChg>
-        <pc:spChg chg="add mod">
-          <ac:chgData name="Erkan ŞİRİN" userId="7f10ce1d6aaf8c5d" providerId="LiveId" clId="{D0CC904B-D9B3-4FE2-A791-7E57207EC19A}" dt="2019-03-27T14:31:22.600" v="448" actId="207"/>
-          <ac:spMkLst>
-            <pc:docMk/>
-            <pc:sldMk cId="3244032055" sldId="325"/>
-            <ac:spMk id="45" creationId="{4D94FEFD-E870-4AF8-81CE-F303EE3EB39C}"/>
-          </ac:spMkLst>
-        </pc:spChg>
-        <pc:grpChg chg="add mod">
-          <ac:chgData name="Erkan ŞİRİN" userId="7f10ce1d6aaf8c5d" providerId="LiveId" clId="{D0CC904B-D9B3-4FE2-A791-7E57207EC19A}" dt="2019-03-27T14:27:15.581" v="236" actId="1076"/>
-          <ac:grpSpMkLst>
-            <pc:docMk/>
-            <pc:sldMk cId="3244032055" sldId="325"/>
-            <ac:grpSpMk id="6" creationId="{002A2592-D73F-43F3-B335-AEFB2D102CF6}"/>
-          </ac:grpSpMkLst>
-        </pc:grpChg>
-        <pc:picChg chg="del">
-          <ac:chgData name="Erkan ŞİRİN" userId="7f10ce1d6aaf8c5d" providerId="LiveId" clId="{D0CC904B-D9B3-4FE2-A791-7E57207EC19A}" dt="2019-03-27T14:22:30.870" v="233" actId="478"/>
-          <ac:picMkLst>
-            <pc:docMk/>
-            <pc:sldMk cId="3244032055" sldId="325"/>
-            <ac:picMk id="8" creationId="{B93F42B5-2722-4D1B-8E8D-994FC997835D}"/>
-          </ac:picMkLst>
-        </pc:picChg>
-        <pc:cxnChg chg="mod">
-          <ac:chgData name="Erkan ŞİRİN" userId="7f10ce1d6aaf8c5d" providerId="LiveId" clId="{D0CC904B-D9B3-4FE2-A791-7E57207EC19A}" dt="2019-03-27T15:17:02.349" v="1045" actId="14100"/>
-          <ac:cxnSpMkLst>
-            <pc:docMk/>
-            <pc:sldMk cId="3244032055" sldId="325"/>
-            <ac:cxnSpMk id="9" creationId="{F682927C-08F6-4682-ACA4-BC2D5B2CFD2F}"/>
-          </ac:cxnSpMkLst>
-        </pc:cxnChg>
-        <pc:cxnChg chg="add mod">
-          <ac:chgData name="Erkan ŞİRİN" userId="7f10ce1d6aaf8c5d" providerId="LiveId" clId="{D0CC904B-D9B3-4FE2-A791-7E57207EC19A}" dt="2019-03-27T14:30:48.907" v="370" actId="2085"/>
-          <ac:cxnSpMkLst>
-            <pc:docMk/>
-            <pc:sldMk cId="3244032055" sldId="325"/>
-            <ac:cxnSpMk id="42" creationId="{3BC81A37-56AD-4573-B914-02BFDE457099}"/>
-          </ac:cxnSpMkLst>
-        </pc:cxnChg>
-        <pc:cxnChg chg="add mod">
-          <ac:chgData name="Erkan ŞİRİN" userId="7f10ce1d6aaf8c5d" providerId="LiveId" clId="{D0CC904B-D9B3-4FE2-A791-7E57207EC19A}" dt="2019-03-27T14:31:47.518" v="450" actId="14100"/>
-          <ac:cxnSpMkLst>
-            <pc:docMk/>
-            <pc:sldMk cId="3244032055" sldId="325"/>
-            <ac:cxnSpMk id="46" creationId="{1AD92864-E69A-499C-9627-9BCA5BDE9CB8}"/>
-          </ac:cxnSpMkLst>
-        </pc:cxnChg>
-        <pc:cxnChg chg="add mod">
-          <ac:chgData name="Erkan ŞİRİN" userId="7f10ce1d6aaf8c5d" providerId="LiveId" clId="{D0CC904B-D9B3-4FE2-A791-7E57207EC19A}" dt="2019-03-27T14:32:22.272" v="457" actId="1582"/>
-          <ac:cxnSpMkLst>
-            <pc:docMk/>
-            <pc:sldMk cId="3244032055" sldId="325"/>
-            <ac:cxnSpMk id="48" creationId="{CA5FB202-9AB5-4873-A57E-AAA595CAA290}"/>
-          </ac:cxnSpMkLst>
-        </pc:cxnChg>
-      </pc:sldChg>
-      <pc:sldChg chg="addSp modSp modAnim">
-        <pc:chgData name="Erkan ŞİRİN" userId="7f10ce1d6aaf8c5d" providerId="LiveId" clId="{D0CC904B-D9B3-4FE2-A791-7E57207EC19A}" dt="2019-03-27T14:35:46.690" v="737" actId="20577"/>
-        <pc:sldMkLst>
-          <pc:docMk/>
-          <pc:sldMk cId="1894295357" sldId="326"/>
-        </pc:sldMkLst>
-        <pc:spChg chg="mod">
-          <ac:chgData name="Erkan ŞİRİN" userId="7f10ce1d6aaf8c5d" providerId="LiveId" clId="{D0CC904B-D9B3-4FE2-A791-7E57207EC19A}" dt="2019-03-27T14:34:24.919" v="592" actId="20577"/>
-          <ac:spMkLst>
-            <pc:docMk/>
-            <pc:sldMk cId="1894295357" sldId="326"/>
-            <ac:spMk id="3" creationId="{E883A5CF-C753-4A60-A101-6F0BB8D09B77}"/>
-          </ac:spMkLst>
-        </pc:spChg>
-        <pc:spChg chg="mod">
-          <ac:chgData name="Erkan ŞİRİN" userId="7f10ce1d6aaf8c5d" providerId="LiveId" clId="{D0CC904B-D9B3-4FE2-A791-7E57207EC19A}" dt="2019-03-27T14:33:46.502" v="475" actId="20577"/>
-          <ac:spMkLst>
-            <pc:docMk/>
-            <pc:sldMk cId="1894295357" sldId="326"/>
-            <ac:spMk id="5" creationId="{00000000-0000-0000-0000-000000000000}"/>
-          </ac:spMkLst>
-        </pc:spChg>
-        <pc:spChg chg="mod">
-          <ac:chgData name="Erkan ŞİRİN" userId="7f10ce1d6aaf8c5d" providerId="LiveId" clId="{D0CC904B-D9B3-4FE2-A791-7E57207EC19A}" dt="2019-03-27T14:35:24.197" v="681" actId="1076"/>
-          <ac:spMkLst>
-            <pc:docMk/>
-            <pc:sldMk cId="1894295357" sldId="326"/>
-            <ac:spMk id="6" creationId="{2655BAF2-B23D-4AB4-AB78-8E5E7B2215A5}"/>
-          </ac:spMkLst>
-        </pc:spChg>
-        <pc:spChg chg="add mod">
-          <ac:chgData name="Erkan ŞİRİN" userId="7f10ce1d6aaf8c5d" providerId="LiveId" clId="{D0CC904B-D9B3-4FE2-A791-7E57207EC19A}" dt="2019-03-27T14:35:46.690" v="737" actId="20577"/>
-          <ac:spMkLst>
-            <pc:docMk/>
-            <pc:sldMk cId="1894295357" sldId="326"/>
-            <ac:spMk id="7" creationId="{1771FFDE-466C-416E-A287-D448C3C9B58F}"/>
+            <pc:sldMk cId="1742298225" sldId="348"/>
+            <ac:spMk id="9" creationId="{A3FFD976-AAAD-4A6D-82D1-F9A40B4DC315}"/>
           </ac:spMkLst>
         </pc:spChg>
       </pc:sldChg>
-      <pc:sldChg chg="addSp delSp modSp delAnim modAnim">
-        <pc:chgData name="Erkan ŞİRİN" userId="7f10ce1d6aaf8c5d" providerId="LiveId" clId="{D0CC904B-D9B3-4FE2-A791-7E57207EC19A}" dt="2019-03-27T14:55:54.331" v="895"/>
-        <pc:sldMkLst>
-          <pc:docMk/>
-          <pc:sldMk cId="2082986060" sldId="327"/>
-        </pc:sldMkLst>
-        <pc:spChg chg="mod">
-          <ac:chgData name="Erkan ŞİRİN" userId="7f10ce1d6aaf8c5d" providerId="LiveId" clId="{D0CC904B-D9B3-4FE2-A791-7E57207EC19A}" dt="2019-03-27T14:38:33.231" v="826" actId="14100"/>
-          <ac:spMkLst>
-            <pc:docMk/>
-            <pc:sldMk cId="2082986060" sldId="327"/>
-            <ac:spMk id="3" creationId="{E883A5CF-C753-4A60-A101-6F0BB8D09B77}"/>
-          </ac:spMkLst>
-        </pc:spChg>
-        <pc:spChg chg="mod">
-          <ac:chgData name="Erkan ŞİRİN" userId="7f10ce1d6aaf8c5d" providerId="LiveId" clId="{D0CC904B-D9B3-4FE2-A791-7E57207EC19A}" dt="2019-03-27T14:38:37.431" v="828" actId="1076"/>
-          <ac:spMkLst>
-            <pc:docMk/>
-            <pc:sldMk cId="2082986060" sldId="327"/>
-            <ac:spMk id="5" creationId="{00000000-0000-0000-0000-000000000000}"/>
-          </ac:spMkLst>
-        </pc:spChg>
-        <pc:spChg chg="del">
-          <ac:chgData name="Erkan ŞİRİN" userId="7f10ce1d6aaf8c5d" providerId="LiveId" clId="{D0CC904B-D9B3-4FE2-A791-7E57207EC19A}" dt="2019-03-27T14:37:38.206" v="813" actId="478"/>
-          <ac:spMkLst>
-            <pc:docMk/>
-            <pc:sldMk cId="2082986060" sldId="327"/>
-            <ac:spMk id="6" creationId="{2655BAF2-B23D-4AB4-AB78-8E5E7B2215A5}"/>
-          </ac:spMkLst>
-        </pc:spChg>
-        <pc:spChg chg="del">
-          <ac:chgData name="Erkan ŞİRİN" userId="7f10ce1d6aaf8c5d" providerId="LiveId" clId="{D0CC904B-D9B3-4FE2-A791-7E57207EC19A}" dt="2019-03-27T14:37:35.447" v="812" actId="478"/>
-          <ac:spMkLst>
-            <pc:docMk/>
-            <pc:sldMk cId="2082986060" sldId="327"/>
-            <ac:spMk id="7" creationId="{44A5F4B4-4178-461D-A214-C1278E64FC50}"/>
-          </ac:spMkLst>
-        </pc:spChg>
-        <pc:spChg chg="add mod">
-          <ac:chgData name="Erkan ŞİRİN" userId="7f10ce1d6aaf8c5d" providerId="LiveId" clId="{D0CC904B-D9B3-4FE2-A791-7E57207EC19A}" dt="2019-03-27T14:38:26.956" v="823" actId="1076"/>
-          <ac:spMkLst>
-            <pc:docMk/>
-            <pc:sldMk cId="2082986060" sldId="327"/>
-            <ac:spMk id="10" creationId="{A44AEE4E-25DC-4847-98FA-8738493CACD4}"/>
-          </ac:spMkLst>
-        </pc:spChg>
-        <pc:spChg chg="add mod">
-          <ac:chgData name="Erkan ŞİRİN" userId="7f10ce1d6aaf8c5d" providerId="LiveId" clId="{D0CC904B-D9B3-4FE2-A791-7E57207EC19A}" dt="2019-03-27T14:54:54.527" v="844" actId="20577"/>
-          <ac:spMkLst>
-            <pc:docMk/>
-            <pc:sldMk cId="2082986060" sldId="327"/>
-            <ac:spMk id="12" creationId="{109AE49C-D3DA-43D1-B998-D4B646D4A48C}"/>
-          </ac:spMkLst>
-        </pc:spChg>
-        <pc:spChg chg="add mod">
-          <ac:chgData name="Erkan ŞİRİN" userId="7f10ce1d6aaf8c5d" providerId="LiveId" clId="{D0CC904B-D9B3-4FE2-A791-7E57207EC19A}" dt="2019-03-27T14:55:05.228" v="862" actId="20577"/>
-          <ac:spMkLst>
-            <pc:docMk/>
-            <pc:sldMk cId="2082986060" sldId="327"/>
-            <ac:spMk id="13" creationId="{3341EDE1-D9ED-40F3-97F2-8CFE07EFB2FE}"/>
-          </ac:spMkLst>
-        </pc:spChg>
-        <pc:spChg chg="add mod">
-          <ac:chgData name="Erkan ŞİRİN" userId="7f10ce1d6aaf8c5d" providerId="LiveId" clId="{D0CC904B-D9B3-4FE2-A791-7E57207EC19A}" dt="2019-03-27T14:55:18.546" v="878" actId="20577"/>
-          <ac:spMkLst>
-            <pc:docMk/>
-            <pc:sldMk cId="2082986060" sldId="327"/>
-            <ac:spMk id="14" creationId="{A0024D1A-5FDA-4720-8713-FF9C78E233F4}"/>
-          </ac:spMkLst>
-        </pc:spChg>
-        <pc:spChg chg="add mod">
-          <ac:chgData name="Erkan ŞİRİN" userId="7f10ce1d6aaf8c5d" providerId="LiveId" clId="{D0CC904B-D9B3-4FE2-A791-7E57207EC19A}" dt="2019-03-27T14:55:48.826" v="894" actId="20577"/>
-          <ac:spMkLst>
-            <pc:docMk/>
-            <pc:sldMk cId="2082986060" sldId="327"/>
-            <ac:spMk id="15" creationId="{0E57F0FF-0535-49D5-8818-ED912B7D43CB}"/>
-          </ac:spMkLst>
-        </pc:spChg>
-        <pc:picChg chg="del">
-          <ac:chgData name="Erkan ŞİRİN" userId="7f10ce1d6aaf8c5d" providerId="LiveId" clId="{D0CC904B-D9B3-4FE2-A791-7E57207EC19A}" dt="2019-03-27T14:37:32.078" v="811" actId="478"/>
-          <ac:picMkLst>
-            <pc:docMk/>
-            <pc:sldMk cId="2082986060" sldId="327"/>
-            <ac:picMk id="4" creationId="{4989B13A-FBFA-4FC4-AA59-61908A0DC109}"/>
-          </ac:picMkLst>
-        </pc:picChg>
-        <pc:picChg chg="add mod">
-          <ac:chgData name="Erkan ŞİRİN" userId="7f10ce1d6aaf8c5d" providerId="LiveId" clId="{D0CC904B-D9B3-4FE2-A791-7E57207EC19A}" dt="2019-03-27T14:38:30.019" v="825" actId="1076"/>
-          <ac:picMkLst>
-            <pc:docMk/>
-            <pc:sldMk cId="2082986060" sldId="327"/>
-            <ac:picMk id="8" creationId="{5AFFD7AE-B3D7-44F1-8964-3D42DC9B61D4}"/>
-          </ac:picMkLst>
-        </pc:picChg>
-        <pc:picChg chg="del">
-          <ac:chgData name="Erkan ŞİRİN" userId="7f10ce1d6aaf8c5d" providerId="LiveId" clId="{D0CC904B-D9B3-4FE2-A791-7E57207EC19A}" dt="2019-03-27T14:36:13.128" v="755" actId="478"/>
-          <ac:picMkLst>
-            <pc:docMk/>
-            <pc:sldMk cId="2082986060" sldId="327"/>
-            <ac:picMk id="9" creationId="{5979268F-4DC2-4204-B383-F8A93B9847A6}"/>
-          </ac:picMkLst>
-        </pc:picChg>
-        <pc:picChg chg="add mod">
-          <ac:chgData name="Erkan ŞİRİN" userId="7f10ce1d6aaf8c5d" providerId="LiveId" clId="{D0CC904B-D9B3-4FE2-A791-7E57207EC19A}" dt="2019-03-27T14:38:28.428" v="824" actId="1076"/>
-          <ac:picMkLst>
-            <pc:docMk/>
-            <pc:sldMk cId="2082986060" sldId="327"/>
-            <ac:picMk id="11" creationId="{D4D1D4C0-BBFE-4B32-AB6E-275116EB97B2}"/>
-          </ac:picMkLst>
-        </pc:picChg>
-      </pc:sldChg>
-      <pc:sldChg chg="addSp delSp modSp delAnim modAnim">
-        <pc:chgData name="Erkan ŞİRİN" userId="7f10ce1d6aaf8c5d" providerId="LiveId" clId="{D0CC904B-D9B3-4FE2-A791-7E57207EC19A}" dt="2019-03-27T15:01:43.716" v="959"/>
-        <pc:sldMkLst>
-          <pc:docMk/>
-          <pc:sldMk cId="3621928298" sldId="328"/>
-        </pc:sldMkLst>
-        <pc:spChg chg="del">
-          <ac:chgData name="Erkan ŞİRİN" userId="7f10ce1d6aaf8c5d" providerId="LiveId" clId="{D0CC904B-D9B3-4FE2-A791-7E57207EC19A}" dt="2019-03-27T14:56:25.817" v="896" actId="478"/>
-          <ac:spMkLst>
-            <pc:docMk/>
-            <pc:sldMk cId="3621928298" sldId="328"/>
-            <ac:spMk id="2" creationId="{B2FCFE66-1729-4B81-918F-4E4AD9E9E112}"/>
-          </ac:spMkLst>
-        </pc:spChg>
-        <pc:spChg chg="del">
-          <ac:chgData name="Erkan ŞİRİN" userId="7f10ce1d6aaf8c5d" providerId="LiveId" clId="{D0CC904B-D9B3-4FE2-A791-7E57207EC19A}" dt="2019-03-27T14:56:25.817" v="896" actId="478"/>
-          <ac:spMkLst>
-            <pc:docMk/>
-            <pc:sldMk cId="3621928298" sldId="328"/>
-            <ac:spMk id="5" creationId="{00000000-0000-0000-0000-000000000000}"/>
-          </ac:spMkLst>
-        </pc:spChg>
-        <pc:spChg chg="del">
-          <ac:chgData name="Erkan ŞİRİN" userId="7f10ce1d6aaf8c5d" providerId="LiveId" clId="{D0CC904B-D9B3-4FE2-A791-7E57207EC19A}" dt="2019-03-27T14:56:25.817" v="896" actId="478"/>
-          <ac:spMkLst>
-            <pc:docMk/>
-            <pc:sldMk cId="3621928298" sldId="328"/>
-            <ac:spMk id="8" creationId="{F27ABB56-3E4D-4D03-AC61-18901A04E260}"/>
-          </ac:spMkLst>
-        </pc:spChg>
-        <pc:spChg chg="del">
-          <ac:chgData name="Erkan ŞİRİN" userId="7f10ce1d6aaf8c5d" providerId="LiveId" clId="{D0CC904B-D9B3-4FE2-A791-7E57207EC19A}" dt="2019-03-27T14:56:25.817" v="896" actId="478"/>
-          <ac:spMkLst>
-            <pc:docMk/>
-            <pc:sldMk cId="3621928298" sldId="328"/>
-            <ac:spMk id="10" creationId="{B26BD448-DAD3-4AE8-AD51-B1F5C18FD9A9}"/>
-          </ac:spMkLst>
-        </pc:spChg>
-        <pc:spChg chg="del">
-          <ac:chgData name="Erkan ŞİRİN" userId="7f10ce1d6aaf8c5d" providerId="LiveId" clId="{D0CC904B-D9B3-4FE2-A791-7E57207EC19A}" dt="2019-03-27T14:56:25.817" v="896" actId="478"/>
-          <ac:spMkLst>
-            <pc:docMk/>
-            <pc:sldMk cId="3621928298" sldId="328"/>
-            <ac:spMk id="11" creationId="{D7909082-DBAA-4D06-B2E7-55FC0D8F005C}"/>
-          </ac:spMkLst>
-        </pc:spChg>
-        <pc:spChg chg="del">
-          <ac:chgData name="Erkan ŞİRİN" userId="7f10ce1d6aaf8c5d" providerId="LiveId" clId="{D0CC904B-D9B3-4FE2-A791-7E57207EC19A}" dt="2019-03-27T14:56:25.817" v="896" actId="478"/>
-          <ac:spMkLst>
-            <pc:docMk/>
-            <pc:sldMk cId="3621928298" sldId="328"/>
-            <ac:spMk id="12" creationId="{BB2276E9-B1A3-46B2-B0AC-B2AC1BF9C4F4}"/>
-          </ac:spMkLst>
-        </pc:spChg>
-        <pc:spChg chg="del">
-          <ac:chgData name="Erkan ŞİRİN" userId="7f10ce1d6aaf8c5d" providerId="LiveId" clId="{D0CC904B-D9B3-4FE2-A791-7E57207EC19A}" dt="2019-03-27T14:56:25.817" v="896" actId="478"/>
-          <ac:spMkLst>
-            <pc:docMk/>
-            <pc:sldMk cId="3621928298" sldId="328"/>
-            <ac:spMk id="13" creationId="{C908F40A-EDC8-4BCB-B1F7-6C12F0D54BA1}"/>
-          </ac:spMkLst>
-        </pc:spChg>
-        <pc:spChg chg="add mod">
-          <ac:chgData name="Erkan ŞİRİN" userId="7f10ce1d6aaf8c5d" providerId="LiveId" clId="{D0CC904B-D9B3-4FE2-A791-7E57207EC19A}" dt="2019-03-27T15:01:36.060" v="957" actId="1076"/>
-          <ac:spMkLst>
-            <pc:docMk/>
-            <pc:sldMk cId="3621928298" sldId="328"/>
-            <ac:spMk id="14" creationId="{2742018C-72B6-45E3-A242-5C60F62E6212}"/>
-          </ac:spMkLst>
-        </pc:spChg>
-        <pc:spChg chg="del">
-          <ac:chgData name="Erkan ŞİRİN" userId="7f10ce1d6aaf8c5d" providerId="LiveId" clId="{D0CC904B-D9B3-4FE2-A791-7E57207EC19A}" dt="2019-03-27T14:56:25.817" v="896" actId="478"/>
-          <ac:spMkLst>
-            <pc:docMk/>
-            <pc:sldMk cId="3621928298" sldId="328"/>
-            <ac:spMk id="15" creationId="{8E27EAA2-A10D-4D66-95B8-F6446DE0A3BD}"/>
-          </ac:spMkLst>
-        </pc:spChg>
-        <pc:spChg chg="del">
-          <ac:chgData name="Erkan ŞİRİN" userId="7f10ce1d6aaf8c5d" providerId="LiveId" clId="{D0CC904B-D9B3-4FE2-A791-7E57207EC19A}" dt="2019-03-27T14:56:25.817" v="896" actId="478"/>
-          <ac:spMkLst>
-            <pc:docMk/>
-            <pc:sldMk cId="3621928298" sldId="328"/>
-            <ac:spMk id="16" creationId="{FAE12C82-F847-4BE2-88FF-5A3EFF1E1BE0}"/>
-          </ac:spMkLst>
-        </pc:spChg>
-        <pc:picChg chg="add del mod">
-          <ac:chgData name="Erkan ŞİRİN" userId="7f10ce1d6aaf8c5d" providerId="LiveId" clId="{D0CC904B-D9B3-4FE2-A791-7E57207EC19A}" dt="2019-03-27T15:01:07.596" v="949" actId="478"/>
-          <ac:picMkLst>
-            <pc:docMk/>
-            <pc:sldMk cId="3621928298" sldId="328"/>
-            <ac:picMk id="4" creationId="{DAF1A469-85E2-4F74-BA44-AD0D3470FA88}"/>
-          </ac:picMkLst>
-        </pc:picChg>
-        <pc:picChg chg="add mod">
-          <ac:chgData name="Erkan ŞİRİN" userId="7f10ce1d6aaf8c5d" providerId="LiveId" clId="{D0CC904B-D9B3-4FE2-A791-7E57207EC19A}" dt="2019-03-27T15:01:16.784" v="953" actId="1076"/>
-          <ac:picMkLst>
-            <pc:docMk/>
-            <pc:sldMk cId="3621928298" sldId="328"/>
-            <ac:picMk id="7" creationId="{447E165E-4CDA-4FB7-BAFA-464004B7B810}"/>
-          </ac:picMkLst>
-        </pc:picChg>
-        <pc:picChg chg="add mod modCrop">
-          <ac:chgData name="Erkan ŞİRİN" userId="7f10ce1d6aaf8c5d" providerId="LiveId" clId="{D0CC904B-D9B3-4FE2-A791-7E57207EC19A}" dt="2019-03-27T15:01:31.064" v="956" actId="1076"/>
-          <ac:picMkLst>
-            <pc:docMk/>
-            <pc:sldMk cId="3621928298" sldId="328"/>
-            <ac:picMk id="17" creationId="{D57E2CCC-36CB-4BC6-B0BE-75D15761FA35}"/>
-          </ac:picMkLst>
-        </pc:picChg>
-      </pc:sldChg>
-      <pc:sldChg chg="addSp delSp modSp add">
-        <pc:chgData name="Erkan ŞİRİN" userId="7f10ce1d6aaf8c5d" providerId="LiveId" clId="{D0CC904B-D9B3-4FE2-A791-7E57207EC19A}" dt="2019-03-27T15:17:12.558" v="1046" actId="14100"/>
-        <pc:sldMkLst>
-          <pc:docMk/>
-          <pc:sldMk cId="3869546709" sldId="338"/>
-        </pc:sldMkLst>
-        <pc:spChg chg="del">
-          <ac:chgData name="Erkan ŞİRİN" userId="7f10ce1d6aaf8c5d" providerId="LiveId" clId="{D0CC904B-D9B3-4FE2-A791-7E57207EC19A}" dt="2019-03-27T14:19:01.417" v="141" actId="478"/>
-          <ac:spMkLst>
-            <pc:docMk/>
-            <pc:sldMk cId="3869546709" sldId="338"/>
-            <ac:spMk id="8" creationId="{D3B2466B-36FC-447C-9F05-1A7DA620F473}"/>
-          </ac:spMkLst>
-        </pc:spChg>
-        <pc:spChg chg="add mod">
-          <ac:chgData name="Erkan ŞİRİN" userId="7f10ce1d6aaf8c5d" providerId="LiveId" clId="{D0CC904B-D9B3-4FE2-A791-7E57207EC19A}" dt="2019-03-27T14:19:15.422" v="191" actId="1035"/>
-          <ac:spMkLst>
-            <pc:docMk/>
-            <pc:sldMk cId="3869546709" sldId="338"/>
-            <ac:spMk id="12" creationId="{A7715D7D-C232-4425-A947-630A54C61BB5}"/>
-          </ac:spMkLst>
-        </pc:spChg>
-        <pc:spChg chg="add mod">
-          <ac:chgData name="Erkan ŞİRİN" userId="7f10ce1d6aaf8c5d" providerId="LiveId" clId="{D0CC904B-D9B3-4FE2-A791-7E57207EC19A}" dt="2019-03-27T14:19:15.422" v="191" actId="1035"/>
-          <ac:spMkLst>
-            <pc:docMk/>
-            <pc:sldMk cId="3869546709" sldId="338"/>
-            <ac:spMk id="13" creationId="{857717ED-6AFE-48CF-8386-B70D6632CD8F}"/>
-          </ac:spMkLst>
-        </pc:spChg>
-        <pc:spChg chg="add del mod">
-          <ac:chgData name="Erkan ŞİRİN" userId="7f10ce1d6aaf8c5d" providerId="LiveId" clId="{D0CC904B-D9B3-4FE2-A791-7E57207EC19A}" dt="2019-03-27T14:16:58.011" v="131" actId="478"/>
-          <ac:spMkLst>
-            <pc:docMk/>
-            <pc:sldMk cId="3869546709" sldId="338"/>
-            <ac:spMk id="14" creationId="{30F45F2E-1A2C-4912-A6D3-5CE8260A838F}"/>
-          </ac:spMkLst>
-        </pc:spChg>
-        <pc:spChg chg="add del mod">
-          <ac:chgData name="Erkan ŞİRİN" userId="7f10ce1d6aaf8c5d" providerId="LiveId" clId="{D0CC904B-D9B3-4FE2-A791-7E57207EC19A}" dt="2019-03-27T14:17:27.256" v="133" actId="478"/>
-          <ac:spMkLst>
-            <pc:docMk/>
-            <pc:sldMk cId="3869546709" sldId="338"/>
-            <ac:spMk id="15" creationId="{340A0C17-90F7-47DA-9661-134C8BB9FACD}"/>
-          </ac:spMkLst>
-        </pc:spChg>
-        <pc:spChg chg="add del mod">
-          <ac:chgData name="Erkan ŞİRİN" userId="7f10ce1d6aaf8c5d" providerId="LiveId" clId="{D0CC904B-D9B3-4FE2-A791-7E57207EC19A}" dt="2019-03-27T14:18:05.269" v="136" actId="478"/>
-          <ac:spMkLst>
-            <pc:docMk/>
-            <pc:sldMk cId="3869546709" sldId="338"/>
-            <ac:spMk id="16" creationId="{F0FE0D21-A51A-4525-BC45-A982C2F752BC}"/>
-          </ac:spMkLst>
-        </pc:spChg>
-        <pc:spChg chg="add del mod">
-          <ac:chgData name="Erkan ŞİRİN" userId="7f10ce1d6aaf8c5d" providerId="LiveId" clId="{D0CC904B-D9B3-4FE2-A791-7E57207EC19A}" dt="2019-03-27T14:18:23.894" v="138" actId="478"/>
-          <ac:spMkLst>
-            <pc:docMk/>
-            <pc:sldMk cId="3869546709" sldId="338"/>
-            <ac:spMk id="17" creationId="{339062F5-457A-4234-ABB1-6FB1C6A7910D}"/>
-          </ac:spMkLst>
-        </pc:spChg>
-        <pc:spChg chg="add mod">
-          <ac:chgData name="Erkan ŞİRİN" userId="7f10ce1d6aaf8c5d" providerId="LiveId" clId="{D0CC904B-D9B3-4FE2-A791-7E57207EC19A}" dt="2019-03-27T14:19:15.422" v="191" actId="1035"/>
-          <ac:spMkLst>
-            <pc:docMk/>
-            <pc:sldMk cId="3869546709" sldId="338"/>
-            <ac:spMk id="18" creationId="{EE68C9E0-AB03-4C2D-AC4A-6B05E962CA1E}"/>
-          </ac:spMkLst>
-        </pc:spChg>
-        <pc:grpChg chg="add mod">
-          <ac:chgData name="Erkan ŞİRİN" userId="7f10ce1d6aaf8c5d" providerId="LiveId" clId="{D0CC904B-D9B3-4FE2-A791-7E57207EC19A}" dt="2019-03-27T14:19:15.422" v="191" actId="1035"/>
-          <ac:grpSpMkLst>
-            <pc:docMk/>
-            <pc:sldMk cId="3869546709" sldId="338"/>
-            <ac:grpSpMk id="11" creationId="{62DFB12C-D7E5-49E8-8A23-F314EBCDCD3C}"/>
-          </ac:grpSpMkLst>
-        </pc:grpChg>
-        <pc:picChg chg="del">
-          <ac:chgData name="Erkan ŞİRİN" userId="7f10ce1d6aaf8c5d" providerId="LiveId" clId="{D0CC904B-D9B3-4FE2-A791-7E57207EC19A}" dt="2019-03-27T14:14:52.497" v="72" actId="478"/>
-          <ac:picMkLst>
-            <pc:docMk/>
-            <pc:sldMk cId="3869546709" sldId="338"/>
-            <ac:picMk id="4" creationId="{7847616B-5D48-4853-89AF-74E0D6E9F946}"/>
-          </ac:picMkLst>
-        </pc:picChg>
-        <pc:picChg chg="add del mod">
-          <ac:chgData name="Erkan ŞİRİN" userId="7f10ce1d6aaf8c5d" providerId="LiveId" clId="{D0CC904B-D9B3-4FE2-A791-7E57207EC19A}" dt="2019-03-27T14:20:32.266" v="194" actId="478"/>
-          <ac:picMkLst>
-            <pc:docMk/>
-            <pc:sldMk cId="3869546709" sldId="338"/>
-            <ac:picMk id="20" creationId="{D0E2DB72-3E60-4382-88C7-CC05BC420A4A}"/>
-          </ac:picMkLst>
-        </pc:picChg>
-        <pc:cxnChg chg="add mod">
-          <ac:chgData name="Erkan ŞİRİN" userId="7f10ce1d6aaf8c5d" providerId="LiveId" clId="{D0CC904B-D9B3-4FE2-A791-7E57207EC19A}" dt="2019-03-27T14:15:35.623" v="81" actId="164"/>
-          <ac:cxnSpMkLst>
-            <pc:docMk/>
-            <pc:sldMk cId="3869546709" sldId="338"/>
-            <ac:cxnSpMk id="3" creationId="{D64A51A8-D08B-42F2-B430-479697FB1099}"/>
-          </ac:cxnSpMkLst>
-        </pc:cxnChg>
-        <pc:cxnChg chg="add mod">
-          <ac:chgData name="Erkan ŞİRİN" userId="7f10ce1d6aaf8c5d" providerId="LiveId" clId="{D0CC904B-D9B3-4FE2-A791-7E57207EC19A}" dt="2019-03-27T15:17:12.558" v="1046" actId="14100"/>
-          <ac:cxnSpMkLst>
-            <pc:docMk/>
-            <pc:sldMk cId="3869546709" sldId="338"/>
-            <ac:cxnSpMk id="9" creationId="{EEABE0DD-36AA-49F0-9ABC-291ACE5E04C4}"/>
-          </ac:cxnSpMkLst>
-        </pc:cxnChg>
-      </pc:sldChg>
-      <pc:sldChg chg="delSp modSp add">
-        <pc:chgData name="Erkan ŞİRİN" userId="7f10ce1d6aaf8c5d" providerId="LiveId" clId="{D0CC904B-D9B3-4FE2-A791-7E57207EC19A}" dt="2019-03-27T14:21:36.837" v="213" actId="1076"/>
-        <pc:sldMkLst>
-          <pc:docMk/>
-          <pc:sldMk cId="842452431" sldId="339"/>
-        </pc:sldMkLst>
-        <pc:spChg chg="mod">
-          <ac:chgData name="Erkan ŞİRİN" userId="7f10ce1d6aaf8c5d" providerId="LiveId" clId="{D0CC904B-D9B3-4FE2-A791-7E57207EC19A}" dt="2019-03-27T14:21:34.864" v="212" actId="1076"/>
-          <ac:spMkLst>
-            <pc:docMk/>
-            <pc:sldMk cId="842452431" sldId="339"/>
-            <ac:spMk id="12" creationId="{A7715D7D-C232-4425-A947-630A54C61BB5}"/>
-          </ac:spMkLst>
-        </pc:spChg>
-        <pc:spChg chg="mod">
-          <ac:chgData name="Erkan ŞİRİN" userId="7f10ce1d6aaf8c5d" providerId="LiveId" clId="{D0CC904B-D9B3-4FE2-A791-7E57207EC19A}" dt="2019-03-27T14:21:36.837" v="213" actId="1076"/>
-          <ac:spMkLst>
-            <pc:docMk/>
-            <pc:sldMk cId="842452431" sldId="339"/>
-            <ac:spMk id="13" creationId="{857717ED-6AFE-48CF-8386-B70D6632CD8F}"/>
-          </ac:spMkLst>
-        </pc:spChg>
-        <pc:spChg chg="del">
-          <ac:chgData name="Erkan ŞİRİN" userId="7f10ce1d6aaf8c5d" providerId="LiveId" clId="{D0CC904B-D9B3-4FE2-A791-7E57207EC19A}" dt="2019-03-27T14:20:39.640" v="196" actId="478"/>
-          <ac:spMkLst>
-            <pc:docMk/>
-            <pc:sldMk cId="842452431" sldId="339"/>
-            <ac:spMk id="18" creationId="{EE68C9E0-AB03-4C2D-AC4A-6B05E962CA1E}"/>
-          </ac:spMkLst>
-        </pc:spChg>
-        <pc:grpChg chg="del">
-          <ac:chgData name="Erkan ŞİRİN" userId="7f10ce1d6aaf8c5d" providerId="LiveId" clId="{D0CC904B-D9B3-4FE2-A791-7E57207EC19A}" dt="2019-03-27T14:20:36.799" v="195" actId="478"/>
-          <ac:grpSpMkLst>
-            <pc:docMk/>
-            <pc:sldMk cId="842452431" sldId="339"/>
-            <ac:grpSpMk id="11" creationId="{62DFB12C-D7E5-49E8-8A23-F314EBCDCD3C}"/>
-          </ac:grpSpMkLst>
-        </pc:grpChg>
-      </pc:sldChg>
-      <pc:sldChg chg="addSp delSp modSp add">
-        <pc:chgData name="Erkan ŞİRİN" userId="7f10ce1d6aaf8c5d" providerId="LiveId" clId="{D0CC904B-D9B3-4FE2-A791-7E57207EC19A}" dt="2019-03-27T15:13:54.287" v="1000" actId="1076"/>
-        <pc:sldMkLst>
-          <pc:docMk/>
-          <pc:sldMk cId="3514832753" sldId="340"/>
-        </pc:sldMkLst>
-        <pc:spChg chg="add mod">
-          <ac:chgData name="Erkan ŞİRİN" userId="7f10ce1d6aaf8c5d" providerId="LiveId" clId="{D0CC904B-D9B3-4FE2-A791-7E57207EC19A}" dt="2019-03-27T15:13:54.287" v="1000" actId="1076"/>
-          <ac:spMkLst>
-            <pc:docMk/>
-            <pc:sldMk cId="3514832753" sldId="340"/>
-            <ac:spMk id="4" creationId="{87F41F7F-1352-4C42-B08C-9FDBDAF0C3F6}"/>
-          </ac:spMkLst>
-        </pc:spChg>
-        <pc:spChg chg="mod">
-          <ac:chgData name="Erkan ŞİRİN" userId="7f10ce1d6aaf8c5d" providerId="LiveId" clId="{D0CC904B-D9B3-4FE2-A791-7E57207EC19A}" dt="2019-03-27T15:13:06.967" v="992" actId="1076"/>
-          <ac:spMkLst>
-            <pc:docMk/>
-            <pc:sldMk cId="3514832753" sldId="340"/>
-            <ac:spMk id="16" creationId="{00000000-0000-0000-0000-000000000000}"/>
-          </ac:spMkLst>
-        </pc:spChg>
-        <pc:picChg chg="add mod ord">
-          <ac:chgData name="Erkan ŞİRİN" userId="7f10ce1d6aaf8c5d" providerId="LiveId" clId="{D0CC904B-D9B3-4FE2-A791-7E57207EC19A}" dt="2019-03-27T15:13:17.483" v="996" actId="1076"/>
-          <ac:picMkLst>
-            <pc:docMk/>
-            <pc:sldMk cId="3514832753" sldId="340"/>
-            <ac:picMk id="3" creationId="{CC5735AE-BF96-4A91-BA55-D8DE09072F3C}"/>
-          </ac:picMkLst>
-        </pc:picChg>
-        <pc:cxnChg chg="del">
-          <ac:chgData name="Erkan ŞİRİN" userId="7f10ce1d6aaf8c5d" providerId="LiveId" clId="{D0CC904B-D9B3-4FE2-A791-7E57207EC19A}" dt="2019-03-27T15:12:38.098" v="962" actId="478"/>
-          <ac:cxnSpMkLst>
-            <pc:docMk/>
-            <pc:sldMk cId="3514832753" sldId="340"/>
-            <ac:cxnSpMk id="10" creationId="{00000000-0000-0000-0000-000000000000}"/>
-          </ac:cxnSpMkLst>
-        </pc:cxnChg>
-      </pc:sldChg>
-      <pc:sldChg chg="addSp delSp modSp add delAnim">
-        <pc:chgData name="Erkan ŞİRİN" userId="7f10ce1d6aaf8c5d" providerId="LiveId" clId="{D0CC904B-D9B3-4FE2-A791-7E57207EC19A}" dt="2019-03-27T15:22:09.550" v="1279" actId="207"/>
-        <pc:sldMkLst>
-          <pc:docMk/>
-          <pc:sldMk cId="3507462273" sldId="341"/>
-        </pc:sldMkLst>
-        <pc:spChg chg="add mod">
-          <ac:chgData name="Erkan ŞİRİN" userId="7f10ce1d6aaf8c5d" providerId="LiveId" clId="{D0CC904B-D9B3-4FE2-A791-7E57207EC19A}" dt="2019-03-27T15:17:56.786" v="1049" actId="13822"/>
-          <ac:spMkLst>
-            <pc:docMk/>
-            <pc:sldMk cId="3507462273" sldId="341"/>
-            <ac:spMk id="4" creationId="{07C0BAB3-5782-4F9D-986F-78E1DB5EBFB6}"/>
-          </ac:spMkLst>
-        </pc:spChg>
-        <pc:spChg chg="add mod">
-          <ac:chgData name="Erkan ŞİRİN" userId="7f10ce1d6aaf8c5d" providerId="LiveId" clId="{D0CC904B-D9B3-4FE2-A791-7E57207EC19A}" dt="2019-03-27T15:16:33.671" v="1029" actId="20577"/>
-          <ac:spMkLst>
-            <pc:docMk/>
-            <pc:sldMk cId="3507462273" sldId="341"/>
-            <ac:spMk id="9" creationId="{3CD36327-5A6C-4E08-96A8-84835061607F}"/>
-          </ac:spMkLst>
-        </pc:spChg>
-        <pc:spChg chg="add mod">
-          <ac:chgData name="Erkan ŞİRİN" userId="7f10ce1d6aaf8c5d" providerId="LiveId" clId="{D0CC904B-D9B3-4FE2-A791-7E57207EC19A}" dt="2019-03-27T15:16:41.673" v="1043" actId="20577"/>
-          <ac:spMkLst>
-            <pc:docMk/>
-            <pc:sldMk cId="3507462273" sldId="341"/>
-            <ac:spMk id="10" creationId="{393BB9E5-456F-4211-BF3A-B61657469410}"/>
-          </ac:spMkLst>
-        </pc:spChg>
-        <pc:spChg chg="add mod">
-          <ac:chgData name="Erkan ŞİRİN" userId="7f10ce1d6aaf8c5d" providerId="LiveId" clId="{D0CC904B-D9B3-4FE2-A791-7E57207EC19A}" dt="2019-03-27T15:18:25.734" v="1089" actId="1076"/>
-          <ac:spMkLst>
-            <pc:docMk/>
-            <pc:sldMk cId="3507462273" sldId="341"/>
-            <ac:spMk id="11" creationId="{53FA9C01-8ABE-4F6E-B586-035531E5B29C}"/>
-          </ac:spMkLst>
-        </pc:spChg>
-        <pc:spChg chg="mod">
-          <ac:chgData name="Erkan ŞİRİN" userId="7f10ce1d6aaf8c5d" providerId="LiveId" clId="{D0CC904B-D9B3-4FE2-A791-7E57207EC19A}" dt="2019-03-27T15:15:27.686" v="1020" actId="20577"/>
-          <ac:spMkLst>
-            <pc:docMk/>
-            <pc:sldMk cId="3507462273" sldId="341"/>
-            <ac:spMk id="14" creationId="{2742018C-72B6-45E3-A242-5C60F62E6212}"/>
-          </ac:spMkLst>
-        </pc:spChg>
-        <pc:spChg chg="add mod">
-          <ac:chgData name="Erkan ŞİRİN" userId="7f10ce1d6aaf8c5d" providerId="LiveId" clId="{D0CC904B-D9B3-4FE2-A791-7E57207EC19A}" dt="2019-03-27T15:19:01.724" v="1134" actId="20577"/>
-          <ac:spMkLst>
-            <pc:docMk/>
-            <pc:sldMk cId="3507462273" sldId="341"/>
-            <ac:spMk id="15" creationId="{B8D43DD7-CD21-4FC4-B15E-E9A175CA0BC0}"/>
-          </ac:spMkLst>
-        </pc:spChg>
-        <pc:spChg chg="add mod">
-          <ac:chgData name="Erkan ŞİRİN" userId="7f10ce1d6aaf8c5d" providerId="LiveId" clId="{D0CC904B-D9B3-4FE2-A791-7E57207EC19A}" dt="2019-03-27T15:20:00.148" v="1214" actId="20577"/>
-          <ac:spMkLst>
-            <pc:docMk/>
-            <pc:sldMk cId="3507462273" sldId="341"/>
-            <ac:spMk id="16" creationId="{64E62ED9-AF6D-4FBD-A316-DD0E3B520EA8}"/>
-          </ac:spMkLst>
-        </pc:spChg>
-        <pc:spChg chg="add mod">
-          <ac:chgData name="Erkan ŞİRİN" userId="7f10ce1d6aaf8c5d" providerId="LiveId" clId="{D0CC904B-D9B3-4FE2-A791-7E57207EC19A}" dt="2019-03-27T15:22:09.550" v="1279" actId="207"/>
-          <ac:spMkLst>
-            <pc:docMk/>
-            <pc:sldMk cId="3507462273" sldId="341"/>
-            <ac:spMk id="18" creationId="{21FF7E2B-5179-424C-AC58-392160781648}"/>
-          </ac:spMkLst>
-        </pc:spChg>
-        <pc:grpChg chg="add mod">
-          <ac:chgData name="Erkan ŞİRİN" userId="7f10ce1d6aaf8c5d" providerId="LiveId" clId="{D0CC904B-D9B3-4FE2-A791-7E57207EC19A}" dt="2019-03-27T15:16:29.294" v="1023" actId="1076"/>
-          <ac:grpSpMkLst>
-            <pc:docMk/>
-            <pc:sldMk cId="3507462273" sldId="341"/>
-            <ac:grpSpMk id="5" creationId="{67A071EC-BF8E-44A1-9D7C-3265D24E9305}"/>
-          </ac:grpSpMkLst>
-        </pc:grpChg>
-        <pc:picChg chg="del">
-          <ac:chgData name="Erkan ŞİRİN" userId="7f10ce1d6aaf8c5d" providerId="LiveId" clId="{D0CC904B-D9B3-4FE2-A791-7E57207EC19A}" dt="2019-03-27T15:15:30.672" v="1021" actId="478"/>
-          <ac:picMkLst>
-            <pc:docMk/>
-            <pc:sldMk cId="3507462273" sldId="341"/>
-            <ac:picMk id="7" creationId="{447E165E-4CDA-4FB7-BAFA-464004B7B810}"/>
-          </ac:picMkLst>
-        </pc:picChg>
-        <pc:picChg chg="del">
-          <ac:chgData name="Erkan ŞİRİN" userId="7f10ce1d6aaf8c5d" providerId="LiveId" clId="{D0CC904B-D9B3-4FE2-A791-7E57207EC19A}" dt="2019-03-27T15:15:30.672" v="1021" actId="478"/>
-          <ac:picMkLst>
-            <pc:docMk/>
-            <pc:sldMk cId="3507462273" sldId="341"/>
-            <ac:picMk id="17" creationId="{D57E2CCC-36CB-4BC6-B0BE-75D15761FA35}"/>
-          </ac:picMkLst>
-        </pc:picChg>
-        <pc:cxnChg chg="mod">
-          <ac:chgData name="Erkan ŞİRİN" userId="7f10ce1d6aaf8c5d" providerId="LiveId" clId="{D0CC904B-D9B3-4FE2-A791-7E57207EC19A}" dt="2019-03-27T15:17:25.792" v="1047" actId="14100"/>
-          <ac:cxnSpMkLst>
-            <pc:docMk/>
-            <pc:sldMk cId="3507462273" sldId="341"/>
-            <ac:cxnSpMk id="6" creationId="{187D5A6E-8497-49D5-BCAD-819E22CB4F55}"/>
-          </ac:cxnSpMkLst>
-        </pc:cxnChg>
-        <pc:cxnChg chg="mod">
-          <ac:chgData name="Erkan ŞİRİN" userId="7f10ce1d6aaf8c5d" providerId="LiveId" clId="{D0CC904B-D9B3-4FE2-A791-7E57207EC19A}" dt="2019-03-27T15:16:55.413" v="1044" actId="14100"/>
-          <ac:cxnSpMkLst>
-            <pc:docMk/>
-            <pc:sldMk cId="3507462273" sldId="341"/>
-            <ac:cxnSpMk id="8" creationId="{BF338615-5482-4A27-90B7-D39AC46FDB79}"/>
-          </ac:cxnSpMkLst>
-        </pc:cxnChg>
-      </pc:sldChg>
-      <pc:sldChg chg="addSp delSp modSp add ord delAnim">
-        <pc:chgData name="Erkan ŞİRİN" userId="7f10ce1d6aaf8c5d" providerId="LiveId" clId="{D0CC904B-D9B3-4FE2-A791-7E57207EC19A}" dt="2019-03-27T15:28:24.153" v="1356"/>
-        <pc:sldMkLst>
-          <pc:docMk/>
-          <pc:sldMk cId="4115308414" sldId="342"/>
-        </pc:sldMkLst>
-        <pc:spChg chg="add mod">
-          <ac:chgData name="Erkan ŞİRİN" userId="7f10ce1d6aaf8c5d" providerId="LiveId" clId="{D0CC904B-D9B3-4FE2-A791-7E57207EC19A}" dt="2019-03-27T15:28:18.518" v="1355" actId="1076"/>
-          <ac:spMkLst>
-            <pc:docMk/>
-            <pc:sldMk cId="4115308414" sldId="342"/>
-            <ac:spMk id="4" creationId="{B19962E1-F5DA-44A8-9EB9-96F714A3EA3F}"/>
-          </ac:spMkLst>
-        </pc:spChg>
-        <pc:spChg chg="del">
-          <ac:chgData name="Erkan ŞİRİN" userId="7f10ce1d6aaf8c5d" providerId="LiveId" clId="{D0CC904B-D9B3-4FE2-A791-7E57207EC19A}" dt="2019-03-27T15:27:46.208" v="1348" actId="478"/>
-          <ac:spMkLst>
-            <pc:docMk/>
-            <pc:sldMk cId="4115308414" sldId="342"/>
-            <ac:spMk id="9" creationId="{00000000-0000-0000-0000-000000000000}"/>
-          </ac:spMkLst>
-        </pc:spChg>
-        <pc:picChg chg="add mod">
-          <ac:chgData name="Erkan ŞİRİN" userId="7f10ce1d6aaf8c5d" providerId="LiveId" clId="{D0CC904B-D9B3-4FE2-A791-7E57207EC19A}" dt="2019-03-27T15:27:53.105" v="1351" actId="1076"/>
-          <ac:picMkLst>
-            <pc:docMk/>
-            <pc:sldMk cId="4115308414" sldId="342"/>
-            <ac:picMk id="3" creationId="{F5C889D3-EABD-4D48-A8C8-540E2FCDFA0D}"/>
-          </ac:picMkLst>
-        </pc:picChg>
-        <pc:picChg chg="del">
-          <ac:chgData name="Erkan ŞİRİN" userId="7f10ce1d6aaf8c5d" providerId="LiveId" clId="{D0CC904B-D9B3-4FE2-A791-7E57207EC19A}" dt="2019-03-27T15:27:16.803" v="1343" actId="478"/>
-          <ac:picMkLst>
-            <pc:docMk/>
-            <pc:sldMk cId="4115308414" sldId="342"/>
-            <ac:picMk id="6" creationId="{282C7CDC-BF12-468D-B622-89CC576DE4AF}"/>
-          </ac:picMkLst>
-        </pc:picChg>
-        <pc:picChg chg="del">
-          <ac:chgData name="Erkan ŞİRİN" userId="7f10ce1d6aaf8c5d" providerId="LiveId" clId="{D0CC904B-D9B3-4FE2-A791-7E57207EC19A}" dt="2019-03-27T15:27:16.803" v="1343" actId="478"/>
-          <ac:picMkLst>
-            <pc:docMk/>
-            <pc:sldMk cId="4115308414" sldId="342"/>
-            <ac:picMk id="8" creationId="{104E3C62-2C2E-4102-A7D4-219325AC39B6}"/>
-          </ac:picMkLst>
-        </pc:picChg>
-        <pc:cxnChg chg="del">
-          <ac:chgData name="Erkan ŞİRİN" userId="7f10ce1d6aaf8c5d" providerId="LiveId" clId="{D0CC904B-D9B3-4FE2-A791-7E57207EC19A}" dt="2019-03-27T15:27:32.406" v="1346" actId="478"/>
-          <ac:cxnSpMkLst>
-            <pc:docMk/>
-            <pc:sldMk cId="4115308414" sldId="342"/>
-            <ac:cxnSpMk id="5" creationId="{00000000-0000-0000-0000-000000000000}"/>
-          </ac:cxnSpMkLst>
-        </pc:cxnChg>
-      </pc:sldChg>
     </pc:docChg>
+  </pc:docChgLst>
+  <pc:docChgLst>
+    <pc:chgData name="Erkan ŞİRİN" userId="7f10ce1d6aaf8c5d" providerId="LiveId" clId="{D9C747DB-0ACB-4E68-987D-4C5D6EF5C7FB}"/>
+  </pc:docChgLst>
+  <pc:docChgLst>
+    <pc:chgData name="Erkan ŞİRİN" userId="7f10ce1d6aaf8c5d" providerId="LiveId" clId="{D0CC904B-D9B3-4FE2-A791-7E57207EC19A}"/>
   </pc:docChgLst>
   <pc:docChgLst>
     <pc:chgData name="Erkan ŞİRİN" userId="7f10ce1d6aaf8c5d" providerId="LiveId" clId="{ECD276B7-5F75-4BAC-80AA-60ECDBEA62C7}"/>
@@ -1434,38 +412,6 @@
       </pc:sldChg>
     </pc:docChg>
   </pc:docChgLst>
-  <pc:docChgLst>
-    <pc:chgData name="Erkan ŞİRİN" userId="7f10ce1d6aaf8c5d" providerId="LiveId" clId="{D9C747DB-0ACB-4E68-987D-4C5D6EF5C7FB}"/>
-    <pc:docChg chg="addSld delSld modSld">
-      <pc:chgData name="Erkan ŞİRİN" userId="7f10ce1d6aaf8c5d" providerId="LiveId" clId="{D9C747DB-0ACB-4E68-987D-4C5D6EF5C7FB}" dt="2019-03-27T16:52:10.253" v="190" actId="255"/>
-      <pc:docMkLst>
-        <pc:docMk/>
-      </pc:docMkLst>
-      <pc:sldChg chg="modSp add modAnim">
-        <pc:chgData name="Erkan ŞİRİN" userId="7f10ce1d6aaf8c5d" providerId="LiveId" clId="{D9C747DB-0ACB-4E68-987D-4C5D6EF5C7FB}" dt="2019-03-27T16:52:10.253" v="190" actId="255"/>
-        <pc:sldMkLst>
-          <pc:docMk/>
-          <pc:sldMk cId="3622917333" sldId="343"/>
-        </pc:sldMkLst>
-        <pc:spChg chg="mod">
-          <ac:chgData name="Erkan ŞİRİN" userId="7f10ce1d6aaf8c5d" providerId="LiveId" clId="{D9C747DB-0ACB-4E68-987D-4C5D6EF5C7FB}" dt="2019-03-27T16:52:05.563" v="189" actId="1076"/>
-          <ac:spMkLst>
-            <pc:docMk/>
-            <pc:sldMk cId="3622917333" sldId="343"/>
-            <ac:spMk id="2" creationId="{9E7DAE9A-5611-476C-9343-F8F6556FE056}"/>
-          </ac:spMkLst>
-        </pc:spChg>
-        <pc:spChg chg="mod">
-          <ac:chgData name="Erkan ŞİRİN" userId="7f10ce1d6aaf8c5d" providerId="LiveId" clId="{D9C747DB-0ACB-4E68-987D-4C5D6EF5C7FB}" dt="2019-03-27T16:52:10.253" v="190" actId="255"/>
-          <ac:spMkLst>
-            <pc:docMk/>
-            <pc:sldMk cId="3622917333" sldId="343"/>
-            <ac:spMk id="3" creationId="{D42DE1B9-BAF2-438A-99D4-A19B593936A9}"/>
-          </ac:spMkLst>
-        </pc:spChg>
-      </pc:sldChg>
-    </pc:docChg>
-  </pc:docChgLst>
 </pc:chgInfo>
 </file>
 
@@ -1551,7 +497,7 @@
           <a:p>
             <a:fld id="{6F77F576-AE14-466D-AA6B-335273622B21}" type="datetimeFigureOut">
               <a:rPr lang="en-US" smtClean="0"/>
-              <a:t>5/31/2019</a:t>
+              <a:t>7/15/2019</a:t>
             </a:fld>
             <a:endParaRPr lang="en-US"/>
           </a:p>
@@ -1950,7 +896,7 @@
           <a:p>
             <a:fld id="{54AA066D-271F-4C1A-B89A-0705A7689EE9}" type="datetimeFigureOut">
               <a:rPr lang="en-US" smtClean="0"/>
-              <a:t>5/31/2019</a:t>
+              <a:t>7/15/2019</a:t>
             </a:fld>
             <a:endParaRPr lang="en-US"/>
           </a:p>
@@ -2120,7 +1066,7 @@
           <a:p>
             <a:fld id="{54AA066D-271F-4C1A-B89A-0705A7689EE9}" type="datetimeFigureOut">
               <a:rPr lang="en-US" smtClean="0"/>
-              <a:t>5/31/2019</a:t>
+              <a:t>7/15/2019</a:t>
             </a:fld>
             <a:endParaRPr lang="en-US"/>
           </a:p>
@@ -2300,7 +1246,7 @@
           <a:p>
             <a:fld id="{54AA066D-271F-4C1A-B89A-0705A7689EE9}" type="datetimeFigureOut">
               <a:rPr lang="en-US" smtClean="0"/>
-              <a:t>5/31/2019</a:t>
+              <a:t>7/15/2019</a:t>
             </a:fld>
             <a:endParaRPr lang="en-US"/>
           </a:p>
@@ -2470,7 +1416,7 @@
           <a:p>
             <a:fld id="{54AA066D-271F-4C1A-B89A-0705A7689EE9}" type="datetimeFigureOut">
               <a:rPr lang="en-US" smtClean="0"/>
-              <a:t>5/31/2019</a:t>
+              <a:t>7/15/2019</a:t>
             </a:fld>
             <a:endParaRPr lang="en-US"/>
           </a:p>
@@ -2716,7 +1662,7 @@
           <a:p>
             <a:fld id="{54AA066D-271F-4C1A-B89A-0705A7689EE9}" type="datetimeFigureOut">
               <a:rPr lang="en-US" smtClean="0"/>
-              <a:t>5/31/2019</a:t>
+              <a:t>7/15/2019</a:t>
             </a:fld>
             <a:endParaRPr lang="en-US"/>
           </a:p>
@@ -2948,7 +1894,7 @@
           <a:p>
             <a:fld id="{54AA066D-271F-4C1A-B89A-0705A7689EE9}" type="datetimeFigureOut">
               <a:rPr lang="en-US" smtClean="0"/>
-              <a:t>5/31/2019</a:t>
+              <a:t>7/15/2019</a:t>
             </a:fld>
             <a:endParaRPr lang="en-US"/>
           </a:p>
@@ -3315,7 +2261,7 @@
           <a:p>
             <a:fld id="{54AA066D-271F-4C1A-B89A-0705A7689EE9}" type="datetimeFigureOut">
               <a:rPr lang="en-US" smtClean="0"/>
-              <a:t>5/31/2019</a:t>
+              <a:t>7/15/2019</a:t>
             </a:fld>
             <a:endParaRPr lang="en-US"/>
           </a:p>
@@ -3433,7 +2379,7 @@
           <a:p>
             <a:fld id="{54AA066D-271F-4C1A-B89A-0705A7689EE9}" type="datetimeFigureOut">
               <a:rPr lang="en-US" smtClean="0"/>
-              <a:t>5/31/2019</a:t>
+              <a:t>7/15/2019</a:t>
             </a:fld>
             <a:endParaRPr lang="en-US"/>
           </a:p>
@@ -3528,7 +2474,7 @@
           <a:p>
             <a:fld id="{54AA066D-271F-4C1A-B89A-0705A7689EE9}" type="datetimeFigureOut">
               <a:rPr lang="en-US" smtClean="0"/>
-              <a:t>5/31/2019</a:t>
+              <a:t>7/15/2019</a:t>
             </a:fld>
             <a:endParaRPr lang="en-US"/>
           </a:p>
@@ -3805,7 +2751,7 @@
           <a:p>
             <a:fld id="{54AA066D-271F-4C1A-B89A-0705A7689EE9}" type="datetimeFigureOut">
               <a:rPr lang="en-US" smtClean="0"/>
-              <a:t>5/31/2019</a:t>
+              <a:t>7/15/2019</a:t>
             </a:fld>
             <a:endParaRPr lang="en-US"/>
           </a:p>
@@ -4058,7 +3004,7 @@
           <a:p>
             <a:fld id="{54AA066D-271F-4C1A-B89A-0705A7689EE9}" type="datetimeFigureOut">
               <a:rPr lang="en-US" smtClean="0"/>
-              <a:t>5/31/2019</a:t>
+              <a:t>7/15/2019</a:t>
             </a:fld>
             <a:endParaRPr lang="en-US"/>
           </a:p>
@@ -4271,7 +3217,7 @@
           <a:p>
             <a:fld id="{54AA066D-271F-4C1A-B89A-0705A7689EE9}" type="datetimeFigureOut">
               <a:rPr lang="en-US" smtClean="0"/>
-              <a:t>5/31/2019</a:t>
+              <a:t>7/15/2019</a:t>
             </a:fld>
             <a:endParaRPr lang="en-US"/>
           </a:p>
@@ -6258,8 +5204,8 @@
         </p:nvSpPr>
         <p:spPr>
           <a:xfrm>
-            <a:off x="1818167" y="1702382"/>
-            <a:ext cx="8867554" cy="3046988"/>
+            <a:off x="636481" y="1865837"/>
+            <a:ext cx="4206240" cy="4524315"/>
           </a:xfrm>
           <a:prstGeom prst="rect">
             <a:avLst/>
@@ -6271,41 +5217,75 @@
           </a:bodyPr>
           <a:lstStyle/>
           <a:p>
-            <a:r>
-              <a:rPr lang="tr-TR" sz="2400" dirty="0"/>
-              <a:t>• Gözlem sayısını arttır</a:t>
-            </a:r>
-          </a:p>
-          <a:p>
-            <a:endParaRPr lang="tr-TR" sz="2400" dirty="0"/>
-          </a:p>
-          <a:p>
-            <a:r>
-              <a:rPr lang="tr-TR" sz="2400" dirty="0"/>
-              <a:t>• Modelin karmaşıklığını azalt</a:t>
-            </a:r>
-          </a:p>
-          <a:p>
-            <a:endParaRPr lang="tr-TR" sz="2400" dirty="0"/>
-          </a:p>
-          <a:p>
-            <a:r>
-              <a:rPr lang="tr-TR" sz="2400" dirty="0"/>
-              <a:t>• Bazı özellikleri seçme</a:t>
-            </a:r>
-          </a:p>
-          <a:p>
-            <a:endParaRPr lang="tr-TR" sz="2400" dirty="0"/>
-          </a:p>
-          <a:p>
-            <a:r>
-              <a:rPr lang="tr-TR" sz="2400"/>
-              <a:t>• Gürültüyü azalt</a:t>
-            </a:r>
-            <a:endParaRPr lang="tr-TR" sz="2400" dirty="0"/>
-          </a:p>
-          <a:p>
-            <a:endParaRPr lang="tr-TR" sz="2400" dirty="0"/>
+            <a:pPr marL="342900" indent="-342900">
+              <a:buFont typeface="Arial" panose="020B0604020202020204" pitchFamily="34" charset="0"/>
+              <a:buChar char="•"/>
+            </a:pPr>
+            <a:r>
+              <a:rPr lang="tr-TR" sz="2400" dirty="0">
+                <a:latin typeface="Roboto"/>
+              </a:rPr>
+              <a:t>Eğitim seti ile test edildiğinde çok yüksek başarı varsa</a:t>
+            </a:r>
+          </a:p>
+          <a:p>
+            <a:pPr marL="342900" indent="-342900">
+              <a:buFont typeface="Arial" panose="020B0604020202020204" pitchFamily="34" charset="0"/>
+              <a:buChar char="•"/>
+            </a:pPr>
+            <a:endParaRPr lang="tr-TR" sz="2400" dirty="0">
+              <a:latin typeface="Roboto"/>
+            </a:endParaRPr>
+          </a:p>
+          <a:p>
+            <a:pPr marL="342900" indent="-342900">
+              <a:buFont typeface="Arial" panose="020B0604020202020204" pitchFamily="34" charset="0"/>
+              <a:buChar char="•"/>
+            </a:pPr>
+            <a:r>
+              <a:rPr lang="tr-TR" sz="2400" dirty="0">
+                <a:latin typeface="Roboto"/>
+              </a:rPr>
+              <a:t>Eğitim seti başarısı ile test seti başarısı arasında çok büyük fark varsa</a:t>
+            </a:r>
+          </a:p>
+          <a:p>
+            <a:pPr marL="342900" indent="-342900">
+              <a:buFont typeface="Arial" panose="020B0604020202020204" pitchFamily="34" charset="0"/>
+              <a:buChar char="•"/>
+            </a:pPr>
+            <a:endParaRPr lang="tr-TR" sz="2400" dirty="0">
+              <a:latin typeface="Roboto"/>
+            </a:endParaRPr>
+          </a:p>
+          <a:p>
+            <a:pPr marL="342900" indent="-342900">
+              <a:buFont typeface="Arial" panose="020B0604020202020204" pitchFamily="34" charset="0"/>
+              <a:buChar char="•"/>
+            </a:pPr>
+            <a:r>
+              <a:rPr lang="tr-TR" sz="2400" dirty="0">
+                <a:latin typeface="Roboto"/>
+              </a:rPr>
+              <a:t>Eğitim setinde yüksek başarı olmasına rağmen </a:t>
+            </a:r>
+            <a:r>
+              <a:rPr lang="tr-TR" sz="2400" dirty="0" err="1">
+                <a:latin typeface="Roboto"/>
+              </a:rPr>
+              <a:t>cross-validation</a:t>
+            </a:r>
+            <a:r>
+              <a:rPr lang="tr-TR" sz="2400" dirty="0">
+                <a:latin typeface="Roboto"/>
+              </a:rPr>
+              <a:t> düşükse</a:t>
+            </a:r>
+          </a:p>
+          <a:p>
+            <a:endParaRPr lang="tr-TR" sz="2400" dirty="0">
+              <a:latin typeface="Roboto"/>
+            </a:endParaRPr>
           </a:p>
         </p:txBody>
       </p:sp>
@@ -6325,8 +5305,8 @@
         </p:nvSpPr>
         <p:spPr bwMode="auto">
           <a:xfrm>
-            <a:off x="1818167" y="571412"/>
-            <a:ext cx="8429625" cy="493981"/>
+            <a:off x="636481" y="585479"/>
+            <a:ext cx="3837045" cy="895630"/>
           </a:xfrm>
           <a:prstGeom prst="rect">
             <a:avLst/>
@@ -6356,7 +5336,175 @@
           </a:extLst>
         </p:spPr>
         <p:txBody>
-          <a:bodyPr>
+          <a:bodyPr wrap="square">
+            <a:spAutoFit/>
+          </a:bodyPr>
+          <a:lstStyle/>
+          <a:p>
+            <a:pPr marL="0" lvl="1" algn="ctr">
+              <a:lnSpc>
+                <a:spcPct val="90000"/>
+              </a:lnSpc>
+              <a:spcBef>
+                <a:spcPct val="0"/>
+              </a:spcBef>
+            </a:pPr>
+            <a:r>
+              <a:rPr lang="tr-TR" sz="2900" b="1" dirty="0">
+                <a:solidFill>
+                  <a:srgbClr val="FF1F20"/>
+                </a:solidFill>
+                <a:latin typeface="Arial" panose="020B0604020202020204" pitchFamily="34" charset="0"/>
+                <a:ea typeface="Verdana" panose="020B0604030504040204" pitchFamily="34" charset="0"/>
+                <a:cs typeface="Arial" panose="020B0604020202020204" pitchFamily="34" charset="0"/>
+              </a:rPr>
+              <a:t>AŞIRI ÖĞRENMENİN BELİRTİLERİ</a:t>
+            </a:r>
+          </a:p>
+        </p:txBody>
+      </p:sp>
+      <p:sp>
+        <p:nvSpPr>
+          <p:cNvPr id="4" name="Dikdörtgen 3">
+            <a:extLst>
+              <a:ext uri="{FF2B5EF4-FFF2-40B4-BE49-F238E27FC236}">
+                <a16:creationId xmlns:a16="http://schemas.microsoft.com/office/drawing/2014/main" id="{E79E60FF-4915-4AF4-B763-B9FB413BF9BE}"/>
+              </a:ext>
+            </a:extLst>
+          </p:cNvPr>
+          <p:cNvSpPr/>
+          <p:nvPr/>
+        </p:nvSpPr>
+        <p:spPr>
+          <a:xfrm>
+            <a:off x="6921305" y="2419835"/>
+            <a:ext cx="4456024" cy="3046988"/>
+          </a:xfrm>
+          <a:prstGeom prst="rect">
+            <a:avLst/>
+          </a:prstGeom>
+        </p:spPr>
+        <p:txBody>
+          <a:bodyPr wrap="square">
+            <a:spAutoFit/>
+          </a:bodyPr>
+          <a:lstStyle/>
+          <a:p>
+            <a:pPr marL="342900" indent="-342900">
+              <a:buFont typeface="Arial" panose="020B0604020202020204" pitchFamily="34" charset="0"/>
+              <a:buChar char="•"/>
+            </a:pPr>
+            <a:r>
+              <a:rPr lang="tr-TR" sz="2400" dirty="0">
+                <a:latin typeface="Roboto"/>
+              </a:rPr>
+              <a:t>Gözlem sayısını arttır</a:t>
+            </a:r>
+          </a:p>
+          <a:p>
+            <a:endParaRPr lang="tr-TR" sz="2400" dirty="0">
+              <a:latin typeface="Roboto"/>
+            </a:endParaRPr>
+          </a:p>
+          <a:p>
+            <a:pPr marL="342900" indent="-342900">
+              <a:buFont typeface="Arial" panose="020B0604020202020204" pitchFamily="34" charset="0"/>
+              <a:buChar char="•"/>
+            </a:pPr>
+            <a:r>
+              <a:rPr lang="tr-TR" sz="2400" dirty="0">
+                <a:latin typeface="Roboto"/>
+              </a:rPr>
+              <a:t>Modelin karmaşıklığını azalt</a:t>
+            </a:r>
+          </a:p>
+          <a:p>
+            <a:endParaRPr lang="tr-TR" sz="2400" dirty="0">
+              <a:latin typeface="Roboto"/>
+            </a:endParaRPr>
+          </a:p>
+          <a:p>
+            <a:pPr marL="342900" indent="-342900">
+              <a:buFont typeface="Arial" panose="020B0604020202020204" pitchFamily="34" charset="0"/>
+              <a:buChar char="•"/>
+            </a:pPr>
+            <a:r>
+              <a:rPr lang="tr-TR" sz="2400" dirty="0">
+                <a:latin typeface="Roboto"/>
+              </a:rPr>
+              <a:t>Bazı özellikleri seçme</a:t>
+            </a:r>
+          </a:p>
+          <a:p>
+            <a:endParaRPr lang="tr-TR" sz="2400" dirty="0">
+              <a:latin typeface="Roboto"/>
+            </a:endParaRPr>
+          </a:p>
+          <a:p>
+            <a:pPr marL="342900" indent="-342900">
+              <a:buFont typeface="Arial" panose="020B0604020202020204" pitchFamily="34" charset="0"/>
+              <a:buChar char="•"/>
+            </a:pPr>
+            <a:r>
+              <a:rPr lang="tr-TR" sz="2400" dirty="0">
+                <a:latin typeface="Roboto"/>
+              </a:rPr>
+              <a:t>Gürültüyü azalt</a:t>
+            </a:r>
+          </a:p>
+          <a:p>
+            <a:endParaRPr lang="tr-TR" sz="2400" dirty="0"/>
+          </a:p>
+        </p:txBody>
+      </p:sp>
+      <p:sp>
+        <p:nvSpPr>
+          <p:cNvPr id="5" name="Rectangle 7">
+            <a:extLst>
+              <a:ext uri="{FF2B5EF4-FFF2-40B4-BE49-F238E27FC236}">
+                <a16:creationId xmlns:a16="http://schemas.microsoft.com/office/drawing/2014/main" id="{BC238D96-429E-4E5E-8D17-5F473A923A08}"/>
+              </a:ext>
+            </a:extLst>
+          </p:cNvPr>
+          <p:cNvSpPr>
+            <a:spLocks noChangeArrowheads="1"/>
+          </p:cNvSpPr>
+          <p:nvPr/>
+        </p:nvSpPr>
+        <p:spPr bwMode="auto">
+          <a:xfrm>
+            <a:off x="7188591" y="786303"/>
+            <a:ext cx="3087337" cy="493981"/>
+          </a:xfrm>
+          <a:prstGeom prst="rect">
+            <a:avLst/>
+          </a:prstGeom>
+          <a:noFill/>
+          <a:ln>
+            <a:noFill/>
+          </a:ln>
+          <a:extLst>
+            <a:ext uri="{909E8E84-426E-40DD-AFC4-6F175D3DCCD1}">
+              <a14:hiddenFill xmlns:a14="http://schemas.microsoft.com/office/drawing/2010/main">
+                <a:solidFill>
+                  <a:srgbClr val="FFFFFF"/>
+                </a:solidFill>
+              </a14:hiddenFill>
+            </a:ext>
+            <a:ext uri="{91240B29-F687-4F45-9708-019B960494DF}">
+              <a14:hiddenLine xmlns:a14="http://schemas.microsoft.com/office/drawing/2010/main" w="9525">
+                <a:solidFill>
+                  <a:srgbClr val="000000"/>
+                </a:solidFill>
+                <a:miter lim="800000"/>
+                <a:headEnd/>
+                <a:tailEnd/>
+              </a14:hiddenLine>
+            </a:ext>
+          </a:extLst>
+        </p:spPr>
+        <p:txBody>
+          <a:bodyPr wrap="square">
             <a:spAutoFit/>
           </a:bodyPr>
           <a:lstStyle/>
@@ -6383,6 +5531,43 @@
           </a:p>
         </p:txBody>
       </p:sp>
+      <p:cxnSp>
+        <p:nvCxnSpPr>
+          <p:cNvPr id="7" name="Düz Bağlayıcı 6">
+            <a:extLst>
+              <a:ext uri="{FF2B5EF4-FFF2-40B4-BE49-F238E27FC236}">
+                <a16:creationId xmlns:a16="http://schemas.microsoft.com/office/drawing/2014/main" id="{34983EB5-C616-4E51-8C2F-944D8EB2B29F}"/>
+              </a:ext>
+            </a:extLst>
+          </p:cNvPr>
+          <p:cNvCxnSpPr/>
+          <p:nvPr/>
+        </p:nvCxnSpPr>
+        <p:spPr>
+          <a:xfrm>
+            <a:off x="5697415" y="0"/>
+            <a:ext cx="0" cy="6858000"/>
+          </a:xfrm>
+          <a:prstGeom prst="line">
+            <a:avLst/>
+          </a:prstGeom>
+          <a:ln w="76200"/>
+        </p:spPr>
+        <p:style>
+          <a:lnRef idx="3">
+            <a:schemeClr val="accent2"/>
+          </a:lnRef>
+          <a:fillRef idx="0">
+            <a:schemeClr val="accent2"/>
+          </a:fillRef>
+          <a:effectRef idx="2">
+            <a:schemeClr val="accent2"/>
+          </a:effectRef>
+          <a:fontRef idx="minor">
+            <a:schemeClr val="tx1"/>
+          </a:fontRef>
+        </p:style>
+      </p:cxnSp>
     </p:spTree>
     <p:extLst>
       <p:ext uri="{BB962C8B-B14F-4D97-AF65-F5344CB8AC3E}">
@@ -6414,7 +5599,7 @@
                             </p:stCondLst>
                             <p:childTnLst>
                               <p:par>
-                                <p:cTn id="5" presetID="10" presetClass="entr" presetSubtype="0" fill="hold" nodeType="clickEffect">
+                                <p:cTn id="5" presetID="22" presetClass="entr" presetSubtype="1" fill="hold" grpId="0" nodeType="clickEffect">
                                   <p:stCondLst>
                                     <p:cond delay="0"/>
                                   </p:stCondLst>
@@ -6427,11 +5612,7 @@
                                           </p:stCondLst>
                                         </p:cTn>
                                         <p:tgtEl>
-                                          <p:spTgt spid="2">
-                                            <p:txEl>
-                                              <p:pRg st="0" end="0"/>
-                                            </p:txEl>
-                                          </p:spTgt>
+                                          <p:spTgt spid="3"/>
                                         </p:tgtEl>
                                         <p:attrNameLst>
                                           <p:attrName>style.visibility</p:attrName>
@@ -6441,15 +5622,46 @@
                                         <p:strVal val="visible"/>
                                       </p:to>
                                     </p:set>
-                                    <p:animEffect transition="in" filter="fade">
+                                    <p:animEffect transition="in" filter="wipe(up)">
                                       <p:cBhvr>
                                         <p:cTn id="7" dur="500"/>
                                         <p:tgtEl>
-                                          <p:spTgt spid="2">
-                                            <p:txEl>
-                                              <p:pRg st="0" end="0"/>
-                                            </p:txEl>
-                                          </p:spTgt>
+                                          <p:spTgt spid="3"/>
+                                        </p:tgtEl>
+                                      </p:cBhvr>
+                                    </p:animEffect>
+                                  </p:childTnLst>
+                                </p:cTn>
+                              </p:par>
+                              <p:par>
+                                <p:cTn id="8" presetID="22" presetClass="entr" presetSubtype="1" fill="hold" grpId="0" nodeType="withEffect">
+                                  <p:stCondLst>
+                                    <p:cond delay="0"/>
+                                  </p:stCondLst>
+                                  <p:childTnLst>
+                                    <p:set>
+                                      <p:cBhvr>
+                                        <p:cTn id="9" dur="1" fill="hold">
+                                          <p:stCondLst>
+                                            <p:cond delay="0"/>
+                                          </p:stCondLst>
+                                        </p:cTn>
+                                        <p:tgtEl>
+                                          <p:spTgt spid="2"/>
+                                        </p:tgtEl>
+                                        <p:attrNameLst>
+                                          <p:attrName>style.visibility</p:attrName>
+                                        </p:attrNameLst>
+                                      </p:cBhvr>
+                                      <p:to>
+                                        <p:strVal val="visible"/>
+                                      </p:to>
+                                    </p:set>
+                                    <p:animEffect transition="in" filter="wipe(up)">
+                                      <p:cBhvr>
+                                        <p:cTn id="10" dur="500"/>
+                                        <p:tgtEl>
+                                          <p:spTgt spid="2"/>
                                         </p:tgtEl>
                                       </p:cBhvr>
                                     </p:animEffect>
@@ -6463,36 +5675,32 @@
                     </p:cTn>
                   </p:par>
                   <p:par>
-                    <p:cTn id="8" fill="hold">
+                    <p:cTn id="11" fill="hold">
                       <p:stCondLst>
                         <p:cond delay="indefinite"/>
                       </p:stCondLst>
                       <p:childTnLst>
                         <p:par>
-                          <p:cTn id="9" fill="hold">
+                          <p:cTn id="12" fill="hold">
                             <p:stCondLst>
                               <p:cond delay="0"/>
                             </p:stCondLst>
                             <p:childTnLst>
                               <p:par>
-                                <p:cTn id="10" presetID="10" presetClass="entr" presetSubtype="0" fill="hold" nodeType="clickEffect">
+                                <p:cTn id="13" presetID="22" presetClass="entr" presetSubtype="1" fill="hold" grpId="0" nodeType="clickEffect">
                                   <p:stCondLst>
                                     <p:cond delay="0"/>
                                   </p:stCondLst>
                                   <p:childTnLst>
                                     <p:set>
                                       <p:cBhvr>
-                                        <p:cTn id="11" dur="1" fill="hold">
+                                        <p:cTn id="14" dur="1" fill="hold">
                                           <p:stCondLst>
                                             <p:cond delay="0"/>
                                           </p:stCondLst>
                                         </p:cTn>
                                         <p:tgtEl>
-                                          <p:spTgt spid="2">
-                                            <p:txEl>
-                                              <p:pRg st="2" end="2"/>
-                                            </p:txEl>
-                                          </p:spTgt>
+                                          <p:spTgt spid="5"/>
                                         </p:tgtEl>
                                         <p:attrNameLst>
                                           <p:attrName>style.visibility</p:attrName>
@@ -6502,58 +5710,32 @@
                                         <p:strVal val="visible"/>
                                       </p:to>
                                     </p:set>
-                                    <p:animEffect transition="in" filter="fade">
+                                    <p:animEffect transition="in" filter="wipe(up)">
                                       <p:cBhvr>
-                                        <p:cTn id="12" dur="500"/>
+                                        <p:cTn id="15" dur="500"/>
                                         <p:tgtEl>
-                                          <p:spTgt spid="2">
-                                            <p:txEl>
-                                              <p:pRg st="2" end="2"/>
-                                            </p:txEl>
-                                          </p:spTgt>
+                                          <p:spTgt spid="5"/>
                                         </p:tgtEl>
                                       </p:cBhvr>
                                     </p:animEffect>
                                   </p:childTnLst>
                                 </p:cTn>
                               </p:par>
-                            </p:childTnLst>
-                          </p:cTn>
-                        </p:par>
-                      </p:childTnLst>
-                    </p:cTn>
-                  </p:par>
-                  <p:par>
-                    <p:cTn id="13" fill="hold">
-                      <p:stCondLst>
-                        <p:cond delay="indefinite"/>
-                      </p:stCondLst>
-                      <p:childTnLst>
-                        <p:par>
-                          <p:cTn id="14" fill="hold">
-                            <p:stCondLst>
-                              <p:cond delay="0"/>
-                            </p:stCondLst>
-                            <p:childTnLst>
                               <p:par>
-                                <p:cTn id="15" presetID="10" presetClass="entr" presetSubtype="0" fill="hold" nodeType="clickEffect">
+                                <p:cTn id="16" presetID="22" presetClass="entr" presetSubtype="1" fill="hold" grpId="0" nodeType="withEffect">
                                   <p:stCondLst>
                                     <p:cond delay="0"/>
                                   </p:stCondLst>
                                   <p:childTnLst>
                                     <p:set>
                                       <p:cBhvr>
-                                        <p:cTn id="16" dur="1" fill="hold">
+                                        <p:cTn id="17" dur="1" fill="hold">
                                           <p:stCondLst>
                                             <p:cond delay="0"/>
                                           </p:stCondLst>
                                         </p:cTn>
                                         <p:tgtEl>
-                                          <p:spTgt spid="2">
-                                            <p:txEl>
-                                              <p:pRg st="4" end="4"/>
-                                            </p:txEl>
-                                          </p:spTgt>
+                                          <p:spTgt spid="4"/>
                                         </p:tgtEl>
                                         <p:attrNameLst>
                                           <p:attrName>style.visibility</p:attrName>
@@ -6563,76 +5745,11 @@
                                         <p:strVal val="visible"/>
                                       </p:to>
                                     </p:set>
-                                    <p:animEffect transition="in" filter="fade">
+                                    <p:animEffect transition="in" filter="wipe(up)">
                                       <p:cBhvr>
-                                        <p:cTn id="17" dur="500"/>
+                                        <p:cTn id="18" dur="500"/>
                                         <p:tgtEl>
-                                          <p:spTgt spid="2">
-                                            <p:txEl>
-                                              <p:pRg st="4" end="4"/>
-                                            </p:txEl>
-                                          </p:spTgt>
-                                        </p:tgtEl>
-                                      </p:cBhvr>
-                                    </p:animEffect>
-                                  </p:childTnLst>
-                                </p:cTn>
-                              </p:par>
-                            </p:childTnLst>
-                          </p:cTn>
-                        </p:par>
-                      </p:childTnLst>
-                    </p:cTn>
-                  </p:par>
-                  <p:par>
-                    <p:cTn id="18" fill="hold">
-                      <p:stCondLst>
-                        <p:cond delay="indefinite"/>
-                      </p:stCondLst>
-                      <p:childTnLst>
-                        <p:par>
-                          <p:cTn id="19" fill="hold">
-                            <p:stCondLst>
-                              <p:cond delay="0"/>
-                            </p:stCondLst>
-                            <p:childTnLst>
-                              <p:par>
-                                <p:cTn id="20" presetID="10" presetClass="entr" presetSubtype="0" fill="hold" nodeType="clickEffect">
-                                  <p:stCondLst>
-                                    <p:cond delay="0"/>
-                                  </p:stCondLst>
-                                  <p:childTnLst>
-                                    <p:set>
-                                      <p:cBhvr>
-                                        <p:cTn id="21" dur="1" fill="hold">
-                                          <p:stCondLst>
-                                            <p:cond delay="0"/>
-                                          </p:stCondLst>
-                                        </p:cTn>
-                                        <p:tgtEl>
-                                          <p:spTgt spid="2">
-                                            <p:txEl>
-                                              <p:pRg st="6" end="6"/>
-                                            </p:txEl>
-                                          </p:spTgt>
-                                        </p:tgtEl>
-                                        <p:attrNameLst>
-                                          <p:attrName>style.visibility</p:attrName>
-                                        </p:attrNameLst>
-                                      </p:cBhvr>
-                                      <p:to>
-                                        <p:strVal val="visible"/>
-                                      </p:to>
-                                    </p:set>
-                                    <p:animEffect transition="in" filter="fade">
-                                      <p:cBhvr>
-                                        <p:cTn id="22" dur="500"/>
-                                        <p:tgtEl>
-                                          <p:spTgt spid="2">
-                                            <p:txEl>
-                                              <p:pRg st="6" end="6"/>
-                                            </p:txEl>
-                                          </p:spTgt>
+                                          <p:spTgt spid="4"/>
                                         </p:tgtEl>
                                       </p:cBhvr>
                                     </p:animEffect>
@@ -6666,11 +5783,586 @@
         </p:cTn>
       </p:par>
     </p:tnLst>
+    <p:bldLst>
+      <p:bldP spid="2" grpId="0"/>
+      <p:bldP spid="3" grpId="0"/>
+      <p:bldP spid="4" grpId="0"/>
+      <p:bldP spid="5" grpId="0"/>
+    </p:bldLst>
   </p:timing>
 </p:sld>
 </file>
 
 <file path=ppt/slides/slide15.xml><?xml version="1.0" encoding="utf-8"?>
+<p:sld xmlns:a="http://schemas.openxmlformats.org/drawingml/2006/main" xmlns:r="http://schemas.openxmlformats.org/officeDocument/2006/relationships" xmlns:p="http://schemas.openxmlformats.org/presentationml/2006/main">
+  <p:cSld>
+    <p:spTree>
+      <p:nvGrpSpPr>
+        <p:cNvPr id="1" name=""/>
+        <p:cNvGrpSpPr/>
+        <p:nvPr/>
+      </p:nvGrpSpPr>
+      <p:grpSpPr>
+        <a:xfrm>
+          <a:off x="0" y="0"/>
+          <a:ext cx="0" cy="0"/>
+          <a:chOff x="0" y="0"/>
+          <a:chExt cx="0" cy="0"/>
+        </a:xfrm>
+      </p:grpSpPr>
+      <p:sp>
+        <p:nvSpPr>
+          <p:cNvPr id="2" name="Dikdörtgen 1">
+            <a:extLst>
+              <a:ext uri="{FF2B5EF4-FFF2-40B4-BE49-F238E27FC236}">
+                <a16:creationId xmlns:a16="http://schemas.microsoft.com/office/drawing/2014/main" id="{9E7DAE9A-5611-476C-9343-F8F6556FE056}"/>
+              </a:ext>
+            </a:extLst>
+          </p:cNvPr>
+          <p:cNvSpPr/>
+          <p:nvPr/>
+        </p:nvSpPr>
+        <p:spPr>
+          <a:xfrm>
+            <a:off x="636481" y="1865837"/>
+            <a:ext cx="4206240" cy="3416320"/>
+          </a:xfrm>
+          <a:prstGeom prst="rect">
+            <a:avLst/>
+          </a:prstGeom>
+        </p:spPr>
+        <p:txBody>
+          <a:bodyPr wrap="square">
+            <a:spAutoFit/>
+          </a:bodyPr>
+          <a:lstStyle/>
+          <a:p>
+            <a:pPr marL="342900" indent="-342900">
+              <a:buFont typeface="Arial" panose="020B0604020202020204" pitchFamily="34" charset="0"/>
+              <a:buChar char="•"/>
+            </a:pPr>
+            <a:r>
+              <a:rPr lang="tr-TR" sz="2400" dirty="0">
+                <a:latin typeface="Roboto"/>
+              </a:rPr>
+              <a:t>Eğitim seti ile test edildiğinde çok düşük başarı varsa</a:t>
+            </a:r>
+          </a:p>
+          <a:p>
+            <a:pPr marL="342900" indent="-342900">
+              <a:buFont typeface="Arial" panose="020B0604020202020204" pitchFamily="34" charset="0"/>
+              <a:buChar char="•"/>
+            </a:pPr>
+            <a:endParaRPr lang="tr-TR" sz="2400" dirty="0">
+              <a:latin typeface="Roboto"/>
+            </a:endParaRPr>
+          </a:p>
+          <a:p>
+            <a:pPr marL="342900" indent="-342900">
+              <a:buFont typeface="Arial" panose="020B0604020202020204" pitchFamily="34" charset="0"/>
+              <a:buChar char="•"/>
+            </a:pPr>
+            <a:r>
+              <a:rPr lang="tr-TR" sz="2400" dirty="0">
+                <a:latin typeface="Roboto"/>
+              </a:rPr>
+              <a:t>Eğer model öğrenemiyorsa veri miktarı arttırmanın faydası olmaz </a:t>
+            </a:r>
+          </a:p>
+          <a:p>
+            <a:endParaRPr lang="tr-TR" sz="2400" dirty="0">
+              <a:latin typeface="Roboto"/>
+            </a:endParaRPr>
+          </a:p>
+          <a:p>
+            <a:endParaRPr lang="tr-TR" sz="2400" dirty="0">
+              <a:latin typeface="Roboto"/>
+            </a:endParaRPr>
+          </a:p>
+        </p:txBody>
+      </p:sp>
+      <p:sp>
+        <p:nvSpPr>
+          <p:cNvPr id="3" name="Rectangle 7">
+            <a:extLst>
+              <a:ext uri="{FF2B5EF4-FFF2-40B4-BE49-F238E27FC236}">
+                <a16:creationId xmlns:a16="http://schemas.microsoft.com/office/drawing/2014/main" id="{D42DE1B9-BAF2-438A-99D4-A19B593936A9}"/>
+              </a:ext>
+            </a:extLst>
+          </p:cNvPr>
+          <p:cNvSpPr>
+            <a:spLocks noChangeArrowheads="1"/>
+          </p:cNvSpPr>
+          <p:nvPr/>
+        </p:nvSpPr>
+        <p:spPr bwMode="auto">
+          <a:xfrm>
+            <a:off x="323563" y="585479"/>
+            <a:ext cx="4726732" cy="895630"/>
+          </a:xfrm>
+          <a:prstGeom prst="rect">
+            <a:avLst/>
+          </a:prstGeom>
+          <a:noFill/>
+          <a:ln>
+            <a:noFill/>
+          </a:ln>
+          <a:extLst>
+            <a:ext uri="{909E8E84-426E-40DD-AFC4-6F175D3DCCD1}">
+              <a14:hiddenFill xmlns:a14="http://schemas.microsoft.com/office/drawing/2010/main">
+                <a:solidFill>
+                  <a:srgbClr val="FFFFFF"/>
+                </a:solidFill>
+              </a14:hiddenFill>
+            </a:ext>
+            <a:ext uri="{91240B29-F687-4F45-9708-019B960494DF}">
+              <a14:hiddenLine xmlns:a14="http://schemas.microsoft.com/office/drawing/2010/main" w="9525">
+                <a:solidFill>
+                  <a:srgbClr val="000000"/>
+                </a:solidFill>
+                <a:miter lim="800000"/>
+                <a:headEnd/>
+                <a:tailEnd/>
+              </a14:hiddenLine>
+            </a:ext>
+          </a:extLst>
+        </p:spPr>
+        <p:txBody>
+          <a:bodyPr wrap="square">
+            <a:spAutoFit/>
+          </a:bodyPr>
+          <a:lstStyle/>
+          <a:p>
+            <a:pPr marL="0" lvl="1" algn="ctr">
+              <a:lnSpc>
+                <a:spcPct val="90000"/>
+              </a:lnSpc>
+              <a:spcBef>
+                <a:spcPct val="0"/>
+              </a:spcBef>
+            </a:pPr>
+            <a:r>
+              <a:rPr lang="tr-TR" sz="2900" b="1" dirty="0">
+                <a:solidFill>
+                  <a:srgbClr val="FF1F20"/>
+                </a:solidFill>
+                <a:latin typeface="Arial" panose="020B0604020202020204" pitchFamily="34" charset="0"/>
+                <a:ea typeface="Verdana" panose="020B0604030504040204" pitchFamily="34" charset="0"/>
+                <a:cs typeface="Arial" panose="020B0604020202020204" pitchFamily="34" charset="0"/>
+              </a:rPr>
+              <a:t>ÖĞRENEMEME (UNDERFIT) BELİRTİLERİ</a:t>
+            </a:r>
+          </a:p>
+        </p:txBody>
+      </p:sp>
+      <p:cxnSp>
+        <p:nvCxnSpPr>
+          <p:cNvPr id="7" name="Düz Bağlayıcı 6">
+            <a:extLst>
+              <a:ext uri="{FF2B5EF4-FFF2-40B4-BE49-F238E27FC236}">
+                <a16:creationId xmlns:a16="http://schemas.microsoft.com/office/drawing/2014/main" id="{34983EB5-C616-4E51-8C2F-944D8EB2B29F}"/>
+              </a:ext>
+            </a:extLst>
+          </p:cNvPr>
+          <p:cNvCxnSpPr/>
+          <p:nvPr/>
+        </p:nvCxnSpPr>
+        <p:spPr>
+          <a:xfrm>
+            <a:off x="5697415" y="0"/>
+            <a:ext cx="0" cy="6858000"/>
+          </a:xfrm>
+          <a:prstGeom prst="line">
+            <a:avLst/>
+          </a:prstGeom>
+          <a:ln w="76200"/>
+        </p:spPr>
+        <p:style>
+          <a:lnRef idx="3">
+            <a:schemeClr val="accent2"/>
+          </a:lnRef>
+          <a:fillRef idx="0">
+            <a:schemeClr val="accent2"/>
+          </a:fillRef>
+          <a:effectRef idx="2">
+            <a:schemeClr val="accent2"/>
+          </a:effectRef>
+          <a:fontRef idx="minor">
+            <a:schemeClr val="tx1"/>
+          </a:fontRef>
+        </p:style>
+      </p:cxnSp>
+      <p:sp>
+        <p:nvSpPr>
+          <p:cNvPr id="8" name="Dikdörtgen 7">
+            <a:extLst>
+              <a:ext uri="{FF2B5EF4-FFF2-40B4-BE49-F238E27FC236}">
+                <a16:creationId xmlns:a16="http://schemas.microsoft.com/office/drawing/2014/main" id="{F501BEC0-F0EA-424E-BB52-511FBB9A3F3E}"/>
+              </a:ext>
+            </a:extLst>
+          </p:cNvPr>
+          <p:cNvSpPr/>
+          <p:nvPr/>
+        </p:nvSpPr>
+        <p:spPr>
+          <a:xfrm>
+            <a:off x="6552110" y="2358206"/>
+            <a:ext cx="4206240" cy="3046988"/>
+          </a:xfrm>
+          <a:prstGeom prst="rect">
+            <a:avLst/>
+          </a:prstGeom>
+        </p:spPr>
+        <p:txBody>
+          <a:bodyPr wrap="square">
+            <a:spAutoFit/>
+          </a:bodyPr>
+          <a:lstStyle/>
+          <a:p>
+            <a:pPr marL="342900" indent="-342900">
+              <a:buFont typeface="Arial" panose="020B0604020202020204" pitchFamily="34" charset="0"/>
+              <a:buChar char="•"/>
+            </a:pPr>
+            <a:r>
+              <a:rPr lang="tr-TR" sz="2400" dirty="0">
+                <a:latin typeface="Roboto"/>
+              </a:rPr>
+              <a:t>Daha karmaşık modeller kurmak</a:t>
+            </a:r>
+          </a:p>
+          <a:p>
+            <a:pPr marL="342900" indent="-342900">
+              <a:buFont typeface="Arial" panose="020B0604020202020204" pitchFamily="34" charset="0"/>
+              <a:buChar char="•"/>
+            </a:pPr>
+            <a:endParaRPr lang="tr-TR" sz="2400" dirty="0">
+              <a:latin typeface="Roboto"/>
+            </a:endParaRPr>
+          </a:p>
+          <a:p>
+            <a:pPr marL="342900" indent="-342900">
+              <a:buFont typeface="Arial" panose="020B0604020202020204" pitchFamily="34" charset="0"/>
+              <a:buChar char="•"/>
+            </a:pPr>
+            <a:r>
+              <a:rPr lang="tr-TR" sz="2400" dirty="0">
+                <a:latin typeface="Roboto"/>
+              </a:rPr>
+              <a:t>Öğrenmeye yardımcı olacak yeni nitelikler bulmak </a:t>
+            </a:r>
+          </a:p>
+          <a:p>
+            <a:endParaRPr lang="tr-TR" sz="2400" dirty="0">
+              <a:latin typeface="Roboto"/>
+            </a:endParaRPr>
+          </a:p>
+          <a:p>
+            <a:endParaRPr lang="tr-TR" sz="2400" dirty="0">
+              <a:latin typeface="Roboto"/>
+            </a:endParaRPr>
+          </a:p>
+        </p:txBody>
+      </p:sp>
+      <p:sp>
+        <p:nvSpPr>
+          <p:cNvPr id="9" name="Rectangle 7">
+            <a:extLst>
+              <a:ext uri="{FF2B5EF4-FFF2-40B4-BE49-F238E27FC236}">
+                <a16:creationId xmlns:a16="http://schemas.microsoft.com/office/drawing/2014/main" id="{A3FFD976-AAAD-4A6D-82D1-F9A40B4DC315}"/>
+              </a:ext>
+            </a:extLst>
+          </p:cNvPr>
+          <p:cNvSpPr>
+            <a:spLocks noChangeArrowheads="1"/>
+          </p:cNvSpPr>
+          <p:nvPr/>
+        </p:nvSpPr>
+        <p:spPr bwMode="auto">
+          <a:xfrm>
+            <a:off x="6494586" y="585479"/>
+            <a:ext cx="4726732" cy="1297278"/>
+          </a:xfrm>
+          <a:prstGeom prst="rect">
+            <a:avLst/>
+          </a:prstGeom>
+          <a:noFill/>
+          <a:ln>
+            <a:noFill/>
+          </a:ln>
+          <a:extLst>
+            <a:ext uri="{909E8E84-426E-40DD-AFC4-6F175D3DCCD1}">
+              <a14:hiddenFill xmlns:a14="http://schemas.microsoft.com/office/drawing/2010/main">
+                <a:solidFill>
+                  <a:srgbClr val="FFFFFF"/>
+                </a:solidFill>
+              </a14:hiddenFill>
+            </a:ext>
+            <a:ext uri="{91240B29-F687-4F45-9708-019B960494DF}">
+              <a14:hiddenLine xmlns:a14="http://schemas.microsoft.com/office/drawing/2010/main" w="9525">
+                <a:solidFill>
+                  <a:srgbClr val="000000"/>
+                </a:solidFill>
+                <a:miter lim="800000"/>
+                <a:headEnd/>
+                <a:tailEnd/>
+              </a14:hiddenLine>
+            </a:ext>
+          </a:extLst>
+        </p:spPr>
+        <p:txBody>
+          <a:bodyPr wrap="square">
+            <a:spAutoFit/>
+          </a:bodyPr>
+          <a:lstStyle/>
+          <a:p>
+            <a:pPr marL="0" lvl="1" algn="ctr">
+              <a:lnSpc>
+                <a:spcPct val="90000"/>
+              </a:lnSpc>
+              <a:spcBef>
+                <a:spcPct val="0"/>
+              </a:spcBef>
+            </a:pPr>
+            <a:r>
+              <a:rPr lang="tr-TR" sz="2900" b="1" dirty="0">
+                <a:solidFill>
+                  <a:srgbClr val="FF1F20"/>
+                </a:solidFill>
+                <a:latin typeface="Arial" panose="020B0604020202020204" pitchFamily="34" charset="0"/>
+                <a:ea typeface="Verdana" panose="020B0604030504040204" pitchFamily="34" charset="0"/>
+                <a:cs typeface="Arial" panose="020B0604020202020204" pitchFamily="34" charset="0"/>
+              </a:rPr>
+              <a:t>ÖĞRENEMEME (UNDERFIT) KARŞISINDA YAPILABİLECEKLER</a:t>
+            </a:r>
+          </a:p>
+        </p:txBody>
+      </p:sp>
+    </p:spTree>
+    <p:extLst>
+      <p:ext uri="{BB962C8B-B14F-4D97-AF65-F5344CB8AC3E}">
+        <p14:creationId xmlns:p14="http://schemas.microsoft.com/office/powerpoint/2010/main" val="1742298225"/>
+      </p:ext>
+    </p:extLst>
+  </p:cSld>
+  <p:clrMapOvr>
+    <a:masterClrMapping/>
+  </p:clrMapOvr>
+  <p:timing>
+    <p:tnLst>
+      <p:par>
+        <p:cTn id="1" dur="indefinite" restart="never" nodeType="tmRoot">
+          <p:childTnLst>
+            <p:seq concurrent="1" nextAc="seek">
+              <p:cTn id="2" dur="indefinite" nodeType="mainSeq">
+                <p:childTnLst>
+                  <p:par>
+                    <p:cTn id="3" fill="hold">
+                      <p:stCondLst>
+                        <p:cond delay="indefinite"/>
+                      </p:stCondLst>
+                      <p:childTnLst>
+                        <p:par>
+                          <p:cTn id="4" fill="hold">
+                            <p:stCondLst>
+                              <p:cond delay="0"/>
+                            </p:stCondLst>
+                            <p:childTnLst>
+                              <p:par>
+                                <p:cTn id="5" presetID="22" presetClass="entr" presetSubtype="1" fill="hold" grpId="0" nodeType="clickEffect">
+                                  <p:stCondLst>
+                                    <p:cond delay="0"/>
+                                  </p:stCondLst>
+                                  <p:childTnLst>
+                                    <p:set>
+                                      <p:cBhvr>
+                                        <p:cTn id="6" dur="1" fill="hold">
+                                          <p:stCondLst>
+                                            <p:cond delay="0"/>
+                                          </p:stCondLst>
+                                        </p:cTn>
+                                        <p:tgtEl>
+                                          <p:spTgt spid="3"/>
+                                        </p:tgtEl>
+                                        <p:attrNameLst>
+                                          <p:attrName>style.visibility</p:attrName>
+                                        </p:attrNameLst>
+                                      </p:cBhvr>
+                                      <p:to>
+                                        <p:strVal val="visible"/>
+                                      </p:to>
+                                    </p:set>
+                                    <p:animEffect transition="in" filter="wipe(up)">
+                                      <p:cBhvr>
+                                        <p:cTn id="7" dur="500"/>
+                                        <p:tgtEl>
+                                          <p:spTgt spid="3"/>
+                                        </p:tgtEl>
+                                      </p:cBhvr>
+                                    </p:animEffect>
+                                  </p:childTnLst>
+                                </p:cTn>
+                              </p:par>
+                              <p:par>
+                                <p:cTn id="8" presetID="22" presetClass="entr" presetSubtype="1" fill="hold" grpId="0" nodeType="withEffect">
+                                  <p:stCondLst>
+                                    <p:cond delay="0"/>
+                                  </p:stCondLst>
+                                  <p:childTnLst>
+                                    <p:set>
+                                      <p:cBhvr>
+                                        <p:cTn id="9" dur="1" fill="hold">
+                                          <p:stCondLst>
+                                            <p:cond delay="0"/>
+                                          </p:stCondLst>
+                                        </p:cTn>
+                                        <p:tgtEl>
+                                          <p:spTgt spid="2"/>
+                                        </p:tgtEl>
+                                        <p:attrNameLst>
+                                          <p:attrName>style.visibility</p:attrName>
+                                        </p:attrNameLst>
+                                      </p:cBhvr>
+                                      <p:to>
+                                        <p:strVal val="visible"/>
+                                      </p:to>
+                                    </p:set>
+                                    <p:animEffect transition="in" filter="wipe(up)">
+                                      <p:cBhvr>
+                                        <p:cTn id="10" dur="500"/>
+                                        <p:tgtEl>
+                                          <p:spTgt spid="2"/>
+                                        </p:tgtEl>
+                                      </p:cBhvr>
+                                    </p:animEffect>
+                                  </p:childTnLst>
+                                </p:cTn>
+                              </p:par>
+                              <p:par>
+                                <p:cTn id="11" presetID="22" presetClass="entr" presetSubtype="1" fill="hold" grpId="0" nodeType="withEffect">
+                                  <p:stCondLst>
+                                    <p:cond delay="0"/>
+                                  </p:stCondLst>
+                                  <p:childTnLst>
+                                    <p:set>
+                                      <p:cBhvr>
+                                        <p:cTn id="12" dur="1" fill="hold">
+                                          <p:stCondLst>
+                                            <p:cond delay="0"/>
+                                          </p:stCondLst>
+                                        </p:cTn>
+                                        <p:tgtEl>
+                                          <p:spTgt spid="8"/>
+                                        </p:tgtEl>
+                                        <p:attrNameLst>
+                                          <p:attrName>style.visibility</p:attrName>
+                                        </p:attrNameLst>
+                                      </p:cBhvr>
+                                      <p:to>
+                                        <p:strVal val="visible"/>
+                                      </p:to>
+                                    </p:set>
+                                    <p:animEffect transition="in" filter="wipe(up)">
+                                      <p:cBhvr>
+                                        <p:cTn id="13" dur="500"/>
+                                        <p:tgtEl>
+                                          <p:spTgt spid="8"/>
+                                        </p:tgtEl>
+                                      </p:cBhvr>
+                                    </p:animEffect>
+                                  </p:childTnLst>
+                                </p:cTn>
+                              </p:par>
+                            </p:childTnLst>
+                          </p:cTn>
+                        </p:par>
+                      </p:childTnLst>
+                    </p:cTn>
+                  </p:par>
+                  <p:par>
+                    <p:cTn id="14" fill="hold">
+                      <p:stCondLst>
+                        <p:cond delay="indefinite"/>
+                      </p:stCondLst>
+                      <p:childTnLst>
+                        <p:par>
+                          <p:cTn id="15" fill="hold">
+                            <p:stCondLst>
+                              <p:cond delay="0"/>
+                            </p:stCondLst>
+                            <p:childTnLst>
+                              <p:par>
+                                <p:cTn id="16" presetID="22" presetClass="entr" presetSubtype="1" fill="hold" grpId="0" nodeType="clickEffect">
+                                  <p:stCondLst>
+                                    <p:cond delay="0"/>
+                                  </p:stCondLst>
+                                  <p:childTnLst>
+                                    <p:set>
+                                      <p:cBhvr>
+                                        <p:cTn id="17" dur="1" fill="hold">
+                                          <p:stCondLst>
+                                            <p:cond delay="0"/>
+                                          </p:stCondLst>
+                                        </p:cTn>
+                                        <p:tgtEl>
+                                          <p:spTgt spid="9"/>
+                                        </p:tgtEl>
+                                        <p:attrNameLst>
+                                          <p:attrName>style.visibility</p:attrName>
+                                        </p:attrNameLst>
+                                      </p:cBhvr>
+                                      <p:to>
+                                        <p:strVal val="visible"/>
+                                      </p:to>
+                                    </p:set>
+                                    <p:animEffect transition="in" filter="wipe(up)">
+                                      <p:cBhvr>
+                                        <p:cTn id="18" dur="500"/>
+                                        <p:tgtEl>
+                                          <p:spTgt spid="9"/>
+                                        </p:tgtEl>
+                                      </p:cBhvr>
+                                    </p:animEffect>
+                                  </p:childTnLst>
+                                </p:cTn>
+                              </p:par>
+                            </p:childTnLst>
+                          </p:cTn>
+                        </p:par>
+                      </p:childTnLst>
+                    </p:cTn>
+                  </p:par>
+                </p:childTnLst>
+              </p:cTn>
+              <p:prevCondLst>
+                <p:cond evt="onPrev" delay="0">
+                  <p:tgtEl>
+                    <p:sldTgt/>
+                  </p:tgtEl>
+                </p:cond>
+              </p:prevCondLst>
+              <p:nextCondLst>
+                <p:cond evt="onNext" delay="0">
+                  <p:tgtEl>
+                    <p:sldTgt/>
+                  </p:tgtEl>
+                </p:cond>
+              </p:nextCondLst>
+            </p:seq>
+          </p:childTnLst>
+        </p:cTn>
+      </p:par>
+    </p:tnLst>
+    <p:bldLst>
+      <p:bldP spid="2" grpId="0"/>
+      <p:bldP spid="3" grpId="0"/>
+      <p:bldP spid="8" grpId="0"/>
+      <p:bldP spid="9" grpId="0"/>
+    </p:bldLst>
+  </p:timing>
+</p:sld>
+</file>
+
+<file path=ppt/slides/slide16.xml><?xml version="1.0" encoding="utf-8"?>
 <p:sld xmlns:a="http://schemas.openxmlformats.org/drawingml/2006/main" xmlns:r="http://schemas.openxmlformats.org/officeDocument/2006/relationships" xmlns:p="http://schemas.openxmlformats.org/presentationml/2006/main">
   <p:cSld>
     <p:spTree>
@@ -7213,7 +6905,7 @@
 </p:sld>
 </file>
 
-<file path=ppt/slides/slide16.xml><?xml version="1.0" encoding="utf-8"?>
+<file path=ppt/slides/slide17.xml><?xml version="1.0" encoding="utf-8"?>
 <p:sld xmlns:a="http://schemas.openxmlformats.org/drawingml/2006/main" xmlns:r="http://schemas.openxmlformats.org/officeDocument/2006/relationships" xmlns:p="http://schemas.openxmlformats.org/presentationml/2006/main">
   <p:cSld>
     <p:spTree>
@@ -7879,7 +7571,7 @@
 </p:sld>
 </file>
 
-<file path=ppt/slides/slide17.xml><?xml version="1.0" encoding="utf-8"?>
+<file path=ppt/slides/slide18.xml><?xml version="1.0" encoding="utf-8"?>
 <p:sld xmlns:a="http://schemas.openxmlformats.org/drawingml/2006/main" xmlns:r="http://schemas.openxmlformats.org/officeDocument/2006/relationships" xmlns:p="http://schemas.openxmlformats.org/presentationml/2006/main">
   <p:cSld>
     <p:spTree>
@@ -8056,7 +7748,7 @@
 </p:sld>
 </file>
 
-<file path=ppt/slides/slide18.xml><?xml version="1.0" encoding="utf-8"?>
+<file path=ppt/slides/slide19.xml><?xml version="1.0" encoding="utf-8"?>
 <p:sld xmlns:a="http://schemas.openxmlformats.org/drawingml/2006/main" xmlns:r="http://schemas.openxmlformats.org/officeDocument/2006/relationships" xmlns:p="http://schemas.openxmlformats.org/presentationml/2006/main">
   <p:cSld>
     <p:spTree>
